--- a/docs/Poster/postertemplate.pptx
+++ b/docs/Poster/postertemplate.pptx
@@ -4067,7 +4067,7 @@
           </a:bodyPr>
           <a:lstStyle/>
           <a:p>
-            <a:pPr marL="0" indent="0" algn="l">
+            <a:pPr marL="0" indent="0">
               <a:buNone/>
             </a:pPr>
             <a:r>
@@ -4076,7 +4076,23 @@
                   <a:srgbClr val="F37321"/>
                 </a:solidFill>
               </a:rPr>
-              <a:t>An international collaborative effort to build and test prototype satellites</a:t>
+              <a:t>A </a:t>
+            </a:r>
+            <a:r>
+              <a:rPr lang="en-US" sz="5400" dirty="0">
+                <a:solidFill>
+                  <a:srgbClr val="F37321"/>
+                </a:solidFill>
+              </a:rPr>
+              <a:t>collaborative</a:t>
+            </a:r>
+            <a:r>
+              <a:rPr lang="en-US" sz="5400" dirty="0">
+                <a:solidFill>
+                  <a:srgbClr val="F37321"/>
+                </a:solidFill>
+              </a:rPr>
+              <a:t> international effort to build and test prototype satellites</a:t>
             </a:r>
           </a:p>
         </p:txBody>
@@ -7022,7 +7038,7 @@
                   <a:srgbClr val="5D87A1"/>
                 </a:solidFill>
               </a:rPr>
-              <a:t>SUBHEAD. LOREM IPSUM</a:t>
+              <a:t>The Goal</a:t>
             </a:r>
           </a:p>
           <a:p>
@@ -7033,847 +7049,7 @@
             </a:pPr>
             <a:r>
               <a:rPr lang="en-US" sz="3000" dirty="0"/>
-              <a:t>Body. </a:t>
-            </a:r>
-            <a:r>
-              <a:rPr lang="en-US" sz="3000" dirty="0" err="1"/>
-              <a:t>Lorem</a:t>
-            </a:r>
-            <a:r>
-              <a:rPr lang="en-US" sz="3000" dirty="0"/>
-              <a:t> </a:t>
-            </a:r>
-            <a:r>
-              <a:rPr lang="en-US" sz="3000" dirty="0" err="1"/>
-              <a:t>ipsum</a:t>
-            </a:r>
-            <a:r>
-              <a:rPr lang="en-US" sz="3000" dirty="0"/>
-              <a:t> dolor sit </a:t>
-            </a:r>
-            <a:r>
-              <a:rPr lang="en-US" sz="3000" dirty="0" err="1"/>
-              <a:t>amet</a:t>
-            </a:r>
-            <a:r>
-              <a:rPr lang="en-US" sz="3000" dirty="0"/>
-              <a:t>, </a:t>
-            </a:r>
-            <a:r>
-              <a:rPr lang="en-US" sz="3000" dirty="0" err="1"/>
-              <a:t>consectetur</a:t>
-            </a:r>
-            <a:r>
-              <a:rPr lang="en-US" sz="3000" dirty="0"/>
-              <a:t> </a:t>
-            </a:r>
-            <a:r>
-              <a:rPr lang="en-US" sz="3000" dirty="0" err="1"/>
-              <a:t>adipiscing</a:t>
-            </a:r>
-            <a:r>
-              <a:rPr lang="en-US" sz="3000" dirty="0"/>
-              <a:t> </a:t>
-            </a:r>
-            <a:r>
-              <a:rPr lang="en-US" sz="3000" dirty="0" err="1"/>
-              <a:t>elit</a:t>
-            </a:r>
-            <a:r>
-              <a:rPr lang="en-US" sz="3000" dirty="0"/>
-              <a:t>. </a:t>
-            </a:r>
-            <a:r>
-              <a:rPr lang="en-US" sz="3000" dirty="0" err="1"/>
-              <a:t>Etiam</a:t>
-            </a:r>
-            <a:r>
-              <a:rPr lang="en-US" sz="3000" dirty="0"/>
-              <a:t> </a:t>
-            </a:r>
-            <a:r>
-              <a:rPr lang="en-US" sz="3000" dirty="0" err="1"/>
-              <a:t>tristique</a:t>
-            </a:r>
-            <a:r>
-              <a:rPr lang="en-US" sz="3000" dirty="0"/>
-              <a:t> </a:t>
-            </a:r>
-            <a:r>
-              <a:rPr lang="en-US" sz="3000" dirty="0" err="1"/>
-              <a:t>consequat</a:t>
-            </a:r>
-            <a:r>
-              <a:rPr lang="en-US" sz="3000" dirty="0"/>
-              <a:t> </a:t>
-            </a:r>
-            <a:r>
-              <a:rPr lang="en-US" sz="3000" dirty="0" err="1"/>
-              <a:t>laoreet</a:t>
-            </a:r>
-            <a:r>
-              <a:rPr lang="en-US" sz="3000" dirty="0"/>
-              <a:t>. </a:t>
-            </a:r>
-            <a:r>
-              <a:rPr lang="en-US" sz="3000" dirty="0" err="1"/>
-              <a:t>Nunc</a:t>
-            </a:r>
-            <a:r>
-              <a:rPr lang="en-US" sz="3000" dirty="0"/>
-              <a:t> </a:t>
-            </a:r>
-            <a:r>
-              <a:rPr lang="en-US" sz="3000" dirty="0" err="1"/>
-              <a:t>fermentum</a:t>
-            </a:r>
-            <a:r>
-              <a:rPr lang="en-US" sz="3000" dirty="0"/>
-              <a:t> </a:t>
-            </a:r>
-            <a:r>
-              <a:rPr lang="en-US" sz="3000" dirty="0" err="1"/>
-              <a:t>pulvinar</a:t>
-            </a:r>
-            <a:r>
-              <a:rPr lang="en-US" sz="3000" dirty="0"/>
-              <a:t> </a:t>
-            </a:r>
-            <a:r>
-              <a:rPr lang="en-US" sz="3000" dirty="0" err="1"/>
-              <a:t>ornare</a:t>
-            </a:r>
-            <a:r>
-              <a:rPr lang="en-US" sz="3000" dirty="0"/>
-              <a:t>. </a:t>
-            </a:r>
-            <a:r>
-              <a:rPr lang="en-US" sz="3000" dirty="0" err="1"/>
-              <a:t>Fusce</a:t>
-            </a:r>
-            <a:r>
-              <a:rPr lang="en-US" sz="3000" dirty="0"/>
-              <a:t> ac </a:t>
-            </a:r>
-            <a:r>
-              <a:rPr lang="en-US" sz="3000" dirty="0" err="1"/>
-              <a:t>nunc</a:t>
-            </a:r>
-            <a:r>
-              <a:rPr lang="en-US" sz="3000" dirty="0"/>
-              <a:t> in </a:t>
-            </a:r>
-            <a:r>
-              <a:rPr lang="en-US" sz="3000" dirty="0" err="1"/>
-              <a:t>leo</a:t>
-            </a:r>
-            <a:r>
-              <a:rPr lang="en-US" sz="3000" dirty="0"/>
-              <a:t> </a:t>
-            </a:r>
-            <a:r>
-              <a:rPr lang="en-US" sz="3000" dirty="0" err="1"/>
-              <a:t>blandit</a:t>
-            </a:r>
-            <a:r>
-              <a:rPr lang="en-US" sz="3000" dirty="0"/>
-              <a:t> </a:t>
-            </a:r>
-            <a:r>
-              <a:rPr lang="en-US" sz="3000" dirty="0" err="1"/>
-              <a:t>sagittis</a:t>
-            </a:r>
-            <a:r>
-              <a:rPr lang="en-US" sz="3000" dirty="0"/>
-              <a:t> </a:t>
-            </a:r>
-            <a:r>
-              <a:rPr lang="en-US" sz="3000" dirty="0" err="1"/>
-              <a:t>fermentum</a:t>
-            </a:r>
-            <a:r>
-              <a:rPr lang="en-US" sz="3000" dirty="0"/>
-              <a:t> </a:t>
-            </a:r>
-            <a:r>
-              <a:rPr lang="en-US" sz="3000" dirty="0" err="1"/>
-              <a:t>eu</a:t>
-            </a:r>
-            <a:r>
-              <a:rPr lang="en-US" sz="3000" dirty="0"/>
-              <a:t> sem. </a:t>
-            </a:r>
-            <a:r>
-              <a:rPr lang="en-US" sz="3000" dirty="0" err="1"/>
-              <a:t>Curabitur</a:t>
-            </a:r>
-            <a:r>
-              <a:rPr lang="en-US" sz="3000" dirty="0"/>
-              <a:t> ligula </a:t>
-            </a:r>
-            <a:r>
-              <a:rPr lang="en-US" sz="3000" dirty="0" err="1"/>
-              <a:t>odio</a:t>
-            </a:r>
-            <a:r>
-              <a:rPr lang="en-US" sz="3000" dirty="0"/>
-              <a:t>, </a:t>
-            </a:r>
-            <a:r>
-              <a:rPr lang="en-US" sz="3000" dirty="0" err="1"/>
-              <a:t>facilisis</a:t>
-            </a:r>
-            <a:r>
-              <a:rPr lang="en-US" sz="3000" dirty="0"/>
-              <a:t> in </a:t>
-            </a:r>
-            <a:r>
-              <a:rPr lang="en-US" sz="3000" dirty="0" err="1"/>
-              <a:t>tincidunt</a:t>
-            </a:r>
-            <a:r>
-              <a:rPr lang="en-US" sz="3000" dirty="0"/>
-              <a:t> </a:t>
-            </a:r>
-            <a:r>
-              <a:rPr lang="en-US" sz="3000" dirty="0" err="1"/>
-              <a:t>vel</a:t>
-            </a:r>
-            <a:r>
-              <a:rPr lang="en-US" sz="3000" dirty="0"/>
-              <a:t>, </a:t>
-            </a:r>
-            <a:r>
-              <a:rPr lang="en-US" sz="3000" dirty="0" err="1"/>
-              <a:t>scelerisque</a:t>
-            </a:r>
-            <a:r>
-              <a:rPr lang="en-US" sz="3000" dirty="0"/>
-              <a:t> </a:t>
-            </a:r>
-            <a:r>
-              <a:rPr lang="en-US" sz="3000" dirty="0" err="1"/>
-              <a:t>quis</a:t>
-            </a:r>
-            <a:r>
-              <a:rPr lang="en-US" sz="3000" dirty="0"/>
-              <a:t> </a:t>
-            </a:r>
-            <a:r>
-              <a:rPr lang="en-US" sz="3000" dirty="0" err="1"/>
-              <a:t>nulla</a:t>
-            </a:r>
-            <a:r>
-              <a:rPr lang="en-US" sz="3000" dirty="0"/>
-              <a:t>. </a:t>
-            </a:r>
-            <a:r>
-              <a:rPr lang="en-US" sz="3000" dirty="0" err="1"/>
-              <a:t>Vivamus</a:t>
-            </a:r>
-            <a:r>
-              <a:rPr lang="en-US" sz="3000" dirty="0"/>
-              <a:t> </a:t>
-            </a:r>
-            <a:r>
-              <a:rPr lang="en-US" sz="3000" dirty="0" err="1"/>
-              <a:t>interdum</a:t>
-            </a:r>
-            <a:r>
-              <a:rPr lang="en-US" sz="3000" dirty="0"/>
-              <a:t> magna </a:t>
-            </a:r>
-            <a:r>
-              <a:rPr lang="en-US" sz="3000" dirty="0" err="1"/>
-              <a:t>quis</a:t>
-            </a:r>
-            <a:r>
-              <a:rPr lang="en-US" sz="3000" dirty="0"/>
-              <a:t> </a:t>
-            </a:r>
-            <a:r>
-              <a:rPr lang="en-US" sz="3000" dirty="0" err="1"/>
-              <a:t>mauris</a:t>
-            </a:r>
-            <a:r>
-              <a:rPr lang="en-US" sz="3000" dirty="0"/>
-              <a:t> </a:t>
-            </a:r>
-            <a:r>
-              <a:rPr lang="en-US" sz="3000" dirty="0" err="1"/>
-              <a:t>facilisis</a:t>
-            </a:r>
-            <a:r>
-              <a:rPr lang="en-US" sz="3000" dirty="0"/>
-              <a:t> </a:t>
-            </a:r>
-            <a:r>
-              <a:rPr lang="en-US" sz="3000" dirty="0" err="1"/>
-              <a:t>ornare</a:t>
-            </a:r>
-            <a:r>
-              <a:rPr lang="en-US" sz="3000" dirty="0"/>
-              <a:t>. </a:t>
-            </a:r>
-            <a:r>
-              <a:rPr lang="en-US" sz="3000" dirty="0" err="1"/>
-              <a:t>Nunc</a:t>
-            </a:r>
-            <a:r>
-              <a:rPr lang="en-US" sz="3000" dirty="0"/>
-              <a:t> </a:t>
-            </a:r>
-            <a:r>
-              <a:rPr lang="en-US" sz="3000" dirty="0" err="1"/>
-              <a:t>eget</a:t>
-            </a:r>
-            <a:r>
-              <a:rPr lang="en-US" sz="3000" dirty="0"/>
-              <a:t> </a:t>
-            </a:r>
-            <a:r>
-              <a:rPr lang="en-US" sz="3000" dirty="0" err="1"/>
-              <a:t>lectus</a:t>
-            </a:r>
-            <a:r>
-              <a:rPr lang="en-US" sz="3000" dirty="0"/>
-              <a:t> </a:t>
-            </a:r>
-            <a:r>
-              <a:rPr lang="en-US" sz="3000" dirty="0" err="1"/>
-              <a:t>massa</a:t>
-            </a:r>
-            <a:r>
-              <a:rPr lang="en-US" sz="3000" dirty="0"/>
-              <a:t>, </a:t>
-            </a:r>
-            <a:r>
-              <a:rPr lang="en-US" sz="3000" dirty="0" err="1"/>
-              <a:t>quis</a:t>
-            </a:r>
-            <a:r>
-              <a:rPr lang="en-US" sz="3000" dirty="0"/>
-              <a:t> </a:t>
-            </a:r>
-            <a:r>
-              <a:rPr lang="en-US" sz="3000" dirty="0" err="1"/>
-              <a:t>ullamcorper</a:t>
-            </a:r>
-            <a:r>
-              <a:rPr lang="en-US" sz="3000" dirty="0"/>
-              <a:t> </a:t>
-            </a:r>
-            <a:r>
-              <a:rPr lang="en-US" sz="3000" dirty="0" err="1"/>
-              <a:t>libero</a:t>
-            </a:r>
-            <a:r>
-              <a:rPr lang="en-US" sz="3000" dirty="0"/>
-              <a:t>. </a:t>
-            </a:r>
-            <a:r>
-              <a:rPr lang="en-US" sz="3000" dirty="0" err="1"/>
-              <a:t>Pellentesque</a:t>
-            </a:r>
-            <a:r>
-              <a:rPr lang="en-US" sz="3000" dirty="0"/>
-              <a:t> habitant </a:t>
-            </a:r>
-            <a:r>
-              <a:rPr lang="en-US" sz="3000" dirty="0" err="1"/>
-              <a:t>morbi</a:t>
-            </a:r>
-            <a:r>
-              <a:rPr lang="en-US" sz="3000" dirty="0"/>
-              <a:t> </a:t>
-            </a:r>
-            <a:r>
-              <a:rPr lang="en-US" sz="3000" dirty="0" err="1"/>
-              <a:t>tristique</a:t>
-            </a:r>
-            <a:r>
-              <a:rPr lang="en-US" sz="3000" dirty="0"/>
-              <a:t> </a:t>
-            </a:r>
-            <a:r>
-              <a:rPr lang="en-US" sz="3000" dirty="0" err="1"/>
-              <a:t>senectus</a:t>
-            </a:r>
-            <a:r>
-              <a:rPr lang="en-US" sz="3000" dirty="0"/>
-              <a:t> et </a:t>
-            </a:r>
-            <a:r>
-              <a:rPr lang="en-US" sz="3000" dirty="0" err="1"/>
-              <a:t>netus</a:t>
-            </a:r>
-            <a:r>
-              <a:rPr lang="en-US" sz="3000" dirty="0"/>
-              <a:t> et </a:t>
-            </a:r>
-            <a:r>
-              <a:rPr lang="en-US" sz="3000" dirty="0" err="1"/>
-              <a:t>malesuada</a:t>
-            </a:r>
-            <a:r>
-              <a:rPr lang="en-US" sz="3000" dirty="0"/>
-              <a:t> fames ac </a:t>
-            </a:r>
-            <a:r>
-              <a:rPr lang="en-US" sz="3000" dirty="0" err="1"/>
-              <a:t>turpis</a:t>
-            </a:r>
-            <a:r>
-              <a:rPr lang="en-US" sz="3000" dirty="0"/>
-              <a:t> </a:t>
-            </a:r>
-            <a:r>
-              <a:rPr lang="en-US" sz="3000" dirty="0" err="1"/>
-              <a:t>egestas</a:t>
-            </a:r>
-            <a:r>
-              <a:rPr lang="en-US" sz="3000" dirty="0"/>
-              <a:t>. </a:t>
-            </a:r>
-            <a:r>
-              <a:rPr lang="en-US" sz="3000" dirty="0" err="1"/>
-              <a:t>Praesent</a:t>
-            </a:r>
-            <a:r>
-              <a:rPr lang="en-US" sz="3000" dirty="0"/>
-              <a:t> </a:t>
-            </a:r>
-            <a:r>
-              <a:rPr lang="en-US" sz="3000" dirty="0" err="1"/>
-              <a:t>volutpat</a:t>
-            </a:r>
-            <a:r>
-              <a:rPr lang="en-US" sz="3000" dirty="0"/>
-              <a:t> </a:t>
-            </a:r>
-            <a:r>
-              <a:rPr lang="en-US" sz="3000" dirty="0" err="1"/>
-              <a:t>ipsum</a:t>
-            </a:r>
-            <a:r>
-              <a:rPr lang="en-US" sz="3000" dirty="0"/>
-              <a:t> </a:t>
-            </a:r>
-            <a:r>
-              <a:rPr lang="en-US" sz="3000" dirty="0" err="1"/>
-              <a:t>eu</a:t>
-            </a:r>
-            <a:r>
-              <a:rPr lang="en-US" sz="3000" dirty="0"/>
-              <a:t> </a:t>
-            </a:r>
-            <a:r>
-              <a:rPr lang="en-US" sz="3000" dirty="0" err="1"/>
-              <a:t>justo</a:t>
-            </a:r>
-            <a:r>
-              <a:rPr lang="en-US" sz="3000" dirty="0"/>
-              <a:t> </a:t>
-            </a:r>
-            <a:r>
-              <a:rPr lang="en-US" sz="3000" dirty="0" err="1"/>
-              <a:t>aliquam</a:t>
-            </a:r>
-            <a:r>
-              <a:rPr lang="en-US" sz="3000" dirty="0"/>
-              <a:t> </a:t>
-            </a:r>
-            <a:r>
-              <a:rPr lang="en-US" sz="3000" dirty="0" err="1"/>
-              <a:t>lacinia</a:t>
-            </a:r>
-            <a:r>
-              <a:rPr lang="en-US" sz="3000" dirty="0"/>
-              <a:t>. </a:t>
-            </a:r>
-            <a:r>
-              <a:rPr lang="en-US" sz="3000" dirty="0" err="1"/>
-              <a:t>Sed</a:t>
-            </a:r>
-            <a:r>
-              <a:rPr lang="en-US" sz="3000" dirty="0"/>
-              <a:t> </a:t>
-            </a:r>
-            <a:r>
-              <a:rPr lang="en-US" sz="3000" dirty="0" err="1"/>
-              <a:t>interdum</a:t>
-            </a:r>
-            <a:r>
-              <a:rPr lang="en-US" sz="3000" dirty="0"/>
-              <a:t> </a:t>
-            </a:r>
-            <a:r>
-              <a:rPr lang="en-US" sz="3000" dirty="0" err="1"/>
-              <a:t>ipsum</a:t>
-            </a:r>
-            <a:r>
-              <a:rPr lang="en-US" sz="3000" dirty="0"/>
-              <a:t> vitae dui </a:t>
-            </a:r>
-            <a:r>
-              <a:rPr lang="en-US" sz="3000" dirty="0" err="1"/>
-              <a:t>dapibus</a:t>
-            </a:r>
-            <a:r>
-              <a:rPr lang="en-US" sz="3000" dirty="0"/>
-              <a:t> </a:t>
-            </a:r>
-            <a:r>
-              <a:rPr lang="en-US" sz="3000" dirty="0" err="1"/>
-              <a:t>pharetra</a:t>
-            </a:r>
-            <a:r>
-              <a:rPr lang="en-US" sz="3000" dirty="0"/>
-              <a:t>. </a:t>
-            </a:r>
-            <a:r>
-              <a:rPr lang="en-US" sz="3000" dirty="0" err="1"/>
-              <a:t>Donec</a:t>
-            </a:r>
-            <a:r>
-              <a:rPr lang="en-US" sz="3000" dirty="0"/>
-              <a:t> ac </a:t>
-            </a:r>
-            <a:r>
-              <a:rPr lang="en-US" sz="3000" dirty="0" err="1"/>
-              <a:t>eros</a:t>
-            </a:r>
-            <a:r>
-              <a:rPr lang="en-US" sz="3000" dirty="0"/>
-              <a:t> et </a:t>
-            </a:r>
-            <a:r>
-              <a:rPr lang="en-US" sz="3000" dirty="0" err="1"/>
-              <a:t>turpis</a:t>
-            </a:r>
-            <a:r>
-              <a:rPr lang="en-US" sz="3000" dirty="0"/>
-              <a:t> </a:t>
-            </a:r>
-            <a:r>
-              <a:rPr lang="en-US" sz="3000" dirty="0" err="1"/>
-              <a:t>mollis</a:t>
-            </a:r>
-            <a:r>
-              <a:rPr lang="en-US" sz="3000" dirty="0"/>
-              <a:t> </a:t>
-            </a:r>
-            <a:r>
-              <a:rPr lang="en-US" sz="3000" dirty="0" err="1"/>
-              <a:t>pharetra</a:t>
-            </a:r>
-            <a:r>
-              <a:rPr lang="en-US" sz="3000" dirty="0"/>
-              <a:t>. </a:t>
-            </a:r>
-            <a:r>
-              <a:rPr lang="en-US" sz="3000" dirty="0" err="1"/>
-              <a:t>Sed</a:t>
-            </a:r>
-            <a:r>
-              <a:rPr lang="en-US" sz="3000" dirty="0"/>
-              <a:t> </a:t>
-            </a:r>
-            <a:r>
-              <a:rPr lang="en-US" sz="3000" dirty="0" err="1"/>
-              <a:t>eu</a:t>
-            </a:r>
-            <a:r>
-              <a:rPr lang="en-US" sz="3000" dirty="0"/>
-              <a:t> </a:t>
-            </a:r>
-            <a:r>
-              <a:rPr lang="en-US" sz="3000" dirty="0" err="1"/>
-              <a:t>arcu</a:t>
-            </a:r>
-            <a:r>
-              <a:rPr lang="en-US" sz="3000" dirty="0"/>
-              <a:t> </a:t>
-            </a:r>
-            <a:r>
-              <a:rPr lang="en-US" sz="3000" dirty="0" err="1"/>
-              <a:t>neque</a:t>
-            </a:r>
-            <a:r>
-              <a:rPr lang="en-US" sz="3000" dirty="0"/>
-              <a:t>. Integer </a:t>
-            </a:r>
-            <a:r>
-              <a:rPr lang="en-US" sz="3000" dirty="0" err="1"/>
-              <a:t>auctor</a:t>
-            </a:r>
-            <a:r>
-              <a:rPr lang="en-US" sz="3000" dirty="0"/>
-              <a:t> </a:t>
-            </a:r>
-            <a:r>
-              <a:rPr lang="en-US" sz="3000" dirty="0" err="1"/>
-              <a:t>nibh</a:t>
-            </a:r>
-            <a:r>
-              <a:rPr lang="en-US" sz="3000" dirty="0"/>
-              <a:t> </a:t>
-            </a:r>
-            <a:r>
-              <a:rPr lang="en-US" sz="3000" dirty="0" err="1"/>
-              <a:t>eu</a:t>
-            </a:r>
-            <a:r>
-              <a:rPr lang="en-US" sz="3000" dirty="0"/>
-              <a:t> </a:t>
-            </a:r>
-            <a:r>
-              <a:rPr lang="en-US" sz="3000" dirty="0" err="1"/>
-              <a:t>sem</a:t>
-            </a:r>
-            <a:r>
-              <a:rPr lang="en-US" sz="3000" dirty="0"/>
-              <a:t> </a:t>
-            </a:r>
-            <a:r>
-              <a:rPr lang="en-US" sz="3000" dirty="0" err="1"/>
-              <a:t>viverra</a:t>
-            </a:r>
-            <a:r>
-              <a:rPr lang="en-US" sz="3000" dirty="0"/>
-              <a:t> et </a:t>
-            </a:r>
-            <a:r>
-              <a:rPr lang="en-US" sz="3000" dirty="0" err="1"/>
-              <a:t>consectetur</a:t>
-            </a:r>
-            <a:r>
-              <a:rPr lang="en-US" sz="3000" dirty="0"/>
-              <a:t> </a:t>
-            </a:r>
-            <a:r>
-              <a:rPr lang="en-US" sz="3000" dirty="0" err="1"/>
-              <a:t>justo</a:t>
-            </a:r>
-            <a:r>
-              <a:rPr lang="en-US" sz="3000" dirty="0"/>
-              <a:t> </a:t>
-            </a:r>
-            <a:r>
-              <a:rPr lang="en-US" sz="3000" dirty="0" err="1"/>
-              <a:t>tristique</a:t>
-            </a:r>
-            <a:r>
-              <a:rPr lang="en-US" sz="3000" dirty="0"/>
-              <a:t>. </a:t>
-            </a:r>
-            <a:r>
-              <a:rPr lang="en-US" sz="3000" dirty="0" err="1"/>
-              <a:t>Sed</a:t>
-            </a:r>
-            <a:r>
-              <a:rPr lang="en-US" sz="3000" dirty="0"/>
-              <a:t> non </a:t>
-            </a:r>
-            <a:r>
-              <a:rPr lang="en-US" sz="3000" dirty="0" err="1"/>
-              <a:t>urna</a:t>
-            </a:r>
-            <a:r>
-              <a:rPr lang="en-US" sz="3000" dirty="0"/>
-              <a:t> </a:t>
-            </a:r>
-            <a:r>
-              <a:rPr lang="en-US" sz="3000" dirty="0" err="1"/>
-              <a:t>leo</a:t>
-            </a:r>
-            <a:r>
-              <a:rPr lang="en-US" sz="3000" dirty="0"/>
-              <a:t>, </a:t>
-            </a:r>
-            <a:r>
-              <a:rPr lang="en-US" sz="3000" dirty="0" err="1"/>
-              <a:t>vel</a:t>
-            </a:r>
-            <a:r>
-              <a:rPr lang="en-US" sz="3000" dirty="0"/>
-              <a:t> </a:t>
-            </a:r>
-            <a:r>
-              <a:rPr lang="en-US" sz="3000" dirty="0" err="1"/>
-              <a:t>cursus</a:t>
-            </a:r>
-            <a:r>
-              <a:rPr lang="en-US" sz="3000" dirty="0"/>
-              <a:t> </a:t>
-            </a:r>
-            <a:r>
-              <a:rPr lang="en-US" sz="3000" dirty="0" err="1"/>
-              <a:t>nulla</a:t>
-            </a:r>
-            <a:r>
-              <a:rPr lang="en-US" sz="3000" dirty="0"/>
-              <a:t>. </a:t>
-            </a:r>
-            <a:r>
-              <a:rPr lang="en-US" sz="3000" dirty="0" err="1"/>
-              <a:t>Nullam</a:t>
-            </a:r>
-            <a:r>
-              <a:rPr lang="en-US" sz="3000" dirty="0"/>
-              <a:t> </a:t>
-            </a:r>
-            <a:r>
-              <a:rPr lang="en-US" sz="3000" dirty="0" err="1"/>
-              <a:t>tristique</a:t>
-            </a:r>
-            <a:r>
-              <a:rPr lang="en-US" sz="3000" dirty="0"/>
-              <a:t> </a:t>
-            </a:r>
-            <a:r>
-              <a:rPr lang="en-US" sz="3000" dirty="0" err="1"/>
-              <a:t>laoreet</a:t>
-            </a:r>
-            <a:r>
-              <a:rPr lang="en-US" sz="3000" dirty="0"/>
-              <a:t> </a:t>
-            </a:r>
-            <a:r>
-              <a:rPr lang="en-US" sz="3000" dirty="0" err="1"/>
-              <a:t>diam</a:t>
-            </a:r>
-            <a:r>
-              <a:rPr lang="en-US" sz="3000" dirty="0"/>
-              <a:t> a </a:t>
-            </a:r>
-            <a:r>
-              <a:rPr lang="en-US" sz="3000" dirty="0" err="1"/>
-              <a:t>consequat</a:t>
-            </a:r>
-            <a:r>
-              <a:rPr lang="en-US" sz="3000" dirty="0"/>
-              <a:t>. </a:t>
-            </a:r>
-            <a:r>
-              <a:rPr lang="en-US" sz="3000" dirty="0" err="1"/>
-              <a:t>Sed</a:t>
-            </a:r>
-            <a:r>
-              <a:rPr lang="en-US" sz="3000" dirty="0"/>
-              <a:t> </a:t>
-            </a:r>
-            <a:r>
-              <a:rPr lang="en-US" sz="3000" dirty="0" err="1"/>
-              <a:t>condimentum</a:t>
-            </a:r>
-            <a:r>
-              <a:rPr lang="en-US" sz="3000" dirty="0"/>
-              <a:t> </a:t>
-            </a:r>
-            <a:r>
-              <a:rPr lang="en-US" sz="3000" dirty="0" err="1"/>
-              <a:t>convallis</a:t>
-            </a:r>
-            <a:r>
-              <a:rPr lang="en-US" sz="3000" dirty="0"/>
-              <a:t> </a:t>
-            </a:r>
-            <a:r>
-              <a:rPr lang="en-US" sz="3000" dirty="0" err="1"/>
-              <a:t>orci</a:t>
-            </a:r>
-            <a:r>
-              <a:rPr lang="en-US" sz="3000" dirty="0"/>
-              <a:t>, </a:t>
-            </a:r>
-            <a:r>
-              <a:rPr lang="en-US" sz="3000" dirty="0" err="1"/>
-              <a:t>eu</a:t>
-            </a:r>
-            <a:r>
-              <a:rPr lang="en-US" sz="3000" dirty="0"/>
-              <a:t> </a:t>
-            </a:r>
-            <a:r>
-              <a:rPr lang="en-US" sz="3000" dirty="0" err="1"/>
-              <a:t>dignissim</a:t>
-            </a:r>
-            <a:r>
-              <a:rPr lang="en-US" sz="3000" dirty="0"/>
-              <a:t> ante </a:t>
-            </a:r>
-            <a:r>
-              <a:rPr lang="en-US" sz="3000" dirty="0" err="1"/>
-              <a:t>elementum</a:t>
-            </a:r>
-            <a:r>
-              <a:rPr lang="en-US" sz="3000" dirty="0"/>
-              <a:t> ac. </a:t>
-            </a:r>
-            <a:r>
-              <a:rPr lang="en-US" sz="3000" dirty="0" err="1"/>
-              <a:t>Donec</a:t>
-            </a:r>
-            <a:r>
-              <a:rPr lang="en-US" sz="3000" dirty="0"/>
-              <a:t> quam </a:t>
-            </a:r>
-            <a:r>
-              <a:rPr lang="en-US" sz="3000" dirty="0" err="1"/>
-              <a:t>tellus</a:t>
-            </a:r>
-            <a:r>
-              <a:rPr lang="en-US" sz="3000" dirty="0"/>
-              <a:t>, </a:t>
-            </a:r>
-            <a:r>
-              <a:rPr lang="en-US" sz="3000" dirty="0" err="1"/>
-              <a:t>fringilla</a:t>
-            </a:r>
-            <a:r>
-              <a:rPr lang="en-US" sz="3000" dirty="0"/>
-              <a:t> </a:t>
-            </a:r>
-            <a:r>
-              <a:rPr lang="en-US" sz="3000" dirty="0" err="1"/>
-              <a:t>vel</a:t>
-            </a:r>
-            <a:r>
-              <a:rPr lang="en-US" sz="3000" dirty="0"/>
-              <a:t> </a:t>
-            </a:r>
-            <a:r>
-              <a:rPr lang="en-US" sz="3000" dirty="0" err="1"/>
-              <a:t>gravida</a:t>
-            </a:r>
-            <a:r>
-              <a:rPr lang="en-US" sz="3000" dirty="0"/>
-              <a:t> sit </a:t>
-            </a:r>
-            <a:r>
-              <a:rPr lang="en-US" sz="3000" dirty="0" err="1"/>
-              <a:t>amet</a:t>
-            </a:r>
-            <a:r>
-              <a:rPr lang="en-US" sz="3000" dirty="0"/>
-              <a:t>, </a:t>
-            </a:r>
-            <a:r>
-              <a:rPr lang="en-US" sz="3000" dirty="0" err="1"/>
-              <a:t>egestas</a:t>
-            </a:r>
-            <a:r>
-              <a:rPr lang="en-US" sz="3000" dirty="0"/>
-              <a:t> id </a:t>
-            </a:r>
-            <a:r>
-              <a:rPr lang="en-US" sz="3000" dirty="0" err="1"/>
-              <a:t>nulla</a:t>
-            </a:r>
-            <a:r>
-              <a:rPr lang="en-US" sz="3000" dirty="0"/>
-              <a:t>. </a:t>
+              <a:t>Working alongside Electrical and Mechanical Engineering capstone teams, our task was to design and build a small rover that can fit inside a standard 12 oz. soda can. This rover will be dropped from a rocket at 12,000’ AGL, land safely on the ground ad drive itself to a predetermined set of GPS coordinates.</a:t>
             </a:r>
           </a:p>
           <a:p>
@@ -7883,365 +7059,14 @@
               </a:spcAft>
             </a:pPr>
             <a:r>
-              <a:rPr lang="en-US" sz="3000" dirty="0" err="1"/>
-              <a:t>Proin</a:t>
-            </a:r>
-            <a:r>
-              <a:rPr lang="en-US" sz="3000" dirty="0"/>
-              <a:t> </a:t>
-            </a:r>
-            <a:r>
-              <a:rPr lang="en-US" sz="3000" dirty="0" err="1"/>
-              <a:t>eget</a:t>
-            </a:r>
-            <a:r>
-              <a:rPr lang="en-US" sz="3000" dirty="0"/>
-              <a:t> </a:t>
-            </a:r>
-            <a:r>
-              <a:rPr lang="en-US" sz="3000" dirty="0" err="1"/>
-              <a:t>velit</a:t>
-            </a:r>
-            <a:r>
-              <a:rPr lang="en-US" sz="3000" dirty="0"/>
-              <a:t> </a:t>
-            </a:r>
-            <a:r>
-              <a:rPr lang="en-US" sz="3000" dirty="0" err="1"/>
-              <a:t>nisl</a:t>
-            </a:r>
-            <a:r>
-              <a:rPr lang="en-US" sz="3000" dirty="0"/>
-              <a:t>. </a:t>
-            </a:r>
-            <a:r>
-              <a:rPr lang="en-US" sz="3000" dirty="0" err="1"/>
-              <a:t>Morbi</a:t>
-            </a:r>
-            <a:r>
-              <a:rPr lang="en-US" sz="3000" dirty="0"/>
-              <a:t> </a:t>
-            </a:r>
-            <a:r>
-              <a:rPr lang="en-US" sz="3000" dirty="0" err="1"/>
-              <a:t>lacinia</a:t>
-            </a:r>
-            <a:r>
-              <a:rPr lang="en-US" sz="3000" dirty="0"/>
-              <a:t> </a:t>
-            </a:r>
-            <a:r>
-              <a:rPr lang="en-US" sz="3000" dirty="0" err="1"/>
-              <a:t>volutPellentesque</a:t>
-            </a:r>
-            <a:r>
-              <a:rPr lang="en-US" sz="3000" dirty="0"/>
-              <a:t> semper </a:t>
-            </a:r>
-            <a:r>
-              <a:rPr lang="en-US" sz="3000" dirty="0" err="1"/>
-              <a:t>vehicula</a:t>
-            </a:r>
-            <a:r>
-              <a:rPr lang="en-US" sz="3000" dirty="0"/>
-              <a:t> </a:t>
-            </a:r>
-            <a:r>
-              <a:rPr lang="en-US" sz="3000" dirty="0" err="1"/>
-              <a:t>turpis</a:t>
-            </a:r>
-            <a:r>
-              <a:rPr lang="en-US" sz="3000" dirty="0"/>
-              <a:t> </a:t>
-            </a:r>
-            <a:r>
-              <a:rPr lang="en-US" sz="3000" dirty="0" err="1"/>
-              <a:t>facilisis</a:t>
-            </a:r>
-            <a:r>
-              <a:rPr lang="en-US" sz="3000" dirty="0"/>
-              <a:t> </a:t>
-            </a:r>
-            <a:r>
-              <a:rPr lang="en-US" sz="3000" dirty="0" err="1"/>
-              <a:t>interdum</a:t>
-            </a:r>
-            <a:r>
-              <a:rPr lang="en-US" sz="3000" dirty="0"/>
-              <a:t>. </a:t>
-            </a:r>
-            <a:r>
-              <a:rPr lang="en-US" sz="3000" dirty="0" err="1"/>
-              <a:t>Aliquam</a:t>
-            </a:r>
-            <a:r>
-              <a:rPr lang="en-US" sz="3000" dirty="0"/>
-              <a:t> </a:t>
-            </a:r>
-            <a:r>
-              <a:rPr lang="en-US" sz="3000" dirty="0" err="1"/>
-              <a:t>sodales</a:t>
-            </a:r>
-            <a:r>
-              <a:rPr lang="en-US" sz="3000" dirty="0"/>
-              <a:t> </a:t>
-            </a:r>
-            <a:r>
-              <a:rPr lang="en-US" sz="3000" dirty="0" err="1"/>
-              <a:t>purus</a:t>
-            </a:r>
-            <a:r>
-              <a:rPr lang="en-US" sz="3000" dirty="0"/>
-              <a:t> a ligula </a:t>
-            </a:r>
-            <a:r>
-              <a:rPr lang="en-US" sz="3000" dirty="0" err="1"/>
-              <a:t>venenatis</a:t>
-            </a:r>
-            <a:r>
-              <a:rPr lang="en-US" sz="3000" dirty="0"/>
-              <a:t> id </a:t>
-            </a:r>
-            <a:r>
-              <a:rPr lang="en-US" sz="3000" dirty="0" err="1"/>
-              <a:t>imperdiet</a:t>
-            </a:r>
-            <a:r>
-              <a:rPr lang="en-US" sz="3000" dirty="0"/>
-              <a:t> </a:t>
-            </a:r>
-            <a:r>
-              <a:rPr lang="en-US" sz="3000" dirty="0" err="1"/>
-              <a:t>sem</a:t>
-            </a:r>
-            <a:r>
-              <a:rPr lang="en-US" sz="3000" dirty="0"/>
-              <a:t> </a:t>
-            </a:r>
-            <a:r>
-              <a:rPr lang="en-US" sz="3000" dirty="0" err="1"/>
-              <a:t>posuere</a:t>
-            </a:r>
-            <a:r>
-              <a:rPr lang="en-US" sz="3000" dirty="0"/>
-              <a:t>. </a:t>
-            </a:r>
-            <a:r>
-              <a:rPr lang="en-US" sz="3000" dirty="0" err="1"/>
-              <a:t>Proin</a:t>
-            </a:r>
-            <a:r>
-              <a:rPr lang="en-US" sz="3000" dirty="0"/>
-              <a:t> in </a:t>
-            </a:r>
-            <a:r>
-              <a:rPr lang="en-US" sz="3000" dirty="0" err="1"/>
-              <a:t>imperdiet</a:t>
-            </a:r>
-            <a:r>
-              <a:rPr lang="en-US" sz="3000" dirty="0"/>
-              <a:t> </a:t>
-            </a:r>
-            <a:r>
-              <a:rPr lang="en-US" sz="3000" dirty="0" err="1"/>
-              <a:t>neque</a:t>
-            </a:r>
-            <a:r>
-              <a:rPr lang="en-US" sz="3000" dirty="0"/>
-              <a:t>. </a:t>
-            </a:r>
-            <a:r>
-              <a:rPr lang="en-US" sz="3000" dirty="0" err="1"/>
-              <a:t>Pellentesque</a:t>
-            </a:r>
-            <a:r>
-              <a:rPr lang="en-US" sz="3000" dirty="0"/>
-              <a:t> </a:t>
-            </a:r>
-            <a:r>
-              <a:rPr lang="en-US" sz="3000" dirty="0" err="1"/>
-              <a:t>nec</a:t>
-            </a:r>
-            <a:r>
-              <a:rPr lang="en-US" sz="3000" dirty="0"/>
-              <a:t> </a:t>
-            </a:r>
-            <a:r>
-              <a:rPr lang="en-US" sz="3000" dirty="0" err="1"/>
-              <a:t>malesuada</a:t>
-            </a:r>
-            <a:r>
-              <a:rPr lang="en-US" sz="3000" dirty="0"/>
-              <a:t> </a:t>
-            </a:r>
-            <a:r>
-              <a:rPr lang="en-US" sz="3000" dirty="0" err="1"/>
-              <a:t>erat</a:t>
-            </a:r>
-            <a:r>
-              <a:rPr lang="en-US" sz="3000" dirty="0"/>
-              <a:t>. </a:t>
-            </a:r>
-            <a:r>
-              <a:rPr lang="en-US" sz="3000" dirty="0" err="1"/>
-              <a:t>Praesent</a:t>
-            </a:r>
-            <a:r>
-              <a:rPr lang="en-US" sz="3000" dirty="0"/>
-              <a:t> </a:t>
-            </a:r>
-            <a:r>
-              <a:rPr lang="en-US" sz="3000" dirty="0" err="1"/>
-              <a:t>aliquam</a:t>
-            </a:r>
-            <a:r>
-              <a:rPr lang="en-US" sz="3000" dirty="0"/>
-              <a:t>, </a:t>
-            </a:r>
-            <a:r>
-              <a:rPr lang="en-US" sz="3000" dirty="0" err="1"/>
-              <a:t>augue</a:t>
-            </a:r>
-            <a:r>
-              <a:rPr lang="en-US" sz="3000" dirty="0"/>
-              <a:t> non </a:t>
-            </a:r>
-            <a:r>
-              <a:rPr lang="en-US" sz="3000" dirty="0" err="1"/>
-              <a:t>pharetra</a:t>
-            </a:r>
-            <a:r>
-              <a:rPr lang="en-US" sz="3000" dirty="0"/>
-              <a:t> </a:t>
-            </a:r>
-            <a:r>
-              <a:rPr lang="en-US" sz="3000" dirty="0" err="1"/>
-              <a:t>laoreet</a:t>
-            </a:r>
-            <a:r>
-              <a:rPr lang="en-US" sz="3000" dirty="0"/>
-              <a:t>, </a:t>
-            </a:r>
-            <a:r>
-              <a:rPr lang="en-US" sz="3000" dirty="0" err="1"/>
-              <a:t>ipsum</a:t>
-            </a:r>
-            <a:r>
-              <a:rPr lang="en-US" sz="3000" dirty="0"/>
-              <a:t> </a:t>
-            </a:r>
-            <a:r>
-              <a:rPr lang="en-US" sz="3000" dirty="0" err="1"/>
-              <a:t>sem</a:t>
-            </a:r>
-            <a:r>
-              <a:rPr lang="en-US" sz="3000" dirty="0"/>
-              <a:t> </a:t>
-            </a:r>
-            <a:r>
-              <a:rPr lang="en-US" sz="3000" dirty="0" err="1"/>
-              <a:t>vulputate</a:t>
-            </a:r>
-            <a:r>
-              <a:rPr lang="en-US" sz="3000" dirty="0"/>
-              <a:t> dolor, in </a:t>
-            </a:r>
-            <a:r>
-              <a:rPr lang="en-US" sz="3000" dirty="0" err="1"/>
-              <a:t>pulvinar</a:t>
-            </a:r>
-            <a:r>
-              <a:rPr lang="en-US" sz="3000" dirty="0"/>
-              <a:t> </a:t>
-            </a:r>
-            <a:r>
-              <a:rPr lang="en-US" sz="3000" dirty="0" err="1"/>
-              <a:t>tortor</a:t>
-            </a:r>
-            <a:r>
-              <a:rPr lang="en-US" sz="3000" dirty="0"/>
-              <a:t> mi at </a:t>
-            </a:r>
-            <a:r>
-              <a:rPr lang="en-US" sz="3000" dirty="0" err="1"/>
-              <a:t>purus</a:t>
-            </a:r>
-            <a:r>
-              <a:rPr lang="en-US" sz="3000" dirty="0"/>
-              <a:t>. </a:t>
-            </a:r>
-            <a:r>
-              <a:rPr lang="en-US" sz="3000" dirty="0" err="1"/>
-              <a:t>Nulla</a:t>
-            </a:r>
-            <a:r>
-              <a:rPr lang="en-US" sz="3000" dirty="0"/>
-              <a:t> </a:t>
-            </a:r>
-            <a:r>
-              <a:rPr lang="en-US" sz="3000" dirty="0" err="1"/>
-              <a:t>facilisi</a:t>
-            </a:r>
-            <a:r>
-              <a:rPr lang="en-US" sz="3000" dirty="0"/>
-              <a:t>. </a:t>
-            </a:r>
-            <a:r>
-              <a:rPr lang="en-US" sz="3000" dirty="0" err="1"/>
-              <a:t>Nunc</a:t>
-            </a:r>
-            <a:r>
-              <a:rPr lang="en-US" sz="3000" dirty="0"/>
-              <a:t> ac </a:t>
-            </a:r>
-            <a:r>
-              <a:rPr lang="en-US" sz="3000" dirty="0" err="1"/>
-              <a:t>odio</a:t>
-            </a:r>
-            <a:r>
-              <a:rPr lang="en-US" sz="3000" dirty="0"/>
-              <a:t> in </a:t>
-            </a:r>
-            <a:r>
-              <a:rPr lang="en-US" sz="3000" dirty="0" err="1"/>
-              <a:t>risus</a:t>
-            </a:r>
-            <a:r>
-              <a:rPr lang="en-US" sz="3000" dirty="0"/>
-              <a:t> </a:t>
-            </a:r>
-            <a:r>
-              <a:rPr lang="en-US" sz="3000" dirty="0" err="1"/>
-              <a:t>tristique</a:t>
-            </a:r>
-            <a:r>
-              <a:rPr lang="en-US" sz="3000" dirty="0"/>
-              <a:t> </a:t>
-            </a:r>
-            <a:r>
-              <a:rPr lang="en-US" sz="3000" dirty="0" err="1"/>
-              <a:t>commodo</a:t>
-            </a:r>
-            <a:r>
-              <a:rPr lang="en-US" sz="3000" dirty="0"/>
-              <a:t> a </a:t>
-            </a:r>
-            <a:r>
-              <a:rPr lang="en-US" sz="3000" dirty="0" err="1"/>
-              <a:t>eget</a:t>
-            </a:r>
-            <a:r>
-              <a:rPr lang="en-US" sz="3000" dirty="0"/>
-              <a:t> </a:t>
-            </a:r>
-            <a:r>
-              <a:rPr lang="en-US" sz="3000" dirty="0" err="1"/>
-              <a:t>massa</a:t>
-            </a:r>
-            <a:r>
-              <a:rPr lang="en-US" sz="3000" dirty="0"/>
-              <a:t>. </a:t>
-            </a:r>
+              <a:rPr lang="en-US" sz="3000" dirty="0"/>
+              <a:t>As the Computer Science team, our job was to develop the software package for the rover. This included being able to lock on to and drive towards the GPS coordinates, as well as an obstacle avoidance system that uses a camera to detect and avoid rough terrain or objects such as rocks that our rover would </a:t>
+            </a:r>
+            <a:r>
+              <a:rPr lang="en-US" sz="3000"/>
+              <a:t>get stuck on.</a:t>
+            </a:r>
+            <a:endParaRPr lang="en-US" sz="3000" dirty="0"/>
           </a:p>
           <a:p>
             <a:pPr>
@@ -9049,7 +7874,7 @@
                   <a:schemeClr val="bg1"/>
                 </a:solidFill>
               </a:rPr>
-              <a:t>Zhaolong Wu </a:t>
+              <a:t>Zhaolong Wu    </a:t>
             </a:r>
             <a:r>
               <a:rPr lang="en-US" sz="3000" dirty="0">
@@ -9079,7 +7904,7 @@
                   <a:schemeClr val="bg1"/>
                 </a:solidFill>
               </a:rPr>
-              <a:t>Paul Minner </a:t>
+              <a:t>Paul Minner      </a:t>
             </a:r>
             <a:r>
               <a:rPr lang="en-US" sz="3000" dirty="0">
@@ -9109,7 +7934,7 @@
                   <a:schemeClr val="bg1"/>
                 </a:solidFill>
               </a:rPr>
-              <a:t>Steven Silvers </a:t>
+              <a:t>Steven Silvers   </a:t>
             </a:r>
             <a:r>
               <a:rPr lang="en-US" sz="3000" dirty="0">
@@ -9124,119 +7949,6 @@
                 <a:schemeClr val="bg1"/>
               </a:solidFill>
             </a:endParaRPr>
-          </a:p>
-          <a:p>
-            <a:pPr marL="457200" indent="-457200">
-              <a:spcAft>
-                <a:spcPts val="1800"/>
-              </a:spcAft>
-              <a:buFont typeface="Arial"/>
-              <a:buChar char="•"/>
-            </a:pPr>
-            <a:r>
-              <a:rPr lang="en-US" sz="3000" dirty="0">
-                <a:solidFill>
-                  <a:schemeClr val="bg1"/>
-                </a:solidFill>
-              </a:rPr>
-              <a:t>Nam </a:t>
-            </a:r>
-            <a:r>
-              <a:rPr lang="en-US" sz="3000" dirty="0" err="1">
-                <a:solidFill>
-                  <a:schemeClr val="bg1"/>
-                </a:solidFill>
-              </a:rPr>
-              <a:t>tristique</a:t>
-            </a:r>
-            <a:r>
-              <a:rPr lang="en-US" sz="3000" dirty="0">
-                <a:solidFill>
-                  <a:schemeClr val="bg1"/>
-                </a:solidFill>
-              </a:rPr>
-              <a:t> </a:t>
-            </a:r>
-            <a:r>
-              <a:rPr lang="en-US" sz="3000" dirty="0" err="1">
-                <a:solidFill>
-                  <a:schemeClr val="bg1"/>
-                </a:solidFill>
-              </a:rPr>
-              <a:t>porttitor</a:t>
-            </a:r>
-            <a:r>
-              <a:rPr lang="en-US" sz="3000" dirty="0">
-                <a:solidFill>
-                  <a:schemeClr val="bg1"/>
-                </a:solidFill>
-              </a:rPr>
-              <a:t> quam, in </a:t>
-            </a:r>
-            <a:r>
-              <a:rPr lang="en-US" sz="3000" dirty="0" err="1">
-                <a:solidFill>
-                  <a:schemeClr val="bg1"/>
-                </a:solidFill>
-              </a:rPr>
-              <a:t>consequat</a:t>
-            </a:r>
-            <a:r>
-              <a:rPr lang="en-US" sz="3000" dirty="0">
-                <a:solidFill>
-                  <a:schemeClr val="bg1"/>
-                </a:solidFill>
-              </a:rPr>
-              <a:t> </a:t>
-            </a:r>
-            <a:r>
-              <a:rPr lang="en-US" sz="3000" dirty="0" err="1">
-                <a:solidFill>
-                  <a:schemeClr val="bg1"/>
-                </a:solidFill>
-              </a:rPr>
-              <a:t>urna</a:t>
-            </a:r>
-            <a:r>
-              <a:rPr lang="en-US" sz="3000" dirty="0">
-                <a:solidFill>
-                  <a:schemeClr val="bg1"/>
-                </a:solidFill>
-              </a:rPr>
-              <a:t> </a:t>
-            </a:r>
-            <a:r>
-              <a:rPr lang="en-US" sz="3000" dirty="0" err="1">
-                <a:solidFill>
-                  <a:schemeClr val="bg1"/>
-                </a:solidFill>
-              </a:rPr>
-              <a:t>condimentum</a:t>
-            </a:r>
-            <a:r>
-              <a:rPr lang="en-US" sz="3000" dirty="0">
-                <a:solidFill>
-                  <a:schemeClr val="bg1"/>
-                </a:solidFill>
-              </a:rPr>
-              <a:t> </a:t>
-            </a:r>
-            <a:r>
-              <a:rPr lang="en-US" sz="3000" dirty="0" err="1">
-                <a:solidFill>
-                  <a:schemeClr val="bg1"/>
-                </a:solidFill>
-              </a:rPr>
-              <a:t>eu</a:t>
-            </a:r>
-            <a:r>
-              <a:rPr lang="en-US" sz="3000" dirty="0">
-                <a:solidFill>
-                  <a:schemeClr val="bg1"/>
-                </a:solidFill>
-              </a:rPr>
-              <a:t>. </a:t>
-            </a:r>
           </a:p>
           <a:p>
             <a:pPr>

--- a/docs/Poster/postertemplate.pptx
+++ b/docs/Poster/postertemplate.pptx
@@ -4076,72 +4076,8 @@
                   <a:srgbClr val="F37321"/>
                 </a:solidFill>
               </a:rPr>
-              <a:t>A </a:t>
-            </a:r>
-            <a:r>
-              <a:rPr lang="en-US" sz="5400" dirty="0">
-                <a:solidFill>
-                  <a:srgbClr val="F37321"/>
-                </a:solidFill>
-              </a:rPr>
-              <a:t>collaborative</a:t>
-            </a:r>
-            <a:r>
-              <a:rPr lang="en-US" sz="5400" dirty="0">
-                <a:solidFill>
-                  <a:srgbClr val="F37321"/>
-                </a:solidFill>
-              </a:rPr>
-              <a:t> international effort to build and test prototype satellites</a:t>
-            </a:r>
-          </a:p>
-        </p:txBody>
-      </p:sp>
-      <p:sp>
-        <p:nvSpPr>
-          <p:cNvPr id="12" name="Rectangle 11"/>
-          <p:cNvSpPr/>
-          <p:nvPr/>
-        </p:nvSpPr>
-        <p:spPr>
-          <a:xfrm>
-            <a:off x="12469125" y="5331461"/>
-            <a:ext cx="9222475" cy="6047739"/>
-          </a:xfrm>
-          <a:prstGeom prst="rect">
-            <a:avLst/>
-          </a:prstGeom>
-          <a:solidFill>
-            <a:schemeClr val="accent2">
-              <a:lumMod val="20000"/>
-              <a:lumOff val="80000"/>
-            </a:schemeClr>
-          </a:solidFill>
-          <a:ln>
-            <a:noFill/>
-          </a:ln>
-          <a:effectLst/>
-        </p:spPr>
-        <p:style>
-          <a:lnRef idx="1">
-            <a:schemeClr val="accent1"/>
-          </a:lnRef>
-          <a:fillRef idx="3">
-            <a:schemeClr val="accent1"/>
-          </a:fillRef>
-          <a:effectRef idx="2">
-            <a:schemeClr val="accent1"/>
-          </a:effectRef>
-          <a:fontRef idx="minor">
-            <a:schemeClr val="lt1"/>
-          </a:fontRef>
-        </p:style>
-        <p:txBody>
-          <a:bodyPr rtlCol="0" anchor="ctr"/>
-          <a:lstStyle/>
-          <a:p>
-            <a:pPr algn="ctr"/>
-            <a:endParaRPr lang="en-US"/>
+              <a:t>A collaborative international effort to build and test prototype satellites</a:t>
+            </a:r>
           </a:p>
         </p:txBody>
       </p:sp>
@@ -6906,54 +6842,6 @@
               </a:spcAft>
             </a:pPr>
             <a:endParaRPr lang="en-US" sz="3000" dirty="0"/>
-          </a:p>
-        </p:txBody>
-      </p:sp>
-      <p:sp>
-        <p:nvSpPr>
-          <p:cNvPr id="15" name="Rectangle 14"/>
-          <p:cNvSpPr/>
-          <p:nvPr/>
-        </p:nvSpPr>
-        <p:spPr>
-          <a:xfrm>
-            <a:off x="22198405" y="18945861"/>
-            <a:ext cx="9222475" cy="12056537"/>
-          </a:xfrm>
-          <a:prstGeom prst="rect">
-            <a:avLst/>
-          </a:prstGeom>
-          <a:solidFill>
-            <a:schemeClr val="accent2">
-              <a:lumMod val="20000"/>
-              <a:lumOff val="80000"/>
-            </a:schemeClr>
-          </a:solidFill>
-          <a:ln>
-            <a:noFill/>
-          </a:ln>
-          <a:effectLst/>
-        </p:spPr>
-        <p:style>
-          <a:lnRef idx="1">
-            <a:schemeClr val="accent1"/>
-          </a:lnRef>
-          <a:fillRef idx="3">
-            <a:schemeClr val="accent1"/>
-          </a:fillRef>
-          <a:effectRef idx="2">
-            <a:schemeClr val="accent1"/>
-          </a:effectRef>
-          <a:fontRef idx="minor">
-            <a:schemeClr val="lt1"/>
-          </a:fontRef>
-        </p:style>
-        <p:txBody>
-          <a:bodyPr rtlCol="0" anchor="ctr"/>
-          <a:lstStyle/>
-          <a:p>
-            <a:pPr algn="ctr"/>
-            <a:endParaRPr lang="en-US"/>
           </a:p>
         </p:txBody>
       </p:sp>
@@ -7049,7 +6937,7 @@
             </a:pPr>
             <a:r>
               <a:rPr lang="en-US" sz="3000" dirty="0"/>
-              <a:t>Working alongside Electrical and Mechanical Engineering capstone teams, our task was to design and build a small rover that can fit inside a standard 12 oz. soda can. This rover will be dropped from a rocket at 12,000’ AGL, land safely on the ground ad drive itself to a predetermined set of GPS coordinates.</a:t>
+              <a:t>Working alongside Electrical and Mechanical Engineering capstone teams, our task was to design and build a small rover that fits inside a standard 12 oz. soda can. This rover will be dropped from a rocket at 12,000’ AGL, land safely on the ground ad drive itself to a predetermined set of GPS coordinates.</a:t>
             </a:r>
           </a:p>
           <a:p>
@@ -7060,13 +6948,8 @@
             </a:pPr>
             <a:r>
               <a:rPr lang="en-US" sz="3000" dirty="0"/>
-              <a:t>As the Computer Science team, our job was to develop the software package for the rover. This included being able to lock on to and drive towards the GPS coordinates, as well as an obstacle avoidance system that uses a camera to detect and avoid rough terrain or objects such as rocks that our rover would </a:t>
-            </a:r>
-            <a:r>
-              <a:rPr lang="en-US" sz="3000"/>
-              <a:t>get stuck on.</a:t>
-            </a:r>
-            <a:endParaRPr lang="en-US" sz="3000" dirty="0"/>
+              <a:t>As the Computer Science team, our job was to develop the software package for the rover. This included being able to lock on to and drive towards the GPS coordinates, as well as an obstacle avoidance system that uses a camera to detect and avoid rough terrain or objects such as rocks that our rover would get stuck on.</a:t>
+            </a:r>
           </a:p>
           <a:p>
             <a:pPr>
@@ -7854,11 +7737,6 @@
               </a:rPr>
               <a:t>Zachary DeVita devitaz@oregonstate.edu</a:t>
             </a:r>
-            <a:endParaRPr lang="en-US" sz="3000" dirty="0">
-              <a:solidFill>
-                <a:schemeClr val="bg1"/>
-              </a:solidFill>
-            </a:endParaRPr>
           </a:p>
           <a:p>
             <a:pPr marL="457200" indent="-457200">
@@ -7874,21 +7752,8 @@
                   <a:schemeClr val="bg1"/>
                 </a:solidFill>
               </a:rPr>
-              <a:t>Zhaolong Wu    </a:t>
-            </a:r>
-            <a:r>
-              <a:rPr lang="en-US" sz="3000" dirty="0">
-                <a:solidFill>
-                  <a:schemeClr val="bg1"/>
-                </a:solidFill>
-              </a:rPr>
-              <a:t>wuzha@oregonstate.edu</a:t>
-            </a:r>
-            <a:endParaRPr lang="en-US" sz="3000" dirty="0">
-              <a:solidFill>
-                <a:schemeClr val="bg1"/>
-              </a:solidFill>
-            </a:endParaRPr>
+              <a:t>Zhaolong Wu    wuzha@oregonstate.edu</a:t>
+            </a:r>
           </a:p>
           <a:p>
             <a:pPr marL="457200" indent="-457200">
@@ -7904,21 +7769,8 @@
                   <a:schemeClr val="bg1"/>
                 </a:solidFill>
               </a:rPr>
-              <a:t>Paul Minner      </a:t>
-            </a:r>
-            <a:r>
-              <a:rPr lang="en-US" sz="3000" dirty="0">
-                <a:solidFill>
-                  <a:schemeClr val="bg1"/>
-                </a:solidFill>
-              </a:rPr>
-              <a:t>minnerp@oregonstate.edu</a:t>
-            </a:r>
-            <a:endParaRPr lang="en-US" sz="3000" dirty="0">
-              <a:solidFill>
-                <a:schemeClr val="bg1"/>
-              </a:solidFill>
-            </a:endParaRPr>
+              <a:t>Paul Minner      minnerp@oregonstate.edu</a:t>
+            </a:r>
           </a:p>
           <a:p>
             <a:pPr marL="457200" indent="-457200">
@@ -7934,21 +7786,8 @@
                   <a:schemeClr val="bg1"/>
                 </a:solidFill>
               </a:rPr>
-              <a:t>Steven Silvers   </a:t>
-            </a:r>
-            <a:r>
-              <a:rPr lang="en-US" sz="3000" dirty="0">
-                <a:solidFill>
-                  <a:schemeClr val="bg1"/>
-                </a:solidFill>
-              </a:rPr>
-              <a:t>silverss@oregonstate.edu</a:t>
-            </a:r>
-            <a:endParaRPr lang="en-US" sz="3000" dirty="0">
-              <a:solidFill>
-                <a:schemeClr val="bg1"/>
-              </a:solidFill>
-            </a:endParaRPr>
+              <a:t>Steven Silvers   silverss@oregonstate.edu</a:t>
+            </a:r>
           </a:p>
           <a:p>
             <a:pPr>
@@ -8973,6 +8812,54 @@
           </a:p>
         </p:txBody>
       </p:sp>
+      <p:pic>
+        <p:nvPicPr>
+          <p:cNvPr id="5" name="Picture 4"/>
+          <p:cNvPicPr>
+            <a:picLocks noChangeAspect="1"/>
+          </p:cNvPicPr>
+          <p:nvPr/>
+        </p:nvPicPr>
+        <p:blipFill>
+          <a:blip r:embed="rId3"/>
+          <a:stretch>
+            <a:fillRect/>
+          </a:stretch>
+        </p:blipFill>
+        <p:spPr>
+          <a:xfrm>
+            <a:off x="22198405" y="18306311"/>
+            <a:ext cx="8572500" cy="6429375"/>
+          </a:xfrm>
+          <a:prstGeom prst="rect">
+            <a:avLst/>
+          </a:prstGeom>
+        </p:spPr>
+      </p:pic>
+      <p:pic>
+        <p:nvPicPr>
+          <p:cNvPr id="7" name="Picture 6"/>
+          <p:cNvPicPr>
+            <a:picLocks noChangeAspect="1"/>
+          </p:cNvPicPr>
+          <p:nvPr/>
+        </p:nvPicPr>
+        <p:blipFill>
+          <a:blip r:embed="rId4"/>
+          <a:stretch>
+            <a:fillRect/>
+          </a:stretch>
+        </p:blipFill>
+        <p:spPr>
+          <a:xfrm>
+            <a:off x="22198405" y="25273016"/>
+            <a:ext cx="8572500" cy="6429375"/>
+          </a:xfrm>
+          <a:prstGeom prst="rect">
+            <a:avLst/>
+          </a:prstGeom>
+        </p:spPr>
+      </p:pic>
     </p:spTree>
     <p:extLst>
       <p:ext uri="{BB962C8B-B14F-4D97-AF65-F5344CB8AC3E}">

--- a/docs/Poster/postertemplate.pptx
+++ b/docs/Poster/postertemplate.pptx
@@ -238,7 +238,7 @@
           <a:p>
             <a:fld id="{7395F848-6DDA-9042-95D4-0071278BB24B}" type="datetimeFigureOut">
               <a:rPr lang="en-US" smtClean="0"/>
-              <a:t>3/13/2017</a:t>
+              <a:t>3/16/2017</a:t>
             </a:fld>
             <a:endParaRPr lang="en-US"/>
           </a:p>
@@ -1386,7 +1386,7 @@
           <a:p>
             <a:fld id="{56B6BD69-149A-CD41-9E7C-E241C9398BA0}" type="datetimeFigureOut">
               <a:rPr lang="en-US" smtClean="0"/>
-              <a:t>3/13/2017</a:t>
+              <a:t>3/16/2017</a:t>
             </a:fld>
             <a:endParaRPr lang="en-US"/>
           </a:p>
@@ -1564,7 +1564,7 @@
           <a:p>
             <a:fld id="{56B6BD69-149A-CD41-9E7C-E241C9398BA0}" type="datetimeFigureOut">
               <a:rPr lang="en-US" smtClean="0"/>
-              <a:t>3/13/2017</a:t>
+              <a:t>3/16/2017</a:t>
             </a:fld>
             <a:endParaRPr lang="en-US"/>
           </a:p>
@@ -1732,7 +1732,7 @@
           <a:p>
             <a:fld id="{56B6BD69-149A-CD41-9E7C-E241C9398BA0}" type="datetimeFigureOut">
               <a:rPr lang="en-US" smtClean="0"/>
-              <a:t>3/13/2017</a:t>
+              <a:t>3/16/2017</a:t>
             </a:fld>
             <a:endParaRPr lang="en-US"/>
           </a:p>
@@ -1977,7 +1977,7 @@
           <a:p>
             <a:fld id="{56B6BD69-149A-CD41-9E7C-E241C9398BA0}" type="datetimeFigureOut">
               <a:rPr lang="en-US" smtClean="0"/>
-              <a:t>3/13/2017</a:t>
+              <a:t>3/16/2017</a:t>
             </a:fld>
             <a:endParaRPr lang="en-US"/>
           </a:p>
@@ -2262,7 +2262,7 @@
           <a:p>
             <a:fld id="{56B6BD69-149A-CD41-9E7C-E241C9398BA0}" type="datetimeFigureOut">
               <a:rPr lang="en-US" smtClean="0"/>
-              <a:t>3/13/2017</a:t>
+              <a:t>3/16/2017</a:t>
             </a:fld>
             <a:endParaRPr lang="en-US"/>
           </a:p>
@@ -2686,7 +2686,7 @@
           <a:p>
             <a:fld id="{56B6BD69-149A-CD41-9E7C-E241C9398BA0}" type="datetimeFigureOut">
               <a:rPr lang="en-US" smtClean="0"/>
-              <a:t>3/13/2017</a:t>
+              <a:t>3/16/2017</a:t>
             </a:fld>
             <a:endParaRPr lang="en-US"/>
           </a:p>
@@ -2803,7 +2803,7 @@
           <a:p>
             <a:fld id="{56B6BD69-149A-CD41-9E7C-E241C9398BA0}" type="datetimeFigureOut">
               <a:rPr lang="en-US" smtClean="0"/>
-              <a:t>3/13/2017</a:t>
+              <a:t>3/16/2017</a:t>
             </a:fld>
             <a:endParaRPr lang="en-US"/>
           </a:p>
@@ -2898,7 +2898,7 @@
           <a:p>
             <a:fld id="{56B6BD69-149A-CD41-9E7C-E241C9398BA0}" type="datetimeFigureOut">
               <a:rPr lang="en-US" smtClean="0"/>
-              <a:t>3/13/2017</a:t>
+              <a:t>3/16/2017</a:t>
             </a:fld>
             <a:endParaRPr lang="en-US"/>
           </a:p>
@@ -3173,7 +3173,7 @@
           <a:p>
             <a:fld id="{56B6BD69-149A-CD41-9E7C-E241C9398BA0}" type="datetimeFigureOut">
               <a:rPr lang="en-US" smtClean="0"/>
-              <a:t>3/13/2017</a:t>
+              <a:t>3/16/2017</a:t>
             </a:fld>
             <a:endParaRPr lang="en-US"/>
           </a:p>
@@ -3428,7 +3428,7 @@
           <a:p>
             <a:fld id="{56B6BD69-149A-CD41-9E7C-E241C9398BA0}" type="datetimeFigureOut">
               <a:rPr lang="en-US" smtClean="0"/>
-              <a:t>3/13/2017</a:t>
+              <a:t>3/16/2017</a:t>
             </a:fld>
             <a:endParaRPr lang="en-US"/>
           </a:p>
@@ -3640,7 +3640,7 @@
           <a:p>
             <a:fld id="{56B6BD69-149A-CD41-9E7C-E241C9398BA0}" type="datetimeFigureOut">
               <a:rPr lang="en-US" smtClean="0"/>
-              <a:t>3/13/2017</a:t>
+              <a:t>3/16/2017</a:t>
             </a:fld>
             <a:endParaRPr lang="en-US"/>
           </a:p>
@@ -4114,7 +4114,7 @@
                   <a:srgbClr val="5D87A1"/>
                 </a:solidFill>
               </a:rPr>
-              <a:t>SUBHEAD. LOREM IPSUM</a:t>
+              <a:t>GPS Navigation</a:t>
             </a:r>
           </a:p>
           <a:p>
@@ -4359,614 +4359,6 @@
               <a:rPr lang="en-US" sz="3000" dirty="0"/>
               <a:t>. </a:t>
             </a:r>
-            <a:r>
-              <a:rPr lang="en-US" sz="3000" dirty="0" err="1"/>
-              <a:t>Vivamus</a:t>
-            </a:r>
-            <a:r>
-              <a:rPr lang="en-US" sz="3000" dirty="0"/>
-              <a:t> </a:t>
-            </a:r>
-            <a:r>
-              <a:rPr lang="en-US" sz="3000" dirty="0" err="1"/>
-              <a:t>interdum</a:t>
-            </a:r>
-            <a:r>
-              <a:rPr lang="en-US" sz="3000" dirty="0"/>
-              <a:t> magna </a:t>
-            </a:r>
-            <a:r>
-              <a:rPr lang="en-US" sz="3000" dirty="0" err="1"/>
-              <a:t>quis</a:t>
-            </a:r>
-            <a:r>
-              <a:rPr lang="en-US" sz="3000" dirty="0"/>
-              <a:t> </a:t>
-            </a:r>
-            <a:r>
-              <a:rPr lang="en-US" sz="3000" dirty="0" err="1"/>
-              <a:t>mauris</a:t>
-            </a:r>
-            <a:r>
-              <a:rPr lang="en-US" sz="3000" dirty="0"/>
-              <a:t> </a:t>
-            </a:r>
-            <a:r>
-              <a:rPr lang="en-US" sz="3000" dirty="0" err="1"/>
-              <a:t>facilisis</a:t>
-            </a:r>
-            <a:r>
-              <a:rPr lang="en-US" sz="3000" dirty="0"/>
-              <a:t> </a:t>
-            </a:r>
-            <a:r>
-              <a:rPr lang="en-US" sz="3000" dirty="0" err="1"/>
-              <a:t>ornare</a:t>
-            </a:r>
-            <a:r>
-              <a:rPr lang="en-US" sz="3000" dirty="0"/>
-              <a:t>. </a:t>
-            </a:r>
-            <a:r>
-              <a:rPr lang="en-US" sz="3000" dirty="0" err="1"/>
-              <a:t>Nunc</a:t>
-            </a:r>
-            <a:r>
-              <a:rPr lang="en-US" sz="3000" dirty="0"/>
-              <a:t> </a:t>
-            </a:r>
-            <a:r>
-              <a:rPr lang="en-US" sz="3000" dirty="0" err="1"/>
-              <a:t>eget</a:t>
-            </a:r>
-            <a:r>
-              <a:rPr lang="en-US" sz="3000" dirty="0"/>
-              <a:t> </a:t>
-            </a:r>
-            <a:r>
-              <a:rPr lang="en-US" sz="3000" dirty="0" err="1"/>
-              <a:t>lectus</a:t>
-            </a:r>
-            <a:r>
-              <a:rPr lang="en-US" sz="3000" dirty="0"/>
-              <a:t> </a:t>
-            </a:r>
-            <a:r>
-              <a:rPr lang="en-US" sz="3000" dirty="0" err="1"/>
-              <a:t>massa</a:t>
-            </a:r>
-            <a:r>
-              <a:rPr lang="en-US" sz="3000" dirty="0"/>
-              <a:t>, </a:t>
-            </a:r>
-            <a:r>
-              <a:rPr lang="en-US" sz="3000" dirty="0" err="1"/>
-              <a:t>quis</a:t>
-            </a:r>
-            <a:r>
-              <a:rPr lang="en-US" sz="3000" dirty="0"/>
-              <a:t> </a:t>
-            </a:r>
-            <a:r>
-              <a:rPr lang="en-US" sz="3000" dirty="0" err="1"/>
-              <a:t>ullamcorper</a:t>
-            </a:r>
-            <a:r>
-              <a:rPr lang="en-US" sz="3000" dirty="0"/>
-              <a:t> </a:t>
-            </a:r>
-            <a:r>
-              <a:rPr lang="en-US" sz="3000" dirty="0" err="1"/>
-              <a:t>libero</a:t>
-            </a:r>
-            <a:r>
-              <a:rPr lang="en-US" sz="3000" dirty="0"/>
-              <a:t>. </a:t>
-            </a:r>
-            <a:r>
-              <a:rPr lang="en-US" sz="3000" dirty="0" err="1"/>
-              <a:t>Pellentesque</a:t>
-            </a:r>
-            <a:r>
-              <a:rPr lang="en-US" sz="3000" dirty="0"/>
-              <a:t> habitant </a:t>
-            </a:r>
-            <a:r>
-              <a:rPr lang="en-US" sz="3000" dirty="0" err="1"/>
-              <a:t>morbi</a:t>
-            </a:r>
-            <a:r>
-              <a:rPr lang="en-US" sz="3000" dirty="0"/>
-              <a:t> </a:t>
-            </a:r>
-            <a:r>
-              <a:rPr lang="en-US" sz="3000" dirty="0" err="1"/>
-              <a:t>tristique</a:t>
-            </a:r>
-            <a:r>
-              <a:rPr lang="en-US" sz="3000" dirty="0"/>
-              <a:t> </a:t>
-            </a:r>
-            <a:r>
-              <a:rPr lang="en-US" sz="3000" dirty="0" err="1"/>
-              <a:t>senectus</a:t>
-            </a:r>
-            <a:r>
-              <a:rPr lang="en-US" sz="3000" dirty="0"/>
-              <a:t> et </a:t>
-            </a:r>
-            <a:r>
-              <a:rPr lang="en-US" sz="3000" dirty="0" err="1"/>
-              <a:t>netus</a:t>
-            </a:r>
-            <a:r>
-              <a:rPr lang="en-US" sz="3000" dirty="0"/>
-              <a:t> et </a:t>
-            </a:r>
-            <a:r>
-              <a:rPr lang="en-US" sz="3000" dirty="0" err="1"/>
-              <a:t>malesuada</a:t>
-            </a:r>
-            <a:r>
-              <a:rPr lang="en-US" sz="3000" dirty="0"/>
-              <a:t> fames ac </a:t>
-            </a:r>
-            <a:r>
-              <a:rPr lang="en-US" sz="3000" dirty="0" err="1"/>
-              <a:t>turpis</a:t>
-            </a:r>
-            <a:r>
-              <a:rPr lang="en-US" sz="3000" dirty="0"/>
-              <a:t> </a:t>
-            </a:r>
-            <a:r>
-              <a:rPr lang="en-US" sz="3000" dirty="0" err="1"/>
-              <a:t>egestas</a:t>
-            </a:r>
-            <a:r>
-              <a:rPr lang="en-US" sz="3000" dirty="0"/>
-              <a:t>. </a:t>
-            </a:r>
-            <a:r>
-              <a:rPr lang="en-US" sz="3000" dirty="0" err="1"/>
-              <a:t>Praesent</a:t>
-            </a:r>
-            <a:r>
-              <a:rPr lang="en-US" sz="3000" dirty="0"/>
-              <a:t> </a:t>
-            </a:r>
-            <a:r>
-              <a:rPr lang="en-US" sz="3000" dirty="0" err="1"/>
-              <a:t>volutpat</a:t>
-            </a:r>
-            <a:r>
-              <a:rPr lang="en-US" sz="3000" dirty="0"/>
-              <a:t> </a:t>
-            </a:r>
-            <a:r>
-              <a:rPr lang="en-US" sz="3000" dirty="0" err="1"/>
-              <a:t>ipsum</a:t>
-            </a:r>
-            <a:r>
-              <a:rPr lang="en-US" sz="3000" dirty="0"/>
-              <a:t> </a:t>
-            </a:r>
-            <a:r>
-              <a:rPr lang="en-US" sz="3000" dirty="0" err="1"/>
-              <a:t>eu</a:t>
-            </a:r>
-            <a:r>
-              <a:rPr lang="en-US" sz="3000" dirty="0"/>
-              <a:t> </a:t>
-            </a:r>
-            <a:r>
-              <a:rPr lang="en-US" sz="3000" dirty="0" err="1"/>
-              <a:t>justo</a:t>
-            </a:r>
-            <a:r>
-              <a:rPr lang="en-US" sz="3000" dirty="0"/>
-              <a:t> </a:t>
-            </a:r>
-            <a:r>
-              <a:rPr lang="en-US" sz="3000" dirty="0" err="1"/>
-              <a:t>aliquam</a:t>
-            </a:r>
-            <a:r>
-              <a:rPr lang="en-US" sz="3000" dirty="0"/>
-              <a:t> </a:t>
-            </a:r>
-            <a:r>
-              <a:rPr lang="en-US" sz="3000" dirty="0" err="1"/>
-              <a:t>lacinia</a:t>
-            </a:r>
-            <a:r>
-              <a:rPr lang="en-US" sz="3000" dirty="0"/>
-              <a:t>. </a:t>
-            </a:r>
-            <a:r>
-              <a:rPr lang="en-US" sz="3000" dirty="0" err="1"/>
-              <a:t>Sed</a:t>
-            </a:r>
-            <a:r>
-              <a:rPr lang="en-US" sz="3000" dirty="0"/>
-              <a:t> </a:t>
-            </a:r>
-            <a:r>
-              <a:rPr lang="en-US" sz="3000" dirty="0" err="1"/>
-              <a:t>interdum</a:t>
-            </a:r>
-            <a:r>
-              <a:rPr lang="en-US" sz="3000" dirty="0"/>
-              <a:t> </a:t>
-            </a:r>
-            <a:r>
-              <a:rPr lang="en-US" sz="3000" dirty="0" err="1"/>
-              <a:t>ipsum</a:t>
-            </a:r>
-            <a:r>
-              <a:rPr lang="en-US" sz="3000" dirty="0"/>
-              <a:t> vitae dui </a:t>
-            </a:r>
-            <a:r>
-              <a:rPr lang="en-US" sz="3000" dirty="0" err="1"/>
-              <a:t>dapibus</a:t>
-            </a:r>
-            <a:r>
-              <a:rPr lang="en-US" sz="3000" dirty="0"/>
-              <a:t> </a:t>
-            </a:r>
-            <a:r>
-              <a:rPr lang="en-US" sz="3000" dirty="0" err="1"/>
-              <a:t>pharetra</a:t>
-            </a:r>
-            <a:r>
-              <a:rPr lang="en-US" sz="3000" dirty="0"/>
-              <a:t>. </a:t>
-            </a:r>
-            <a:r>
-              <a:rPr lang="en-US" sz="3000" dirty="0" err="1"/>
-              <a:t>Donec</a:t>
-            </a:r>
-            <a:r>
-              <a:rPr lang="en-US" sz="3000" dirty="0"/>
-              <a:t> ac </a:t>
-            </a:r>
-            <a:r>
-              <a:rPr lang="en-US" sz="3000" dirty="0" err="1"/>
-              <a:t>eros</a:t>
-            </a:r>
-            <a:r>
-              <a:rPr lang="en-US" sz="3000" dirty="0"/>
-              <a:t> et </a:t>
-            </a:r>
-            <a:r>
-              <a:rPr lang="en-US" sz="3000" dirty="0" err="1"/>
-              <a:t>turpis</a:t>
-            </a:r>
-            <a:r>
-              <a:rPr lang="en-US" sz="3000" dirty="0"/>
-              <a:t> </a:t>
-            </a:r>
-            <a:r>
-              <a:rPr lang="en-US" sz="3000" dirty="0" err="1"/>
-              <a:t>mollis</a:t>
-            </a:r>
-            <a:r>
-              <a:rPr lang="en-US" sz="3000" dirty="0"/>
-              <a:t> </a:t>
-            </a:r>
-            <a:r>
-              <a:rPr lang="en-US" sz="3000" dirty="0" err="1"/>
-              <a:t>pharetra</a:t>
-            </a:r>
-            <a:r>
-              <a:rPr lang="en-US" sz="3000" dirty="0"/>
-              <a:t>. </a:t>
-            </a:r>
-            <a:r>
-              <a:rPr lang="en-US" sz="3000" dirty="0" err="1"/>
-              <a:t>Sed</a:t>
-            </a:r>
-            <a:r>
-              <a:rPr lang="en-US" sz="3000" dirty="0"/>
-              <a:t> </a:t>
-            </a:r>
-            <a:r>
-              <a:rPr lang="en-US" sz="3000" dirty="0" err="1"/>
-              <a:t>eu</a:t>
-            </a:r>
-            <a:r>
-              <a:rPr lang="en-US" sz="3000" dirty="0"/>
-              <a:t> </a:t>
-            </a:r>
-            <a:r>
-              <a:rPr lang="en-US" sz="3000" dirty="0" err="1"/>
-              <a:t>arcu</a:t>
-            </a:r>
-            <a:r>
-              <a:rPr lang="en-US" sz="3000" dirty="0"/>
-              <a:t> </a:t>
-            </a:r>
-            <a:r>
-              <a:rPr lang="en-US" sz="3000" dirty="0" err="1"/>
-              <a:t>neque</a:t>
-            </a:r>
-            <a:r>
-              <a:rPr lang="en-US" sz="3000" dirty="0"/>
-              <a:t>. Integer </a:t>
-            </a:r>
-            <a:r>
-              <a:rPr lang="en-US" sz="3000" dirty="0" err="1"/>
-              <a:t>auctor</a:t>
-            </a:r>
-            <a:r>
-              <a:rPr lang="en-US" sz="3000" dirty="0"/>
-              <a:t> </a:t>
-            </a:r>
-            <a:r>
-              <a:rPr lang="en-US" sz="3000" dirty="0" err="1"/>
-              <a:t>nibh</a:t>
-            </a:r>
-            <a:r>
-              <a:rPr lang="en-US" sz="3000" dirty="0"/>
-              <a:t> </a:t>
-            </a:r>
-            <a:r>
-              <a:rPr lang="en-US" sz="3000" dirty="0" err="1"/>
-              <a:t>eu</a:t>
-            </a:r>
-            <a:r>
-              <a:rPr lang="en-US" sz="3000" dirty="0"/>
-              <a:t> </a:t>
-            </a:r>
-            <a:r>
-              <a:rPr lang="en-US" sz="3000" dirty="0" err="1"/>
-              <a:t>sem</a:t>
-            </a:r>
-            <a:r>
-              <a:rPr lang="en-US" sz="3000" dirty="0"/>
-              <a:t> </a:t>
-            </a:r>
-            <a:r>
-              <a:rPr lang="en-US" sz="3000" dirty="0" err="1"/>
-              <a:t>viverra</a:t>
-            </a:r>
-            <a:r>
-              <a:rPr lang="en-US" sz="3000" dirty="0"/>
-              <a:t> et </a:t>
-            </a:r>
-            <a:r>
-              <a:rPr lang="en-US" sz="3000" dirty="0" err="1"/>
-              <a:t>consectetur</a:t>
-            </a:r>
-            <a:r>
-              <a:rPr lang="en-US" sz="3000" dirty="0"/>
-              <a:t> </a:t>
-            </a:r>
-            <a:r>
-              <a:rPr lang="en-US" sz="3000" dirty="0" err="1"/>
-              <a:t>justo</a:t>
-            </a:r>
-            <a:r>
-              <a:rPr lang="en-US" sz="3000" dirty="0"/>
-              <a:t> </a:t>
-            </a:r>
-            <a:r>
-              <a:rPr lang="en-US" sz="3000" dirty="0" err="1"/>
-              <a:t>tristique</a:t>
-            </a:r>
-            <a:r>
-              <a:rPr lang="en-US" sz="3000" dirty="0"/>
-              <a:t>. </a:t>
-            </a:r>
-            <a:r>
-              <a:rPr lang="en-US" sz="3000" dirty="0" err="1"/>
-              <a:t>Sed</a:t>
-            </a:r>
-            <a:r>
-              <a:rPr lang="en-US" sz="3000" dirty="0"/>
-              <a:t> non </a:t>
-            </a:r>
-            <a:r>
-              <a:rPr lang="en-US" sz="3000" dirty="0" err="1"/>
-              <a:t>urna</a:t>
-            </a:r>
-            <a:r>
-              <a:rPr lang="en-US" sz="3000" dirty="0"/>
-              <a:t> </a:t>
-            </a:r>
-            <a:r>
-              <a:rPr lang="en-US" sz="3000" dirty="0" err="1"/>
-              <a:t>leo</a:t>
-            </a:r>
-            <a:r>
-              <a:rPr lang="en-US" sz="3000" dirty="0"/>
-              <a:t>, </a:t>
-            </a:r>
-            <a:r>
-              <a:rPr lang="en-US" sz="3000" dirty="0" err="1"/>
-              <a:t>vel</a:t>
-            </a:r>
-            <a:r>
-              <a:rPr lang="en-US" sz="3000" dirty="0"/>
-              <a:t> </a:t>
-            </a:r>
-            <a:r>
-              <a:rPr lang="en-US" sz="3000" dirty="0" err="1"/>
-              <a:t>cursus</a:t>
-            </a:r>
-            <a:r>
-              <a:rPr lang="en-US" sz="3000" dirty="0"/>
-              <a:t> </a:t>
-            </a:r>
-            <a:r>
-              <a:rPr lang="en-US" sz="3000" dirty="0" err="1"/>
-              <a:t>nulla</a:t>
-            </a:r>
-            <a:r>
-              <a:rPr lang="en-US" sz="3000" dirty="0"/>
-              <a:t>. </a:t>
-            </a:r>
-            <a:r>
-              <a:rPr lang="en-US" sz="3000" dirty="0" err="1"/>
-              <a:t>Nullam</a:t>
-            </a:r>
-            <a:r>
-              <a:rPr lang="en-US" sz="3000" dirty="0"/>
-              <a:t> </a:t>
-            </a:r>
-            <a:r>
-              <a:rPr lang="en-US" sz="3000" dirty="0" err="1"/>
-              <a:t>tristique</a:t>
-            </a:r>
-            <a:r>
-              <a:rPr lang="en-US" sz="3000" dirty="0"/>
-              <a:t> </a:t>
-            </a:r>
-            <a:r>
-              <a:rPr lang="en-US" sz="3000" dirty="0" err="1"/>
-              <a:t>laoreet</a:t>
-            </a:r>
-            <a:r>
-              <a:rPr lang="en-US" sz="3000" dirty="0"/>
-              <a:t> </a:t>
-            </a:r>
-            <a:r>
-              <a:rPr lang="en-US" sz="3000" dirty="0" err="1"/>
-              <a:t>diam</a:t>
-            </a:r>
-            <a:r>
-              <a:rPr lang="en-US" sz="3000" dirty="0"/>
-              <a:t> a </a:t>
-            </a:r>
-            <a:r>
-              <a:rPr lang="en-US" sz="3000" dirty="0" err="1"/>
-              <a:t>consequat</a:t>
-            </a:r>
-            <a:r>
-              <a:rPr lang="en-US" sz="3000" dirty="0"/>
-              <a:t>. </a:t>
-            </a:r>
-            <a:r>
-              <a:rPr lang="en-US" sz="3000" dirty="0" err="1"/>
-              <a:t>Sed</a:t>
-            </a:r>
-            <a:r>
-              <a:rPr lang="en-US" sz="3000" dirty="0"/>
-              <a:t> </a:t>
-            </a:r>
-            <a:r>
-              <a:rPr lang="en-US" sz="3000" dirty="0" err="1"/>
-              <a:t>condimentum</a:t>
-            </a:r>
-            <a:r>
-              <a:rPr lang="en-US" sz="3000" dirty="0"/>
-              <a:t> </a:t>
-            </a:r>
-            <a:r>
-              <a:rPr lang="en-US" sz="3000" dirty="0" err="1"/>
-              <a:t>convallis</a:t>
-            </a:r>
-            <a:r>
-              <a:rPr lang="en-US" sz="3000" dirty="0"/>
-              <a:t> </a:t>
-            </a:r>
-            <a:r>
-              <a:rPr lang="en-US" sz="3000" dirty="0" err="1"/>
-              <a:t>orci</a:t>
-            </a:r>
-            <a:r>
-              <a:rPr lang="en-US" sz="3000" dirty="0"/>
-              <a:t>, </a:t>
-            </a:r>
-            <a:r>
-              <a:rPr lang="en-US" sz="3000" dirty="0" err="1"/>
-              <a:t>eu</a:t>
-            </a:r>
-            <a:r>
-              <a:rPr lang="en-US" sz="3000" dirty="0"/>
-              <a:t> </a:t>
-            </a:r>
-            <a:r>
-              <a:rPr lang="en-US" sz="3000" dirty="0" err="1"/>
-              <a:t>dignissim</a:t>
-            </a:r>
-            <a:r>
-              <a:rPr lang="en-US" sz="3000" dirty="0"/>
-              <a:t> ante </a:t>
-            </a:r>
-            <a:r>
-              <a:rPr lang="en-US" sz="3000" dirty="0" err="1"/>
-              <a:t>elementum</a:t>
-            </a:r>
-            <a:r>
-              <a:rPr lang="en-US" sz="3000" dirty="0"/>
-              <a:t> ac. </a:t>
-            </a:r>
-            <a:r>
-              <a:rPr lang="en-US" sz="3000" dirty="0" err="1"/>
-              <a:t>Donec</a:t>
-            </a:r>
-            <a:r>
-              <a:rPr lang="en-US" sz="3000" dirty="0"/>
-              <a:t> quam </a:t>
-            </a:r>
-            <a:r>
-              <a:rPr lang="en-US" sz="3000" dirty="0" err="1"/>
-              <a:t>tellus</a:t>
-            </a:r>
-            <a:r>
-              <a:rPr lang="en-US" sz="3000" dirty="0"/>
-              <a:t>, </a:t>
-            </a:r>
-            <a:r>
-              <a:rPr lang="en-US" sz="3000" dirty="0" err="1"/>
-              <a:t>fringilla</a:t>
-            </a:r>
-            <a:r>
-              <a:rPr lang="en-US" sz="3000" dirty="0"/>
-              <a:t> </a:t>
-            </a:r>
-            <a:r>
-              <a:rPr lang="en-US" sz="3000" dirty="0" err="1"/>
-              <a:t>vel</a:t>
-            </a:r>
-            <a:r>
-              <a:rPr lang="en-US" sz="3000" dirty="0"/>
-              <a:t> </a:t>
-            </a:r>
-            <a:r>
-              <a:rPr lang="en-US" sz="3000" dirty="0" err="1"/>
-              <a:t>gravida</a:t>
-            </a:r>
-            <a:r>
-              <a:rPr lang="en-US" sz="3000" dirty="0"/>
-              <a:t> sit </a:t>
-            </a:r>
-            <a:r>
-              <a:rPr lang="en-US" sz="3000" dirty="0" err="1"/>
-              <a:t>amet</a:t>
-            </a:r>
-            <a:r>
-              <a:rPr lang="en-US" sz="3000" dirty="0"/>
-              <a:t>, </a:t>
-            </a:r>
-            <a:r>
-              <a:rPr lang="en-US" sz="3000" dirty="0" err="1"/>
-              <a:t>egestas</a:t>
-            </a:r>
-            <a:r>
-              <a:rPr lang="en-US" sz="3000" dirty="0"/>
-              <a:t> id </a:t>
-            </a:r>
-            <a:r>
-              <a:rPr lang="en-US" sz="3000" dirty="0" err="1"/>
-              <a:t>nulla</a:t>
-            </a:r>
-            <a:r>
-              <a:rPr lang="en-US" sz="3000" dirty="0"/>
-              <a:t>. </a:t>
-            </a:r>
           </a:p>
           <a:p>
             <a:pPr>
@@ -4975,365 +4367,14 @@
               </a:spcAft>
             </a:pPr>
             <a:r>
-              <a:rPr lang="en-US" sz="3000" dirty="0" err="1"/>
-              <a:t>Proin</a:t>
-            </a:r>
-            <a:r>
-              <a:rPr lang="en-US" sz="3000" dirty="0"/>
-              <a:t> </a:t>
-            </a:r>
-            <a:r>
-              <a:rPr lang="en-US" sz="3000" dirty="0" err="1"/>
-              <a:t>eget</a:t>
-            </a:r>
-            <a:r>
-              <a:rPr lang="en-US" sz="3000" dirty="0"/>
-              <a:t> </a:t>
-            </a:r>
-            <a:r>
-              <a:rPr lang="en-US" sz="3000" dirty="0" err="1"/>
-              <a:t>velit</a:t>
-            </a:r>
-            <a:r>
-              <a:rPr lang="en-US" sz="3000" dirty="0"/>
-              <a:t> </a:t>
-            </a:r>
-            <a:r>
-              <a:rPr lang="en-US" sz="3000" dirty="0" err="1"/>
-              <a:t>nisl</a:t>
-            </a:r>
-            <a:r>
-              <a:rPr lang="en-US" sz="3000" dirty="0"/>
-              <a:t>. </a:t>
-            </a:r>
-            <a:r>
-              <a:rPr lang="en-US" sz="3000" dirty="0" err="1"/>
-              <a:t>Morbi</a:t>
-            </a:r>
-            <a:r>
-              <a:rPr lang="en-US" sz="3000" dirty="0"/>
-              <a:t> </a:t>
-            </a:r>
-            <a:r>
-              <a:rPr lang="en-US" sz="3000" dirty="0" err="1"/>
-              <a:t>lacinia</a:t>
-            </a:r>
-            <a:r>
-              <a:rPr lang="en-US" sz="3000" dirty="0"/>
-              <a:t> </a:t>
-            </a:r>
-            <a:r>
-              <a:rPr lang="en-US" sz="3000" dirty="0" err="1"/>
-              <a:t>volutPellentesque</a:t>
-            </a:r>
-            <a:r>
-              <a:rPr lang="en-US" sz="3000" dirty="0"/>
-              <a:t> semper </a:t>
-            </a:r>
-            <a:r>
-              <a:rPr lang="en-US" sz="3000" dirty="0" err="1"/>
-              <a:t>vehicula</a:t>
-            </a:r>
-            <a:r>
-              <a:rPr lang="en-US" sz="3000" dirty="0"/>
-              <a:t> </a:t>
-            </a:r>
-            <a:r>
-              <a:rPr lang="en-US" sz="3000" dirty="0" err="1"/>
-              <a:t>turpis</a:t>
-            </a:r>
-            <a:r>
-              <a:rPr lang="en-US" sz="3000" dirty="0"/>
-              <a:t> </a:t>
-            </a:r>
-            <a:r>
-              <a:rPr lang="en-US" sz="3000" dirty="0" err="1"/>
-              <a:t>facilisis</a:t>
-            </a:r>
-            <a:r>
-              <a:rPr lang="en-US" sz="3000" dirty="0"/>
-              <a:t> </a:t>
-            </a:r>
-            <a:r>
-              <a:rPr lang="en-US" sz="3000" dirty="0" err="1"/>
-              <a:t>interdum</a:t>
-            </a:r>
-            <a:r>
-              <a:rPr lang="en-US" sz="3000" dirty="0"/>
-              <a:t>. </a:t>
-            </a:r>
-            <a:r>
-              <a:rPr lang="en-US" sz="3000" dirty="0" err="1"/>
-              <a:t>Aliquam</a:t>
-            </a:r>
-            <a:r>
-              <a:rPr lang="en-US" sz="3000" dirty="0"/>
-              <a:t> </a:t>
-            </a:r>
-            <a:r>
-              <a:rPr lang="en-US" sz="3000" dirty="0" err="1"/>
-              <a:t>sodales</a:t>
-            </a:r>
-            <a:r>
-              <a:rPr lang="en-US" sz="3000" dirty="0"/>
-              <a:t> </a:t>
-            </a:r>
-            <a:r>
-              <a:rPr lang="en-US" sz="3000" dirty="0" err="1"/>
-              <a:t>purus</a:t>
-            </a:r>
-            <a:r>
-              <a:rPr lang="en-US" sz="3000" dirty="0"/>
-              <a:t> a ligula </a:t>
-            </a:r>
-            <a:r>
-              <a:rPr lang="en-US" sz="3000" dirty="0" err="1"/>
-              <a:t>venenatis</a:t>
-            </a:r>
-            <a:r>
-              <a:rPr lang="en-US" sz="3000" dirty="0"/>
-              <a:t> id </a:t>
-            </a:r>
-            <a:r>
-              <a:rPr lang="en-US" sz="3000" dirty="0" err="1"/>
-              <a:t>imperdiet</a:t>
-            </a:r>
-            <a:r>
-              <a:rPr lang="en-US" sz="3000" dirty="0"/>
-              <a:t> </a:t>
-            </a:r>
-            <a:r>
-              <a:rPr lang="en-US" sz="3000" dirty="0" err="1"/>
-              <a:t>sem</a:t>
-            </a:r>
-            <a:r>
-              <a:rPr lang="en-US" sz="3000" dirty="0"/>
-              <a:t> </a:t>
-            </a:r>
-            <a:r>
-              <a:rPr lang="en-US" sz="3000" dirty="0" err="1"/>
-              <a:t>posuere</a:t>
-            </a:r>
-            <a:r>
-              <a:rPr lang="en-US" sz="3000" dirty="0"/>
-              <a:t>. </a:t>
-            </a:r>
-            <a:r>
-              <a:rPr lang="en-US" sz="3000" dirty="0" err="1"/>
-              <a:t>Proin</a:t>
-            </a:r>
-            <a:r>
-              <a:rPr lang="en-US" sz="3000" dirty="0"/>
-              <a:t> in </a:t>
-            </a:r>
-            <a:r>
-              <a:rPr lang="en-US" sz="3000" dirty="0" err="1"/>
-              <a:t>imperdiet</a:t>
-            </a:r>
-            <a:r>
-              <a:rPr lang="en-US" sz="3000" dirty="0"/>
-              <a:t> </a:t>
-            </a:r>
-            <a:r>
-              <a:rPr lang="en-US" sz="3000" dirty="0" err="1"/>
-              <a:t>neque</a:t>
-            </a:r>
-            <a:r>
-              <a:rPr lang="en-US" sz="3000" dirty="0"/>
-              <a:t>. </a:t>
-            </a:r>
-            <a:r>
-              <a:rPr lang="en-US" sz="3000" dirty="0" err="1"/>
-              <a:t>Pellentesque</a:t>
-            </a:r>
-            <a:r>
-              <a:rPr lang="en-US" sz="3000" dirty="0"/>
-              <a:t> </a:t>
-            </a:r>
-            <a:r>
-              <a:rPr lang="en-US" sz="3000" dirty="0" err="1"/>
-              <a:t>nec</a:t>
-            </a:r>
-            <a:r>
-              <a:rPr lang="en-US" sz="3000" dirty="0"/>
-              <a:t> </a:t>
-            </a:r>
-            <a:r>
-              <a:rPr lang="en-US" sz="3000" dirty="0" err="1"/>
-              <a:t>malesuada</a:t>
-            </a:r>
-            <a:r>
-              <a:rPr lang="en-US" sz="3000" dirty="0"/>
-              <a:t> </a:t>
-            </a:r>
-            <a:r>
-              <a:rPr lang="en-US" sz="3000" dirty="0" err="1"/>
-              <a:t>erat</a:t>
-            </a:r>
-            <a:r>
-              <a:rPr lang="en-US" sz="3000" dirty="0"/>
-              <a:t>. </a:t>
-            </a:r>
-            <a:r>
-              <a:rPr lang="en-US" sz="3000" dirty="0" err="1"/>
-              <a:t>Praesent</a:t>
-            </a:r>
-            <a:r>
-              <a:rPr lang="en-US" sz="3000" dirty="0"/>
-              <a:t> </a:t>
-            </a:r>
-            <a:r>
-              <a:rPr lang="en-US" sz="3000" dirty="0" err="1"/>
-              <a:t>aliquam</a:t>
-            </a:r>
-            <a:r>
-              <a:rPr lang="en-US" sz="3000" dirty="0"/>
-              <a:t>, </a:t>
-            </a:r>
-            <a:r>
-              <a:rPr lang="en-US" sz="3000" dirty="0" err="1"/>
-              <a:t>augue</a:t>
-            </a:r>
-            <a:r>
-              <a:rPr lang="en-US" sz="3000" dirty="0"/>
-              <a:t> non </a:t>
-            </a:r>
-            <a:r>
-              <a:rPr lang="en-US" sz="3000" dirty="0" err="1"/>
-              <a:t>pharetra</a:t>
-            </a:r>
-            <a:r>
-              <a:rPr lang="en-US" sz="3000" dirty="0"/>
-              <a:t> </a:t>
-            </a:r>
-            <a:r>
-              <a:rPr lang="en-US" sz="3000" dirty="0" err="1"/>
-              <a:t>laoreet</a:t>
-            </a:r>
-            <a:r>
-              <a:rPr lang="en-US" sz="3000" dirty="0"/>
-              <a:t>, </a:t>
-            </a:r>
-            <a:r>
-              <a:rPr lang="en-US" sz="3000" dirty="0" err="1"/>
-              <a:t>ipsum</a:t>
-            </a:r>
-            <a:r>
-              <a:rPr lang="en-US" sz="3000" dirty="0"/>
-              <a:t> </a:t>
-            </a:r>
-            <a:r>
-              <a:rPr lang="en-US" sz="3000" dirty="0" err="1"/>
-              <a:t>sem</a:t>
-            </a:r>
-            <a:r>
-              <a:rPr lang="en-US" sz="3000" dirty="0"/>
-              <a:t> </a:t>
-            </a:r>
-            <a:r>
-              <a:rPr lang="en-US" sz="3000" dirty="0" err="1"/>
-              <a:t>vulputate</a:t>
-            </a:r>
-            <a:r>
-              <a:rPr lang="en-US" sz="3000" dirty="0"/>
-              <a:t> dolor, in </a:t>
-            </a:r>
-            <a:r>
-              <a:rPr lang="en-US" sz="3000" dirty="0" err="1"/>
-              <a:t>pulvinar</a:t>
-            </a:r>
-            <a:r>
-              <a:rPr lang="en-US" sz="3000" dirty="0"/>
-              <a:t> </a:t>
-            </a:r>
-            <a:r>
-              <a:rPr lang="en-US" sz="3000" dirty="0" err="1"/>
-              <a:t>tortor</a:t>
-            </a:r>
-            <a:r>
-              <a:rPr lang="en-US" sz="3000" dirty="0"/>
-              <a:t> mi at </a:t>
-            </a:r>
-            <a:r>
-              <a:rPr lang="en-US" sz="3000" dirty="0" err="1"/>
-              <a:t>purus</a:t>
-            </a:r>
-            <a:r>
-              <a:rPr lang="en-US" sz="3000" dirty="0"/>
-              <a:t>. </a:t>
-            </a:r>
-            <a:r>
-              <a:rPr lang="en-US" sz="3000" dirty="0" err="1"/>
-              <a:t>Nulla</a:t>
-            </a:r>
-            <a:r>
-              <a:rPr lang="en-US" sz="3000" dirty="0"/>
-              <a:t> </a:t>
-            </a:r>
-            <a:r>
-              <a:rPr lang="en-US" sz="3000" dirty="0" err="1"/>
-              <a:t>facilisi</a:t>
-            </a:r>
-            <a:r>
-              <a:rPr lang="en-US" sz="3000" dirty="0"/>
-              <a:t>. </a:t>
-            </a:r>
-            <a:r>
-              <a:rPr lang="en-US" sz="3000" dirty="0" err="1"/>
-              <a:t>Nunc</a:t>
-            </a:r>
-            <a:r>
-              <a:rPr lang="en-US" sz="3000" dirty="0"/>
-              <a:t> ac </a:t>
-            </a:r>
-            <a:r>
-              <a:rPr lang="en-US" sz="3000" dirty="0" err="1"/>
-              <a:t>odio</a:t>
-            </a:r>
-            <a:r>
-              <a:rPr lang="en-US" sz="3000" dirty="0"/>
-              <a:t> in </a:t>
-            </a:r>
-            <a:r>
-              <a:rPr lang="en-US" sz="3000" dirty="0" err="1"/>
-              <a:t>risus</a:t>
-            </a:r>
-            <a:r>
-              <a:rPr lang="en-US" sz="3000" dirty="0"/>
-              <a:t> </a:t>
-            </a:r>
-            <a:r>
-              <a:rPr lang="en-US" sz="3000" dirty="0" err="1"/>
-              <a:t>tristique</a:t>
-            </a:r>
-            <a:r>
-              <a:rPr lang="en-US" sz="3000" dirty="0"/>
-              <a:t> </a:t>
-            </a:r>
-            <a:r>
-              <a:rPr lang="en-US" sz="3000" dirty="0" err="1"/>
-              <a:t>commodo</a:t>
-            </a:r>
-            <a:r>
-              <a:rPr lang="en-US" sz="3000" dirty="0"/>
-              <a:t> a </a:t>
-            </a:r>
-            <a:r>
-              <a:rPr lang="en-US" sz="3000" dirty="0" err="1"/>
-              <a:t>eget</a:t>
-            </a:r>
-            <a:r>
-              <a:rPr lang="en-US" sz="3000" dirty="0"/>
-              <a:t> </a:t>
-            </a:r>
-            <a:r>
-              <a:rPr lang="en-US" sz="3000" dirty="0" err="1"/>
-              <a:t>massa</a:t>
-            </a:r>
-            <a:r>
-              <a:rPr lang="en-US" sz="3000" dirty="0"/>
-              <a:t>. </a:t>
-            </a:r>
+              <a:rPr lang="en-US" sz="3600" b="1" dirty="0">
+                <a:solidFill>
+                  <a:srgbClr val="5D87A1"/>
+                </a:solidFill>
+              </a:rPr>
+              <a:t>Obstacle Avoidance</a:t>
+            </a:r>
+            <a:endParaRPr lang="en-US" sz="3600" dirty="0"/>
           </a:p>
           <a:p>
             <a:pPr>
@@ -5342,12 +4383,388 @@
               </a:spcAft>
             </a:pPr>
             <a:r>
-              <a:rPr lang="en-US" sz="3600" b="1" dirty="0">
-                <a:solidFill>
-                  <a:srgbClr val="5D87A1"/>
-                </a:solidFill>
-              </a:rPr>
-              <a:t>SUBHEAD. LOREM IPSUM</a:t>
+              <a:rPr lang="en-US" sz="3000" dirty="0" err="1"/>
+              <a:t>Vivamus</a:t>
+            </a:r>
+            <a:r>
+              <a:rPr lang="en-US" sz="3000" dirty="0"/>
+              <a:t> </a:t>
+            </a:r>
+            <a:r>
+              <a:rPr lang="en-US" sz="3000" dirty="0" err="1"/>
+              <a:t>interdum</a:t>
+            </a:r>
+            <a:r>
+              <a:rPr lang="en-US" sz="3000" dirty="0"/>
+              <a:t> magna </a:t>
+            </a:r>
+            <a:r>
+              <a:rPr lang="en-US" sz="3000" dirty="0" err="1"/>
+              <a:t>quis</a:t>
+            </a:r>
+            <a:r>
+              <a:rPr lang="en-US" sz="3000" dirty="0"/>
+              <a:t> </a:t>
+            </a:r>
+            <a:r>
+              <a:rPr lang="en-US" sz="3000" dirty="0" err="1"/>
+              <a:t>mauris</a:t>
+            </a:r>
+            <a:r>
+              <a:rPr lang="en-US" sz="3000" dirty="0"/>
+              <a:t> </a:t>
+            </a:r>
+            <a:r>
+              <a:rPr lang="en-US" sz="3000" dirty="0" err="1"/>
+              <a:t>facilisis</a:t>
+            </a:r>
+            <a:r>
+              <a:rPr lang="en-US" sz="3000" dirty="0"/>
+              <a:t> </a:t>
+            </a:r>
+            <a:r>
+              <a:rPr lang="en-US" sz="3000" dirty="0" err="1"/>
+              <a:t>ornare</a:t>
+            </a:r>
+            <a:r>
+              <a:rPr lang="en-US" sz="3000" dirty="0"/>
+              <a:t>. </a:t>
+            </a:r>
+            <a:r>
+              <a:rPr lang="en-US" sz="3000" dirty="0" err="1"/>
+              <a:t>Nunc</a:t>
+            </a:r>
+            <a:r>
+              <a:rPr lang="en-US" sz="3000" dirty="0"/>
+              <a:t> </a:t>
+            </a:r>
+            <a:r>
+              <a:rPr lang="en-US" sz="3000" dirty="0" err="1"/>
+              <a:t>eget</a:t>
+            </a:r>
+            <a:r>
+              <a:rPr lang="en-US" sz="3000" dirty="0"/>
+              <a:t> </a:t>
+            </a:r>
+            <a:r>
+              <a:rPr lang="en-US" sz="3000" dirty="0" err="1"/>
+              <a:t>lectus</a:t>
+            </a:r>
+            <a:r>
+              <a:rPr lang="en-US" sz="3000" dirty="0"/>
+              <a:t> </a:t>
+            </a:r>
+            <a:r>
+              <a:rPr lang="en-US" sz="3000" dirty="0" err="1"/>
+              <a:t>massa</a:t>
+            </a:r>
+            <a:r>
+              <a:rPr lang="en-US" sz="3000" dirty="0"/>
+              <a:t>, </a:t>
+            </a:r>
+            <a:r>
+              <a:rPr lang="en-US" sz="3000" dirty="0" err="1"/>
+              <a:t>quis</a:t>
+            </a:r>
+            <a:r>
+              <a:rPr lang="en-US" sz="3000" dirty="0"/>
+              <a:t> </a:t>
+            </a:r>
+            <a:r>
+              <a:rPr lang="en-US" sz="3000" dirty="0" err="1"/>
+              <a:t>ullamcorper</a:t>
+            </a:r>
+            <a:r>
+              <a:rPr lang="en-US" sz="3000" dirty="0"/>
+              <a:t> </a:t>
+            </a:r>
+            <a:r>
+              <a:rPr lang="en-US" sz="3000" dirty="0" err="1"/>
+              <a:t>libero</a:t>
+            </a:r>
+            <a:r>
+              <a:rPr lang="en-US" sz="3000" dirty="0"/>
+              <a:t>. </a:t>
+            </a:r>
+            <a:r>
+              <a:rPr lang="en-US" sz="3000" dirty="0" err="1"/>
+              <a:t>Pellentesque</a:t>
+            </a:r>
+            <a:r>
+              <a:rPr lang="en-US" sz="3000" dirty="0"/>
+              <a:t> habitant </a:t>
+            </a:r>
+            <a:r>
+              <a:rPr lang="en-US" sz="3000" dirty="0" err="1"/>
+              <a:t>morbi</a:t>
+            </a:r>
+            <a:r>
+              <a:rPr lang="en-US" sz="3000" dirty="0"/>
+              <a:t> </a:t>
+            </a:r>
+            <a:r>
+              <a:rPr lang="en-US" sz="3000" dirty="0" err="1"/>
+              <a:t>tristique</a:t>
+            </a:r>
+            <a:r>
+              <a:rPr lang="en-US" sz="3000" dirty="0"/>
+              <a:t> </a:t>
+            </a:r>
+            <a:r>
+              <a:rPr lang="en-US" sz="3000" dirty="0" err="1"/>
+              <a:t>senectus</a:t>
+            </a:r>
+            <a:r>
+              <a:rPr lang="en-US" sz="3000" dirty="0"/>
+              <a:t> et </a:t>
+            </a:r>
+            <a:r>
+              <a:rPr lang="en-US" sz="3000" dirty="0" err="1"/>
+              <a:t>netus</a:t>
+            </a:r>
+            <a:r>
+              <a:rPr lang="en-US" sz="3000" dirty="0"/>
+              <a:t> et </a:t>
+            </a:r>
+            <a:r>
+              <a:rPr lang="en-US" sz="3000" dirty="0" err="1"/>
+              <a:t>malesuada</a:t>
+            </a:r>
+            <a:r>
+              <a:rPr lang="en-US" sz="3000" dirty="0"/>
+              <a:t> fames ac </a:t>
+            </a:r>
+            <a:r>
+              <a:rPr lang="en-US" sz="3000" dirty="0" err="1"/>
+              <a:t>turpis</a:t>
+            </a:r>
+            <a:r>
+              <a:rPr lang="en-US" sz="3000" dirty="0"/>
+              <a:t> </a:t>
+            </a:r>
+            <a:r>
+              <a:rPr lang="en-US" sz="3000" dirty="0" err="1"/>
+              <a:t>egestas</a:t>
+            </a:r>
+            <a:r>
+              <a:rPr lang="en-US" sz="3000" dirty="0"/>
+              <a:t>. </a:t>
+            </a:r>
+            <a:r>
+              <a:rPr lang="en-US" sz="3000" dirty="0" err="1"/>
+              <a:t>Praesent</a:t>
+            </a:r>
+            <a:r>
+              <a:rPr lang="en-US" sz="3000" dirty="0"/>
+              <a:t> </a:t>
+            </a:r>
+            <a:r>
+              <a:rPr lang="en-US" sz="3000" dirty="0" err="1"/>
+              <a:t>volutpat</a:t>
+            </a:r>
+            <a:r>
+              <a:rPr lang="en-US" sz="3000" dirty="0"/>
+              <a:t> ipsum </a:t>
+            </a:r>
+            <a:r>
+              <a:rPr lang="en-US" sz="3000" dirty="0" err="1"/>
+              <a:t>eu</a:t>
+            </a:r>
+            <a:r>
+              <a:rPr lang="en-US" sz="3000" dirty="0"/>
+              <a:t> </a:t>
+            </a:r>
+            <a:r>
+              <a:rPr lang="en-US" sz="3000" dirty="0" err="1"/>
+              <a:t>justo</a:t>
+            </a:r>
+            <a:r>
+              <a:rPr lang="en-US" sz="3000" dirty="0"/>
+              <a:t> </a:t>
+            </a:r>
+            <a:r>
+              <a:rPr lang="en-US" sz="3000" dirty="0" err="1"/>
+              <a:t>aliquam</a:t>
+            </a:r>
+            <a:r>
+              <a:rPr lang="en-US" sz="3000" dirty="0" err="1"/>
+              <a:t>leo</a:t>
+            </a:r>
+            <a:r>
+              <a:rPr lang="en-US" sz="3000" dirty="0"/>
+              <a:t>, </a:t>
+            </a:r>
+            <a:r>
+              <a:rPr lang="en-US" sz="3000" dirty="0" err="1"/>
+              <a:t>vel</a:t>
+            </a:r>
+            <a:r>
+              <a:rPr lang="en-US" sz="3000" dirty="0"/>
+              <a:t> cursus </a:t>
+            </a:r>
+            <a:r>
+              <a:rPr lang="en-US" sz="3000" dirty="0" err="1"/>
+              <a:t>nulla</a:t>
+            </a:r>
+            <a:r>
+              <a:rPr lang="en-US" sz="3000" dirty="0"/>
+              <a:t>. </a:t>
+            </a:r>
+            <a:r>
+              <a:rPr lang="en-US" sz="3000" dirty="0" err="1"/>
+              <a:t>Nullam</a:t>
+            </a:r>
+            <a:r>
+              <a:rPr lang="en-US" sz="3000" dirty="0"/>
+              <a:t> </a:t>
+            </a:r>
+            <a:r>
+              <a:rPr lang="en-US" sz="3000" dirty="0" err="1"/>
+              <a:t>tristique</a:t>
+            </a:r>
+            <a:r>
+              <a:rPr lang="en-US" sz="3000" dirty="0"/>
+              <a:t> </a:t>
+            </a:r>
+            <a:r>
+              <a:rPr lang="en-US" sz="3000" dirty="0" err="1"/>
+              <a:t>laoreet</a:t>
+            </a:r>
+            <a:r>
+              <a:rPr lang="en-US" sz="3000" dirty="0"/>
+              <a:t> </a:t>
+            </a:r>
+            <a:r>
+              <a:rPr lang="en-US" sz="3000" dirty="0" err="1"/>
+              <a:t>diam</a:t>
+            </a:r>
+            <a:r>
+              <a:rPr lang="en-US" sz="3000" dirty="0"/>
+              <a:t> a </a:t>
+            </a:r>
+            <a:r>
+              <a:rPr lang="en-US" sz="3000" dirty="0" err="1"/>
+              <a:t>consequat</a:t>
+            </a:r>
+            <a:r>
+              <a:rPr lang="en-US" sz="3000" dirty="0"/>
+              <a:t>. </a:t>
+            </a:r>
+            <a:r>
+              <a:rPr lang="en-US" sz="3000" dirty="0" err="1"/>
+              <a:t>Sed</a:t>
+            </a:r>
+            <a:r>
+              <a:rPr lang="en-US" sz="3000" dirty="0"/>
+              <a:t> </a:t>
+            </a:r>
+            <a:r>
+              <a:rPr lang="en-US" sz="3000" dirty="0" err="1"/>
+              <a:t>condimentum</a:t>
+            </a:r>
+            <a:r>
+              <a:rPr lang="en-US" sz="3000" dirty="0"/>
+              <a:t> convallis </a:t>
+            </a:r>
+            <a:r>
+              <a:rPr lang="en-US" sz="3000" dirty="0" err="1"/>
+              <a:t>orci</a:t>
+            </a:r>
+            <a:r>
+              <a:rPr lang="en-US" sz="3000" dirty="0"/>
+              <a:t>, </a:t>
+            </a:r>
+            <a:r>
+              <a:rPr lang="en-US" sz="3000" dirty="0" err="1"/>
+              <a:t>eu</a:t>
+            </a:r>
+            <a:r>
+              <a:rPr lang="en-US" sz="3000" dirty="0"/>
+              <a:t> </a:t>
+            </a:r>
+            <a:r>
+              <a:rPr lang="en-US" sz="3000" dirty="0" err="1"/>
+              <a:t>dignissim</a:t>
+            </a:r>
+            <a:r>
+              <a:rPr lang="en-US" sz="3000" dirty="0"/>
+              <a:t> ante </a:t>
+            </a:r>
+            <a:r>
+              <a:rPr lang="en-US" sz="3000" dirty="0" err="1"/>
+              <a:t>elementum</a:t>
+            </a:r>
+            <a:r>
+              <a:rPr lang="en-US" sz="3000" dirty="0"/>
+              <a:t> ac. </a:t>
+            </a:r>
+            <a:r>
+              <a:rPr lang="en-US" sz="3000" dirty="0" err="1"/>
+              <a:t>Donec</a:t>
+            </a:r>
+            <a:r>
+              <a:rPr lang="en-US" sz="3000" dirty="0"/>
+              <a:t> </a:t>
+            </a:r>
+            <a:r>
+              <a:rPr lang="en-US" sz="3000" dirty="0" err="1"/>
+              <a:t>quam</a:t>
+            </a:r>
+            <a:r>
+              <a:rPr lang="en-US" sz="3000" dirty="0"/>
+              <a:t> </a:t>
+            </a:r>
+            <a:r>
+              <a:rPr lang="en-US" sz="3000" dirty="0" err="1"/>
+              <a:t>tellus</a:t>
+            </a:r>
+            <a:r>
+              <a:rPr lang="en-US" sz="3000" dirty="0"/>
+              <a:t>, </a:t>
+            </a:r>
+            <a:r>
+              <a:rPr lang="en-US" sz="3000" dirty="0" err="1"/>
+              <a:t>fringilla</a:t>
+            </a:r>
+            <a:r>
+              <a:rPr lang="en-US" sz="3000" dirty="0"/>
+              <a:t> </a:t>
+            </a:r>
+            <a:r>
+              <a:rPr lang="en-US" sz="3000" dirty="0" err="1"/>
+              <a:t>vel</a:t>
+            </a:r>
+            <a:r>
+              <a:rPr lang="en-US" sz="3000" dirty="0"/>
+              <a:t> gravida sit </a:t>
+            </a:r>
+            <a:r>
+              <a:rPr lang="en-US" sz="3000" dirty="0" err="1"/>
+              <a:t>amet</a:t>
+            </a:r>
+            <a:r>
+              <a:rPr lang="en-US" sz="3000" dirty="0"/>
+              <a:t>, </a:t>
+            </a:r>
+            <a:r>
+              <a:rPr lang="en-US" sz="3000" dirty="0" err="1"/>
+              <a:t>egestas</a:t>
+            </a:r>
+            <a:r>
+              <a:rPr lang="en-US" sz="3000" dirty="0"/>
+              <a:t> id </a:t>
+            </a:r>
+            <a:r>
+              <a:rPr lang="en-US" sz="3000" dirty="0" err="1"/>
+              <a:t>nulla</a:t>
+            </a:r>
+            <a:r>
+              <a:rPr lang="en-US" sz="3000" dirty="0"/>
+              <a:t>. </a:t>
+            </a:r>
+            <a:r>
+              <a:rPr lang="en-US" sz="3000" dirty="0"/>
+              <a:t> </a:t>
             </a:r>
           </a:p>
           <a:p>
@@ -5357,517 +4774,57 @@
               </a:spcAft>
             </a:pPr>
             <a:r>
-              <a:rPr lang="en-US" sz="3000" dirty="0" err="1"/>
-              <a:t>Urna</a:t>
-            </a:r>
-            <a:r>
-              <a:rPr lang="en-US" sz="3000" dirty="0"/>
-              <a:t> </a:t>
-            </a:r>
-            <a:r>
-              <a:rPr lang="en-US" sz="3000" dirty="0" err="1"/>
-              <a:t>aliquet</a:t>
-            </a:r>
-            <a:r>
-              <a:rPr lang="en-US" sz="3000" dirty="0"/>
-              <a:t> </a:t>
-            </a:r>
-            <a:r>
-              <a:rPr lang="en-US" sz="3000" dirty="0" err="1"/>
-              <a:t>mattis</a:t>
-            </a:r>
-            <a:r>
-              <a:rPr lang="en-US" sz="3000" dirty="0"/>
-              <a:t>. </a:t>
-            </a:r>
-            <a:r>
-              <a:rPr lang="en-US" sz="3000" dirty="0" err="1"/>
-              <a:t>Nunc</a:t>
-            </a:r>
-            <a:r>
-              <a:rPr lang="en-US" sz="3000" dirty="0"/>
-              <a:t> </a:t>
-            </a:r>
-            <a:r>
-              <a:rPr lang="en-US" sz="3000" dirty="0" err="1"/>
-              <a:t>quis</a:t>
-            </a:r>
-            <a:r>
-              <a:rPr lang="en-US" sz="3000" dirty="0"/>
-              <a:t> </a:t>
-            </a:r>
-            <a:r>
-              <a:rPr lang="en-US" sz="3000" dirty="0" err="1"/>
-              <a:t>enim</a:t>
-            </a:r>
-            <a:r>
-              <a:rPr lang="en-US" sz="3000" dirty="0"/>
-              <a:t> </a:t>
-            </a:r>
-            <a:r>
-              <a:rPr lang="en-US" sz="3000" dirty="0" err="1"/>
-              <a:t>lorem</a:t>
-            </a:r>
-            <a:r>
-              <a:rPr lang="en-US" sz="3000" dirty="0"/>
-              <a:t>, </a:t>
-            </a:r>
-            <a:r>
-              <a:rPr lang="en-US" sz="3000" dirty="0" err="1"/>
-              <a:t>aliquam</a:t>
-            </a:r>
-            <a:r>
-              <a:rPr lang="en-US" sz="3000" dirty="0"/>
-              <a:t> </a:t>
-            </a:r>
-            <a:r>
-              <a:rPr lang="en-US" sz="3000" dirty="0" err="1"/>
-              <a:t>consectetur</a:t>
-            </a:r>
-            <a:r>
-              <a:rPr lang="en-US" sz="3000" dirty="0"/>
-              <a:t> </a:t>
-            </a:r>
-            <a:r>
-              <a:rPr lang="en-US" sz="3000" dirty="0" err="1"/>
-              <a:t>justo</a:t>
-            </a:r>
-            <a:r>
-              <a:rPr lang="en-US" sz="3000" dirty="0"/>
-              <a:t>. </a:t>
-            </a:r>
-            <a:r>
-              <a:rPr lang="en-US" sz="3000" dirty="0" err="1"/>
-              <a:t>Ut</a:t>
-            </a:r>
-            <a:r>
-              <a:rPr lang="en-US" sz="3000" dirty="0"/>
-              <a:t> </a:t>
-            </a:r>
-            <a:r>
-              <a:rPr lang="en-US" sz="3000" dirty="0" err="1"/>
-              <a:t>interdum</a:t>
-            </a:r>
-            <a:r>
-              <a:rPr lang="en-US" sz="3000" dirty="0"/>
-              <a:t> </a:t>
-            </a:r>
-            <a:r>
-              <a:rPr lang="en-US" sz="3000" dirty="0" err="1"/>
-              <a:t>facilisis</a:t>
-            </a:r>
-            <a:r>
-              <a:rPr lang="en-US" sz="3000" dirty="0"/>
-              <a:t> ante </a:t>
-            </a:r>
-            <a:r>
-              <a:rPr lang="en-US" sz="3000" dirty="0" err="1"/>
-              <a:t>luctus</a:t>
-            </a:r>
-            <a:r>
-              <a:rPr lang="en-US" sz="3000" dirty="0"/>
-              <a:t> </a:t>
-            </a:r>
-            <a:r>
-              <a:rPr lang="en-US" sz="3000" dirty="0" err="1"/>
-              <a:t>tincidunt</a:t>
-            </a:r>
-            <a:r>
-              <a:rPr lang="en-US" sz="3000" dirty="0"/>
-              <a:t>. </a:t>
-            </a:r>
-            <a:r>
-              <a:rPr lang="en-US" sz="3000" dirty="0" err="1"/>
-              <a:t>Aenean</a:t>
-            </a:r>
-            <a:r>
-              <a:rPr lang="en-US" sz="3000" dirty="0"/>
-              <a:t> vitae </a:t>
-            </a:r>
-            <a:r>
-              <a:rPr lang="en-US" sz="3000" dirty="0" err="1"/>
-              <a:t>sapien</a:t>
-            </a:r>
-            <a:r>
-              <a:rPr lang="en-US" sz="3000" dirty="0"/>
-              <a:t> </a:t>
-            </a:r>
-            <a:r>
-              <a:rPr lang="en-US" sz="3000" dirty="0" err="1"/>
-              <a:t>nulla</a:t>
-            </a:r>
-            <a:r>
-              <a:rPr lang="en-US" sz="3000" dirty="0"/>
-              <a:t>, </a:t>
-            </a:r>
-            <a:r>
-              <a:rPr lang="en-US" sz="3000" dirty="0" err="1"/>
-              <a:t>sed</a:t>
-            </a:r>
-            <a:r>
-              <a:rPr lang="en-US" sz="3000" dirty="0"/>
-              <a:t> dictum dui. </a:t>
-            </a:r>
-            <a:r>
-              <a:rPr lang="en-US" sz="3000" dirty="0" err="1"/>
-              <a:t>Morbi</a:t>
-            </a:r>
-            <a:r>
-              <a:rPr lang="en-US" sz="3000" dirty="0"/>
-              <a:t> </a:t>
-            </a:r>
-            <a:r>
-              <a:rPr lang="en-US" sz="3000" dirty="0" err="1"/>
-              <a:t>diam</a:t>
-            </a:r>
-            <a:r>
-              <a:rPr lang="en-US" sz="3000" dirty="0"/>
-              <a:t> </a:t>
-            </a:r>
-            <a:r>
-              <a:rPr lang="en-US" sz="3000" dirty="0" err="1"/>
-              <a:t>lectus</a:t>
-            </a:r>
-            <a:r>
-              <a:rPr lang="en-US" sz="3000" dirty="0"/>
-              <a:t>, </a:t>
-            </a:r>
-            <a:r>
-              <a:rPr lang="en-US" sz="3000" dirty="0" err="1"/>
-              <a:t>porta</a:t>
-            </a:r>
-            <a:r>
-              <a:rPr lang="en-US" sz="3000" dirty="0"/>
-              <a:t> id </a:t>
-            </a:r>
-            <a:r>
-              <a:rPr lang="en-US" sz="3000" dirty="0" err="1"/>
-              <a:t>malesuada</a:t>
-            </a:r>
-            <a:r>
-              <a:rPr lang="en-US" sz="3000" dirty="0"/>
-              <a:t> </a:t>
-            </a:r>
-            <a:r>
-              <a:rPr lang="en-US" sz="3000" dirty="0" err="1"/>
-              <a:t>eu</a:t>
-            </a:r>
-            <a:r>
-              <a:rPr lang="en-US" sz="3000" dirty="0"/>
-              <a:t>, </a:t>
-            </a:r>
-            <a:r>
-              <a:rPr lang="en-US" sz="3000" dirty="0" err="1"/>
-              <a:t>consequat</a:t>
-            </a:r>
-            <a:r>
-              <a:rPr lang="en-US" sz="3000" dirty="0"/>
-              <a:t> a ante. </a:t>
-            </a:r>
-            <a:r>
-              <a:rPr lang="en-US" sz="3000" dirty="0" err="1"/>
-              <a:t>Nullam</a:t>
-            </a:r>
-            <a:r>
-              <a:rPr lang="en-US" sz="3000" dirty="0"/>
-              <a:t> vitae </a:t>
-            </a:r>
-            <a:r>
-              <a:rPr lang="en-US" sz="3000" dirty="0" err="1"/>
-              <a:t>varius</a:t>
-            </a:r>
-            <a:r>
-              <a:rPr lang="en-US" sz="3000" dirty="0"/>
-              <a:t> est. </a:t>
-            </a:r>
-            <a:r>
-              <a:rPr lang="en-US" sz="3000" dirty="0" err="1"/>
-              <a:t>Vivamus</a:t>
-            </a:r>
-            <a:r>
-              <a:rPr lang="en-US" sz="3000" dirty="0"/>
-              <a:t> ac </a:t>
-            </a:r>
-            <a:r>
-              <a:rPr lang="en-US" sz="3000" dirty="0" err="1"/>
-              <a:t>libero</a:t>
-            </a:r>
-            <a:r>
-              <a:rPr lang="en-US" sz="3000" dirty="0"/>
-              <a:t> </a:t>
-            </a:r>
-            <a:r>
-              <a:rPr lang="en-US" sz="3000" dirty="0" err="1"/>
-              <a:t>ut</a:t>
-            </a:r>
-            <a:r>
-              <a:rPr lang="en-US" sz="3000" dirty="0"/>
-              <a:t> </a:t>
-            </a:r>
-            <a:r>
-              <a:rPr lang="en-US" sz="3000" dirty="0" err="1"/>
-              <a:t>arcu</a:t>
-            </a:r>
-            <a:r>
-              <a:rPr lang="en-US" sz="3000" dirty="0"/>
-              <a:t> </a:t>
-            </a:r>
-            <a:r>
-              <a:rPr lang="en-US" sz="3000" dirty="0" err="1"/>
-              <a:t>accumsan</a:t>
-            </a:r>
-            <a:r>
-              <a:rPr lang="en-US" sz="3000" dirty="0"/>
-              <a:t> </a:t>
-            </a:r>
-            <a:r>
-              <a:rPr lang="en-US" sz="3000" dirty="0" err="1"/>
-              <a:t>convallis</a:t>
-            </a:r>
-            <a:r>
-              <a:rPr lang="en-US" sz="3000" dirty="0"/>
-              <a:t> vitae </a:t>
-            </a:r>
-            <a:r>
-              <a:rPr lang="en-US" sz="3000" dirty="0" err="1"/>
-              <a:t>vel</a:t>
-            </a:r>
-            <a:r>
-              <a:rPr lang="en-US" sz="3000" dirty="0"/>
-              <a:t> </a:t>
-            </a:r>
-            <a:r>
-              <a:rPr lang="en-US" sz="3000" dirty="0" err="1"/>
-              <a:t>leo</a:t>
-            </a:r>
-            <a:r>
-              <a:rPr lang="en-US" sz="3000" dirty="0"/>
-              <a:t>. </a:t>
-            </a:r>
-            <a:r>
-              <a:rPr lang="en-US" sz="3000" dirty="0" err="1"/>
-              <a:t>Curabitur</a:t>
-            </a:r>
-            <a:r>
-              <a:rPr lang="en-US" sz="3000" dirty="0"/>
-              <a:t> </a:t>
-            </a:r>
-            <a:r>
-              <a:rPr lang="en-US" sz="3000" dirty="0" err="1"/>
-              <a:t>molestie</a:t>
-            </a:r>
-            <a:r>
-              <a:rPr lang="en-US" sz="3000" dirty="0"/>
-              <a:t> </a:t>
-            </a:r>
-            <a:r>
-              <a:rPr lang="en-US" sz="3000" dirty="0" err="1"/>
-              <a:t>risus</a:t>
-            </a:r>
-            <a:r>
-              <a:rPr lang="en-US" sz="3000" dirty="0"/>
-              <a:t> non </a:t>
-            </a:r>
-            <a:r>
-              <a:rPr lang="en-US" sz="3000" dirty="0" err="1"/>
-              <a:t>turpis</a:t>
-            </a:r>
-            <a:r>
-              <a:rPr lang="en-US" sz="3000" dirty="0"/>
-              <a:t> </a:t>
-            </a:r>
-            <a:r>
-              <a:rPr lang="en-US" sz="3000" dirty="0" err="1"/>
-              <a:t>luctus</a:t>
-            </a:r>
-            <a:r>
-              <a:rPr lang="en-US" sz="3000" dirty="0"/>
-              <a:t> </a:t>
-            </a:r>
-            <a:r>
-              <a:rPr lang="en-US" sz="3000" dirty="0" err="1"/>
-              <a:t>aliquet</a:t>
-            </a:r>
-            <a:r>
-              <a:rPr lang="en-US" sz="3000" dirty="0"/>
-              <a:t>. </a:t>
-            </a:r>
-            <a:r>
-              <a:rPr lang="en-US" sz="3000" dirty="0" err="1"/>
-              <a:t>Aliquam</a:t>
-            </a:r>
-            <a:r>
-              <a:rPr lang="en-US" sz="3000" dirty="0"/>
-              <a:t> </a:t>
-            </a:r>
-            <a:r>
-              <a:rPr lang="en-US" sz="3000" dirty="0" err="1"/>
-              <a:t>erat</a:t>
-            </a:r>
-            <a:r>
-              <a:rPr lang="en-US" sz="3000" dirty="0"/>
-              <a:t> </a:t>
-            </a:r>
-            <a:r>
-              <a:rPr lang="en-US" sz="3000" dirty="0" err="1"/>
-              <a:t>volutpat</a:t>
-            </a:r>
-            <a:r>
-              <a:rPr lang="en-US" sz="3000" dirty="0"/>
-              <a:t>. </a:t>
-            </a:r>
-            <a:r>
-              <a:rPr lang="en-US" sz="3000" dirty="0" err="1"/>
-              <a:t>Pellentesque</a:t>
-            </a:r>
-            <a:r>
-              <a:rPr lang="en-US" sz="3000" dirty="0"/>
-              <a:t> </a:t>
-            </a:r>
-            <a:r>
-              <a:rPr lang="en-US" sz="3000" dirty="0" err="1"/>
-              <a:t>consectetur</a:t>
-            </a:r>
-            <a:r>
-              <a:rPr lang="en-US" sz="3000" dirty="0"/>
-              <a:t> </a:t>
-            </a:r>
-            <a:r>
-              <a:rPr lang="en-US" sz="3000" dirty="0" err="1"/>
-              <a:t>auctor</a:t>
-            </a:r>
-            <a:r>
-              <a:rPr lang="en-US" sz="3000" dirty="0"/>
-              <a:t> </a:t>
-            </a:r>
-            <a:r>
-              <a:rPr lang="en-US" sz="3000" dirty="0" err="1"/>
-              <a:t>sapien</a:t>
-            </a:r>
-            <a:r>
-              <a:rPr lang="en-US" sz="3000" dirty="0"/>
-              <a:t>, </a:t>
-            </a:r>
-            <a:r>
-              <a:rPr lang="en-US" sz="3000" dirty="0" err="1"/>
-              <a:t>quis</a:t>
-            </a:r>
-            <a:r>
-              <a:rPr lang="en-US" sz="3000" dirty="0"/>
-              <a:t> </a:t>
-            </a:r>
-            <a:r>
-              <a:rPr lang="en-US" sz="3000" dirty="0" err="1"/>
-              <a:t>aliquam</a:t>
-            </a:r>
-            <a:r>
-              <a:rPr lang="en-US" sz="3000" dirty="0"/>
-              <a:t> lacus </a:t>
-            </a:r>
-            <a:r>
-              <a:rPr lang="en-US" sz="3000" dirty="0" err="1"/>
-              <a:t>cursus</a:t>
-            </a:r>
-            <a:r>
-              <a:rPr lang="en-US" sz="3000" dirty="0"/>
-              <a:t> non. </a:t>
-            </a:r>
-            <a:r>
-              <a:rPr lang="en-US" sz="3000" dirty="0" err="1"/>
-              <a:t>Donec</a:t>
-            </a:r>
-            <a:r>
-              <a:rPr lang="en-US" sz="3000" dirty="0"/>
-              <a:t> </a:t>
-            </a:r>
-            <a:r>
-              <a:rPr lang="en-US" sz="3000" dirty="0" err="1"/>
-              <a:t>sollicitudin</a:t>
-            </a:r>
-            <a:r>
-              <a:rPr lang="en-US" sz="3000" dirty="0"/>
-              <a:t> </a:t>
-            </a:r>
-            <a:r>
-              <a:rPr lang="en-US" sz="3000" dirty="0" err="1"/>
-              <a:t>varius</a:t>
-            </a:r>
-            <a:r>
-              <a:rPr lang="en-US" sz="3000" dirty="0"/>
-              <a:t> </a:t>
-            </a:r>
-            <a:r>
-              <a:rPr lang="en-US" sz="3000" dirty="0" err="1"/>
-              <a:t>luctus</a:t>
-            </a:r>
-            <a:r>
-              <a:rPr lang="en-US" sz="3000" dirty="0"/>
-              <a:t>. </a:t>
-            </a:r>
-            <a:r>
-              <a:rPr lang="en-US" sz="3000" dirty="0" err="1"/>
-              <a:t>Quisque</a:t>
-            </a:r>
-            <a:r>
-              <a:rPr lang="en-US" sz="3000" dirty="0"/>
-              <a:t> </a:t>
-            </a:r>
-            <a:r>
-              <a:rPr lang="en-US" sz="3000" dirty="0" err="1"/>
-              <a:t>sagittis</a:t>
-            </a:r>
-            <a:r>
-              <a:rPr lang="en-US" sz="3000" dirty="0"/>
-              <a:t> </a:t>
-            </a:r>
-            <a:r>
-              <a:rPr lang="en-US" sz="3000" dirty="0" err="1"/>
-              <a:t>tristique</a:t>
-            </a:r>
-            <a:r>
-              <a:rPr lang="en-US" sz="3000" dirty="0"/>
-              <a:t> </a:t>
-            </a:r>
-            <a:r>
-              <a:rPr lang="en-US" sz="3000" dirty="0" err="1"/>
-              <a:t>arcu</a:t>
-            </a:r>
-            <a:r>
-              <a:rPr lang="en-US" sz="3000" dirty="0"/>
-              <a:t>, </a:t>
-            </a:r>
-            <a:r>
-              <a:rPr lang="en-US" sz="3000" dirty="0" err="1"/>
-              <a:t>sed</a:t>
-            </a:r>
-            <a:r>
-              <a:rPr lang="en-US" sz="3000" dirty="0"/>
-              <a:t> </a:t>
-            </a:r>
-            <a:r>
-              <a:rPr lang="en-US" sz="3000" dirty="0" err="1"/>
-              <a:t>vehicula</a:t>
-            </a:r>
-            <a:r>
-              <a:rPr lang="en-US" sz="3000" dirty="0"/>
-              <a:t> lacus </a:t>
-            </a:r>
-            <a:r>
-              <a:rPr lang="en-US" sz="3000" dirty="0" err="1"/>
-              <a:t>ultrices</a:t>
-            </a:r>
-            <a:r>
-              <a:rPr lang="en-US" sz="3000" dirty="0"/>
-              <a:t> </a:t>
-            </a:r>
-            <a:r>
-              <a:rPr lang="en-US" sz="3000" dirty="0" err="1"/>
-              <a:t>convallis</a:t>
-            </a:r>
-            <a:r>
-              <a:rPr lang="en-US" sz="3000" dirty="0"/>
-              <a:t>. </a:t>
-            </a:r>
+              <a:rPr lang="en-US" sz="3600" b="1" dirty="0">
+                <a:solidFill>
+                  <a:srgbClr val="5D87A1"/>
+                </a:solidFill>
+              </a:rPr>
+              <a:t>Getting Unstuck from Obstacles</a:t>
+            </a:r>
+            <a:endParaRPr lang="en-US" sz="3600" dirty="0"/>
+          </a:p>
+          <a:p>
+            <a:pPr>
+              <a:spcAft>
+                <a:spcPts val="1800"/>
+              </a:spcAft>
+            </a:pPr>
+            <a:r>
+              <a:rPr lang="en-US" sz="3000" dirty="0"/>
+              <a:t>In case the obstacle avoidance fails, and we end up hitting an obstacle, we’ve developed an algorithm to help us get unstuck from what we hit. It works by first attempting to back up the rover, and if the rover doesn’t move, back up in different directions until it does move. It detects if the rover has moved by checking the GPS coordinates. This algorithm works best if just the rover’s path forward is blocked, but it can still easily move backward.</a:t>
+            </a:r>
+          </a:p>
+          <a:p>
+            <a:pPr>
+              <a:spcAft>
+                <a:spcPts val="1800"/>
+              </a:spcAft>
+            </a:pPr>
+            <a:r>
+              <a:rPr lang="en-US" sz="3600" b="1" dirty="0">
+                <a:solidFill>
+                  <a:srgbClr val="5D87A1"/>
+                </a:solidFill>
+              </a:rPr>
+              <a:t>Find and Touch the Finish Pole</a:t>
+            </a:r>
+            <a:endParaRPr lang="en-US" sz="3600" dirty="0"/>
+          </a:p>
+          <a:p>
+            <a:pPr>
+              <a:spcAft>
+                <a:spcPts val="1800"/>
+              </a:spcAft>
+            </a:pPr>
+            <a:r>
+              <a:rPr lang="en-US" sz="3000" dirty="0"/>
+              <a:t>Once the rover get’s within the GPS’ error range of the finish coordinates, we have to search for the finish pole. This algorithm works by first searching for the finish pole by rotating in place and taking pictures, then aligning the rover in the direction of the finish, and moving forward, making periodic course </a:t>
+            </a:r>
+            <a:r>
+              <a:rPr lang="en-US" sz="3000"/>
+              <a:t>corrections along the way. </a:t>
+            </a:r>
+            <a:endParaRPr lang="en-US" sz="3000" dirty="0"/>
           </a:p>
         </p:txBody>
       </p:sp>
@@ -5904,7 +4861,7 @@
                   <a:srgbClr val="5D87A1"/>
                 </a:solidFill>
               </a:rPr>
-              <a:t>SUBHEAD. LOREM IPSUM</a:t>
+              <a:t>Obstacle Detection Software</a:t>
             </a:r>
           </a:p>
           <a:p>
@@ -6902,7 +5859,7 @@
         <p:spPr>
           <a:xfrm>
             <a:off x="1406151" y="5331461"/>
-            <a:ext cx="8550648" cy="18962798"/>
+            <a:ext cx="8612492" cy="18962798"/>
           </a:xfrm>
           <a:prstGeom prst="rect">
             <a:avLst/>
@@ -6963,7 +5920,7 @@
                   <a:srgbClr val="5D87A1"/>
                 </a:solidFill>
               </a:rPr>
-              <a:t>SUBHEAD. LOREM IPSUM</a:t>
+              <a:t>Implementation</a:t>
             </a:r>
           </a:p>
           <a:p>
@@ -6973,290 +5930,40 @@
               </a:spcAft>
             </a:pPr>
             <a:r>
-              <a:rPr lang="en-US" sz="3000" dirty="0" err="1"/>
-              <a:t>Urna</a:t>
-            </a:r>
-            <a:r>
-              <a:rPr lang="en-US" sz="3000" dirty="0"/>
-              <a:t> </a:t>
-            </a:r>
-            <a:r>
-              <a:rPr lang="en-US" sz="3000" dirty="0" err="1"/>
-              <a:t>aliquet</a:t>
-            </a:r>
-            <a:r>
-              <a:rPr lang="en-US" sz="3000" dirty="0"/>
-              <a:t> </a:t>
-            </a:r>
-            <a:r>
-              <a:rPr lang="en-US" sz="3000" dirty="0" err="1"/>
-              <a:t>mattis</a:t>
-            </a:r>
-            <a:r>
-              <a:rPr lang="en-US" sz="3000" dirty="0"/>
-              <a:t>. </a:t>
-            </a:r>
-            <a:r>
-              <a:rPr lang="en-US" sz="3000" dirty="0" err="1"/>
-              <a:t>Nunc</a:t>
-            </a:r>
-            <a:r>
-              <a:rPr lang="en-US" sz="3000" dirty="0"/>
-              <a:t> </a:t>
-            </a:r>
-            <a:r>
-              <a:rPr lang="en-US" sz="3000" dirty="0" err="1"/>
-              <a:t>quis</a:t>
-            </a:r>
-            <a:r>
-              <a:rPr lang="en-US" sz="3000" dirty="0"/>
-              <a:t> </a:t>
-            </a:r>
-            <a:r>
-              <a:rPr lang="en-US" sz="3000" dirty="0" err="1"/>
-              <a:t>enim</a:t>
-            </a:r>
-            <a:r>
-              <a:rPr lang="en-US" sz="3000" dirty="0"/>
-              <a:t> </a:t>
-            </a:r>
-            <a:r>
-              <a:rPr lang="en-US" sz="3000" dirty="0" err="1"/>
-              <a:t>lorem</a:t>
-            </a:r>
-            <a:r>
-              <a:rPr lang="en-US" sz="3000" dirty="0"/>
-              <a:t>, </a:t>
-            </a:r>
-            <a:r>
-              <a:rPr lang="en-US" sz="3000" dirty="0" err="1"/>
-              <a:t>aliquam</a:t>
-            </a:r>
-            <a:r>
-              <a:rPr lang="en-US" sz="3000" dirty="0"/>
-              <a:t> </a:t>
-            </a:r>
-            <a:r>
-              <a:rPr lang="en-US" sz="3000" dirty="0" err="1"/>
-              <a:t>consectetur</a:t>
-            </a:r>
-            <a:r>
-              <a:rPr lang="en-US" sz="3000" dirty="0"/>
-              <a:t> </a:t>
-            </a:r>
-            <a:r>
-              <a:rPr lang="en-US" sz="3000" dirty="0" err="1"/>
-              <a:t>justo</a:t>
-            </a:r>
-            <a:r>
-              <a:rPr lang="en-US" sz="3000" dirty="0"/>
-              <a:t>. </a:t>
-            </a:r>
-            <a:r>
-              <a:rPr lang="en-US" sz="3000" dirty="0" err="1"/>
-              <a:t>Ut</a:t>
-            </a:r>
-            <a:r>
-              <a:rPr lang="en-US" sz="3000" dirty="0"/>
-              <a:t> </a:t>
-            </a:r>
-            <a:r>
-              <a:rPr lang="en-US" sz="3000" dirty="0" err="1"/>
-              <a:t>interdum</a:t>
-            </a:r>
-            <a:r>
-              <a:rPr lang="en-US" sz="3000" dirty="0"/>
-              <a:t> </a:t>
-            </a:r>
-            <a:r>
-              <a:rPr lang="en-US" sz="3000" dirty="0" err="1"/>
-              <a:t>facilisis</a:t>
-            </a:r>
-            <a:r>
-              <a:rPr lang="en-US" sz="3000" dirty="0"/>
-              <a:t> ante </a:t>
-            </a:r>
-            <a:r>
-              <a:rPr lang="en-US" sz="3000" dirty="0" err="1"/>
-              <a:t>luctus</a:t>
-            </a:r>
-            <a:r>
-              <a:rPr lang="en-US" sz="3000" dirty="0"/>
-              <a:t> </a:t>
-            </a:r>
-            <a:r>
-              <a:rPr lang="en-US" sz="3000" dirty="0" err="1"/>
-              <a:t>tincidunt</a:t>
-            </a:r>
-            <a:r>
-              <a:rPr lang="en-US" sz="3000" dirty="0"/>
-              <a:t>. </a:t>
-            </a:r>
-            <a:r>
-              <a:rPr lang="en-US" sz="3000" dirty="0" err="1"/>
-              <a:t>Aenean</a:t>
-            </a:r>
-            <a:r>
-              <a:rPr lang="en-US" sz="3000" dirty="0"/>
-              <a:t> vitae </a:t>
-            </a:r>
-            <a:r>
-              <a:rPr lang="en-US" sz="3000" dirty="0" err="1"/>
-              <a:t>sapien</a:t>
-            </a:r>
-            <a:r>
-              <a:rPr lang="en-US" sz="3000" dirty="0"/>
-              <a:t> </a:t>
-            </a:r>
-            <a:r>
-              <a:rPr lang="en-US" sz="3000" dirty="0" err="1"/>
-              <a:t>nulla</a:t>
-            </a:r>
-            <a:r>
-              <a:rPr lang="en-US" sz="3000" dirty="0"/>
-              <a:t>, </a:t>
-            </a:r>
-            <a:r>
-              <a:rPr lang="en-US" sz="3000" dirty="0" err="1"/>
-              <a:t>sed</a:t>
-            </a:r>
-            <a:r>
-              <a:rPr lang="en-US" sz="3000" dirty="0"/>
-              <a:t> dictum dui. </a:t>
-            </a:r>
-            <a:r>
-              <a:rPr lang="en-US" sz="3000" dirty="0" err="1"/>
-              <a:t>Morbi</a:t>
-            </a:r>
-            <a:r>
-              <a:rPr lang="en-US" sz="3000" dirty="0"/>
-              <a:t> </a:t>
-            </a:r>
-            <a:r>
-              <a:rPr lang="en-US" sz="3000" dirty="0" err="1"/>
-              <a:t>diam</a:t>
-            </a:r>
-            <a:r>
-              <a:rPr lang="en-US" sz="3000" dirty="0"/>
-              <a:t> </a:t>
-            </a:r>
-            <a:r>
-              <a:rPr lang="en-US" sz="3000" dirty="0" err="1"/>
-              <a:t>lectus</a:t>
-            </a:r>
-            <a:r>
-              <a:rPr lang="en-US" sz="3000" dirty="0"/>
-              <a:t>, </a:t>
-            </a:r>
-            <a:r>
-              <a:rPr lang="en-US" sz="3000" dirty="0" err="1"/>
-              <a:t>porta</a:t>
-            </a:r>
-            <a:r>
-              <a:rPr lang="en-US" sz="3000" dirty="0"/>
-              <a:t> id </a:t>
-            </a:r>
-            <a:r>
-              <a:rPr lang="en-US" sz="3000" dirty="0" err="1"/>
-              <a:t>malesuada</a:t>
-            </a:r>
-            <a:r>
-              <a:rPr lang="en-US" sz="3000" dirty="0"/>
-              <a:t> </a:t>
-            </a:r>
-            <a:r>
-              <a:rPr lang="en-US" sz="3000" dirty="0" err="1"/>
-              <a:t>eu</a:t>
-            </a:r>
-            <a:r>
-              <a:rPr lang="en-US" sz="3000" dirty="0"/>
-              <a:t>, </a:t>
-            </a:r>
-            <a:r>
-              <a:rPr lang="en-US" sz="3000" dirty="0" err="1"/>
-              <a:t>consequat</a:t>
-            </a:r>
-            <a:r>
-              <a:rPr lang="en-US" sz="3000" dirty="0"/>
-              <a:t> a ante. </a:t>
-            </a:r>
-            <a:r>
-              <a:rPr lang="en-US" sz="3000" dirty="0" err="1"/>
-              <a:t>Nullam</a:t>
-            </a:r>
-            <a:r>
-              <a:rPr lang="en-US" sz="3000" dirty="0"/>
-              <a:t> vitae </a:t>
-            </a:r>
-            <a:r>
-              <a:rPr lang="en-US" sz="3000" dirty="0" err="1"/>
-              <a:t>varius</a:t>
-            </a:r>
-            <a:r>
-              <a:rPr lang="en-US" sz="3000" dirty="0"/>
-              <a:t> est. </a:t>
-            </a:r>
-            <a:r>
-              <a:rPr lang="en-US" sz="3000" dirty="0" err="1"/>
-              <a:t>Vivamus</a:t>
-            </a:r>
-            <a:r>
-              <a:rPr lang="en-US" sz="3000" dirty="0"/>
-              <a:t> ac </a:t>
-            </a:r>
-            <a:r>
-              <a:rPr lang="en-US" sz="3000" dirty="0" err="1"/>
-              <a:t>libero</a:t>
-            </a:r>
-            <a:r>
-              <a:rPr lang="en-US" sz="3000" dirty="0"/>
-              <a:t> </a:t>
-            </a:r>
-            <a:r>
-              <a:rPr lang="en-US" sz="3000" dirty="0" err="1"/>
-              <a:t>ut</a:t>
-            </a:r>
-            <a:r>
-              <a:rPr lang="en-US" sz="3000" dirty="0"/>
-              <a:t> </a:t>
-            </a:r>
-            <a:r>
-              <a:rPr lang="en-US" sz="3000" dirty="0" err="1"/>
-              <a:t>arcu</a:t>
-            </a:r>
-            <a:r>
-              <a:rPr lang="en-US" sz="3000" dirty="0"/>
-              <a:t> </a:t>
-            </a:r>
-            <a:r>
-              <a:rPr lang="en-US" sz="3000" dirty="0" err="1"/>
-              <a:t>accumsan</a:t>
-            </a:r>
-            <a:r>
-              <a:rPr lang="en-US" sz="3000" dirty="0"/>
-              <a:t> </a:t>
-            </a:r>
-            <a:r>
-              <a:rPr lang="en-US" sz="3000" dirty="0" err="1"/>
-              <a:t>convallis</a:t>
-            </a:r>
-            <a:r>
-              <a:rPr lang="en-US" sz="3000" dirty="0"/>
-              <a:t> vitae </a:t>
-            </a:r>
-            <a:r>
-              <a:rPr lang="en-US" sz="3000" dirty="0" err="1"/>
-              <a:t>vel</a:t>
-            </a:r>
-            <a:r>
-              <a:rPr lang="en-US" sz="3000" dirty="0"/>
-              <a:t> </a:t>
-            </a:r>
-            <a:r>
-              <a:rPr lang="en-US" sz="3000" dirty="0" err="1"/>
-              <a:t>leo</a:t>
-            </a:r>
-            <a:endParaRPr lang="en-US" sz="3000" dirty="0"/>
+              <a:rPr lang="en-US" sz="3000" dirty="0"/>
+              <a:t>We implemented our software by splitting it up into separate tasks. The tasks we came up with were: parachute deployment, GPS navigation, obstacle avoidance, getting unstuck from obstacles, and hitting the finish pole. In addition, many tasks were implemented utilizing the onboard camera, which we had to create obstacle detection software for.</a:t>
+            </a:r>
+          </a:p>
+          <a:p>
+            <a:pPr>
+              <a:spcAft>
+                <a:spcPts val="1800"/>
+              </a:spcAft>
+            </a:pPr>
+            <a:r>
+              <a:rPr lang="en-US" sz="3600" b="1" dirty="0">
+                <a:solidFill>
+                  <a:srgbClr val="5D87A1"/>
+                </a:solidFill>
+              </a:rPr>
+              <a:t>Parachute Deployment</a:t>
+            </a:r>
+          </a:p>
+          <a:p>
+            <a:pPr>
+              <a:spcAft>
+                <a:spcPts val="1800"/>
+              </a:spcAft>
+            </a:pPr>
+            <a:r>
+              <a:rPr lang="en-US" sz="3000" dirty="0"/>
+              <a:t>Once the rover is dropped from the rocket, we had to determine at what point to deploy the parachute. We accomplished this by tracking the GPS coordinates height, and deploying the parachute once we dropped below a certain altitude. This way, the wind won’t carry us as far as if we deployed the parachute immediately.</a:t>
+            </a:r>
+            <a:endParaRPr lang="en-US" sz="3000" b="1" dirty="0">
+              <a:solidFill>
+                <a:srgbClr val="5D87A1"/>
+              </a:solidFill>
+            </a:endParaRPr>
           </a:p>
         </p:txBody>
       </p:sp>

--- a/docs/Poster/postertemplate.pptx
+++ b/docs/Poster/postertemplate.pptx
@@ -4089,8 +4089,8 @@
         </p:nvSpPr>
         <p:spPr>
           <a:xfrm>
-            <a:off x="12469125" y="12039600"/>
-            <a:ext cx="9222475" cy="18962798"/>
+            <a:off x="12469125" y="9927771"/>
+            <a:ext cx="9222475" cy="21074627"/>
           </a:xfrm>
           <a:prstGeom prst="rect">
             <a:avLst/>
@@ -4125,239 +4125,7 @@
             </a:pPr>
             <a:r>
               <a:rPr lang="en-US" sz="3000" dirty="0"/>
-              <a:t>Body. </a:t>
-            </a:r>
-            <a:r>
-              <a:rPr lang="en-US" sz="3000" dirty="0" err="1"/>
-              <a:t>Lorem</a:t>
-            </a:r>
-            <a:r>
-              <a:rPr lang="en-US" sz="3000" dirty="0"/>
-              <a:t> </a:t>
-            </a:r>
-            <a:r>
-              <a:rPr lang="en-US" sz="3000" dirty="0" err="1"/>
-              <a:t>ipsum</a:t>
-            </a:r>
-            <a:r>
-              <a:rPr lang="en-US" sz="3000" dirty="0"/>
-              <a:t> dolor sit </a:t>
-            </a:r>
-            <a:r>
-              <a:rPr lang="en-US" sz="3000" dirty="0" err="1"/>
-              <a:t>amet</a:t>
-            </a:r>
-            <a:r>
-              <a:rPr lang="en-US" sz="3000" dirty="0"/>
-              <a:t>, </a:t>
-            </a:r>
-            <a:r>
-              <a:rPr lang="en-US" sz="3000" dirty="0" err="1"/>
-              <a:t>consectetur</a:t>
-            </a:r>
-            <a:r>
-              <a:rPr lang="en-US" sz="3000" dirty="0"/>
-              <a:t> </a:t>
-            </a:r>
-            <a:r>
-              <a:rPr lang="en-US" sz="3000" dirty="0" err="1"/>
-              <a:t>adipiscing</a:t>
-            </a:r>
-            <a:r>
-              <a:rPr lang="en-US" sz="3000" dirty="0"/>
-              <a:t> </a:t>
-            </a:r>
-            <a:r>
-              <a:rPr lang="en-US" sz="3000" dirty="0" err="1"/>
-              <a:t>elit</a:t>
-            </a:r>
-            <a:r>
-              <a:rPr lang="en-US" sz="3000" dirty="0"/>
-              <a:t>. </a:t>
-            </a:r>
-            <a:r>
-              <a:rPr lang="en-US" sz="3000" dirty="0" err="1"/>
-              <a:t>Etiam</a:t>
-            </a:r>
-            <a:r>
-              <a:rPr lang="en-US" sz="3000" dirty="0"/>
-              <a:t> </a:t>
-            </a:r>
-            <a:r>
-              <a:rPr lang="en-US" sz="3000" dirty="0" err="1"/>
-              <a:t>tristique</a:t>
-            </a:r>
-            <a:r>
-              <a:rPr lang="en-US" sz="3000" dirty="0"/>
-              <a:t> </a:t>
-            </a:r>
-            <a:r>
-              <a:rPr lang="en-US" sz="3000" dirty="0" err="1"/>
-              <a:t>consequat</a:t>
-            </a:r>
-            <a:r>
-              <a:rPr lang="en-US" sz="3000" dirty="0"/>
-              <a:t> </a:t>
-            </a:r>
-            <a:r>
-              <a:rPr lang="en-US" sz="3000" dirty="0" err="1"/>
-              <a:t>laoreet</a:t>
-            </a:r>
-            <a:r>
-              <a:rPr lang="en-US" sz="3000" dirty="0"/>
-              <a:t>. </a:t>
-            </a:r>
-            <a:r>
-              <a:rPr lang="en-US" sz="3000" dirty="0" err="1"/>
-              <a:t>Nunc</a:t>
-            </a:r>
-            <a:r>
-              <a:rPr lang="en-US" sz="3000" dirty="0"/>
-              <a:t> </a:t>
-            </a:r>
-            <a:r>
-              <a:rPr lang="en-US" sz="3000" dirty="0" err="1"/>
-              <a:t>fermentum</a:t>
-            </a:r>
-            <a:r>
-              <a:rPr lang="en-US" sz="3000" dirty="0"/>
-              <a:t> </a:t>
-            </a:r>
-            <a:r>
-              <a:rPr lang="en-US" sz="3000" dirty="0" err="1"/>
-              <a:t>pulvinar</a:t>
-            </a:r>
-            <a:r>
-              <a:rPr lang="en-US" sz="3000" dirty="0"/>
-              <a:t> </a:t>
-            </a:r>
-            <a:r>
-              <a:rPr lang="en-US" sz="3000" dirty="0" err="1"/>
-              <a:t>ornare</a:t>
-            </a:r>
-            <a:r>
-              <a:rPr lang="en-US" sz="3000" dirty="0"/>
-              <a:t>. </a:t>
-            </a:r>
-            <a:r>
-              <a:rPr lang="en-US" sz="3000" dirty="0" err="1"/>
-              <a:t>Fusce</a:t>
-            </a:r>
-            <a:r>
-              <a:rPr lang="en-US" sz="3000" dirty="0"/>
-              <a:t> ac </a:t>
-            </a:r>
-            <a:r>
-              <a:rPr lang="en-US" sz="3000" dirty="0" err="1"/>
-              <a:t>nunc</a:t>
-            </a:r>
-            <a:r>
-              <a:rPr lang="en-US" sz="3000" dirty="0"/>
-              <a:t> in </a:t>
-            </a:r>
-            <a:r>
-              <a:rPr lang="en-US" sz="3000" dirty="0" err="1"/>
-              <a:t>leo</a:t>
-            </a:r>
-            <a:r>
-              <a:rPr lang="en-US" sz="3000" dirty="0"/>
-              <a:t> </a:t>
-            </a:r>
-            <a:r>
-              <a:rPr lang="en-US" sz="3000" dirty="0" err="1"/>
-              <a:t>blandit</a:t>
-            </a:r>
-            <a:r>
-              <a:rPr lang="en-US" sz="3000" dirty="0"/>
-              <a:t> </a:t>
-            </a:r>
-            <a:r>
-              <a:rPr lang="en-US" sz="3000" dirty="0" err="1"/>
-              <a:t>sagittis</a:t>
-            </a:r>
-            <a:r>
-              <a:rPr lang="en-US" sz="3000" dirty="0"/>
-              <a:t> </a:t>
-            </a:r>
-            <a:r>
-              <a:rPr lang="en-US" sz="3000" dirty="0" err="1"/>
-              <a:t>fermentum</a:t>
-            </a:r>
-            <a:r>
-              <a:rPr lang="en-US" sz="3000" dirty="0"/>
-              <a:t> </a:t>
-            </a:r>
-            <a:r>
-              <a:rPr lang="en-US" sz="3000" dirty="0" err="1"/>
-              <a:t>eu</a:t>
-            </a:r>
-            <a:r>
-              <a:rPr lang="en-US" sz="3000" dirty="0"/>
-              <a:t> sem. </a:t>
-            </a:r>
-            <a:r>
-              <a:rPr lang="en-US" sz="3000" dirty="0" err="1"/>
-              <a:t>Curabitur</a:t>
-            </a:r>
-            <a:r>
-              <a:rPr lang="en-US" sz="3000" dirty="0"/>
-              <a:t> ligula </a:t>
-            </a:r>
-            <a:r>
-              <a:rPr lang="en-US" sz="3000" dirty="0" err="1"/>
-              <a:t>odio</a:t>
-            </a:r>
-            <a:r>
-              <a:rPr lang="en-US" sz="3000" dirty="0"/>
-              <a:t>, </a:t>
-            </a:r>
-            <a:r>
-              <a:rPr lang="en-US" sz="3000" dirty="0" err="1"/>
-              <a:t>facilisis</a:t>
-            </a:r>
-            <a:r>
-              <a:rPr lang="en-US" sz="3000" dirty="0"/>
-              <a:t> in </a:t>
-            </a:r>
-            <a:r>
-              <a:rPr lang="en-US" sz="3000" dirty="0" err="1"/>
-              <a:t>tincidunt</a:t>
-            </a:r>
-            <a:r>
-              <a:rPr lang="en-US" sz="3000" dirty="0"/>
-              <a:t> </a:t>
-            </a:r>
-            <a:r>
-              <a:rPr lang="en-US" sz="3000" dirty="0" err="1"/>
-              <a:t>vel</a:t>
-            </a:r>
-            <a:r>
-              <a:rPr lang="en-US" sz="3000" dirty="0"/>
-              <a:t>, </a:t>
-            </a:r>
-            <a:r>
-              <a:rPr lang="en-US" sz="3000" dirty="0" err="1"/>
-              <a:t>scelerisque</a:t>
-            </a:r>
-            <a:r>
-              <a:rPr lang="en-US" sz="3000" dirty="0"/>
-              <a:t> </a:t>
-            </a:r>
-            <a:r>
-              <a:rPr lang="en-US" sz="3000" dirty="0" err="1"/>
-              <a:t>quis</a:t>
-            </a:r>
-            <a:r>
-              <a:rPr lang="en-US" sz="3000" dirty="0"/>
-              <a:t> </a:t>
-            </a:r>
-            <a:r>
-              <a:rPr lang="en-US" sz="3000" dirty="0" err="1"/>
-              <a:t>nulla</a:t>
-            </a:r>
-            <a:r>
-              <a:rPr lang="en-US" sz="3000" dirty="0"/>
-              <a:t>. </a:t>
+              <a:t>For the rover’s GPS Navigation functions, we are using an algorithm that determines the shortest path between two given GPS coordinates. The GPS will also keep updating new best routes per request from obstacle avoidance and unstack functions. Which means that the GPS function has to work flawlessly with both of these two functions to ensure the rover’s safety and efficiency. How rover behaves during its driving is also critical, the GPS function will check if the rover is off-course by preset time interval and give route compensation if needed.  </a:t>
             </a:r>
           </a:p>
           <a:p>
@@ -4584,11 +4352,7 @@
             </a:r>
             <a:r>
               <a:rPr lang="en-US" sz="3000" dirty="0" err="1"/>
-              <a:t>aliquam</a:t>
-            </a:r>
-            <a:r>
-              <a:rPr lang="en-US" sz="3000" dirty="0" err="1"/>
-              <a:t>leo</a:t>
+              <a:t>aliquamleo</a:t>
             </a:r>
             <a:r>
               <a:rPr lang="en-US" sz="3000" dirty="0"/>
@@ -4760,11 +4524,7 @@
             </a:r>
             <a:r>
               <a:rPr lang="en-US" sz="3000" dirty="0"/>
-              <a:t>. </a:t>
-            </a:r>
-            <a:r>
-              <a:rPr lang="en-US" sz="3000" dirty="0"/>
-              <a:t> </a:t>
+              <a:t>.  </a:t>
             </a:r>
           </a:p>
           <a:p>
@@ -4818,13 +4578,8 @@
             </a:pPr>
             <a:r>
               <a:rPr lang="en-US" sz="3000" dirty="0"/>
-              <a:t>Once the rover get’s within the GPS’ error range of the finish coordinates, we have to search for the finish pole. This algorithm works by first searching for the finish pole by rotating in place and taking pictures, then aligning the rover in the direction of the finish, and moving forward, making periodic course </a:t>
-            </a:r>
-            <a:r>
-              <a:rPr lang="en-US" sz="3000"/>
-              <a:t>corrections along the way. </a:t>
-            </a:r>
-            <a:endParaRPr lang="en-US" sz="3000" dirty="0"/>
+              <a:t>Once the rover get’s within the GPS’ error range of the finish coordinates, we have to search for the finish pole. This algorithm works by first searching for the finish pole by rotating in place and taking pictures, then aligning the rover in the direction of the finish, and moving forward, making periodic course corrections along the way. </a:t>
+            </a:r>
           </a:p>
         </p:txBody>
       </p:sp>

--- a/docs/Poster/postertemplate.pptx
+++ b/docs/Poster/postertemplate.pptx
@@ -238,7 +238,7 @@
           <a:p>
             <a:fld id="{7395F848-6DDA-9042-95D4-0071278BB24B}" type="datetimeFigureOut">
               <a:rPr lang="en-US" smtClean="0"/>
-              <a:t>3/16/2017</a:t>
+              <a:t>3/17/2017</a:t>
             </a:fld>
             <a:endParaRPr lang="en-US"/>
           </a:p>
@@ -1386,7 +1386,7 @@
           <a:p>
             <a:fld id="{56B6BD69-149A-CD41-9E7C-E241C9398BA0}" type="datetimeFigureOut">
               <a:rPr lang="en-US" smtClean="0"/>
-              <a:t>3/16/2017</a:t>
+              <a:t>3/17/2017</a:t>
             </a:fld>
             <a:endParaRPr lang="en-US"/>
           </a:p>
@@ -1564,7 +1564,7 @@
           <a:p>
             <a:fld id="{56B6BD69-149A-CD41-9E7C-E241C9398BA0}" type="datetimeFigureOut">
               <a:rPr lang="en-US" smtClean="0"/>
-              <a:t>3/16/2017</a:t>
+              <a:t>3/17/2017</a:t>
             </a:fld>
             <a:endParaRPr lang="en-US"/>
           </a:p>
@@ -1732,7 +1732,7 @@
           <a:p>
             <a:fld id="{56B6BD69-149A-CD41-9E7C-E241C9398BA0}" type="datetimeFigureOut">
               <a:rPr lang="en-US" smtClean="0"/>
-              <a:t>3/16/2017</a:t>
+              <a:t>3/17/2017</a:t>
             </a:fld>
             <a:endParaRPr lang="en-US"/>
           </a:p>
@@ -1977,7 +1977,7 @@
           <a:p>
             <a:fld id="{56B6BD69-149A-CD41-9E7C-E241C9398BA0}" type="datetimeFigureOut">
               <a:rPr lang="en-US" smtClean="0"/>
-              <a:t>3/16/2017</a:t>
+              <a:t>3/17/2017</a:t>
             </a:fld>
             <a:endParaRPr lang="en-US"/>
           </a:p>
@@ -2262,7 +2262,7 @@
           <a:p>
             <a:fld id="{56B6BD69-149A-CD41-9E7C-E241C9398BA0}" type="datetimeFigureOut">
               <a:rPr lang="en-US" smtClean="0"/>
-              <a:t>3/16/2017</a:t>
+              <a:t>3/17/2017</a:t>
             </a:fld>
             <a:endParaRPr lang="en-US"/>
           </a:p>
@@ -2686,7 +2686,7 @@
           <a:p>
             <a:fld id="{56B6BD69-149A-CD41-9E7C-E241C9398BA0}" type="datetimeFigureOut">
               <a:rPr lang="en-US" smtClean="0"/>
-              <a:t>3/16/2017</a:t>
+              <a:t>3/17/2017</a:t>
             </a:fld>
             <a:endParaRPr lang="en-US"/>
           </a:p>
@@ -2803,7 +2803,7 @@
           <a:p>
             <a:fld id="{56B6BD69-149A-CD41-9E7C-E241C9398BA0}" type="datetimeFigureOut">
               <a:rPr lang="en-US" smtClean="0"/>
-              <a:t>3/16/2017</a:t>
+              <a:t>3/17/2017</a:t>
             </a:fld>
             <a:endParaRPr lang="en-US"/>
           </a:p>
@@ -2898,7 +2898,7 @@
           <a:p>
             <a:fld id="{56B6BD69-149A-CD41-9E7C-E241C9398BA0}" type="datetimeFigureOut">
               <a:rPr lang="en-US" smtClean="0"/>
-              <a:t>3/16/2017</a:t>
+              <a:t>3/17/2017</a:t>
             </a:fld>
             <a:endParaRPr lang="en-US"/>
           </a:p>
@@ -3173,7 +3173,7 @@
           <a:p>
             <a:fld id="{56B6BD69-149A-CD41-9E7C-E241C9398BA0}" type="datetimeFigureOut">
               <a:rPr lang="en-US" smtClean="0"/>
-              <a:t>3/16/2017</a:t>
+              <a:t>3/17/2017</a:t>
             </a:fld>
             <a:endParaRPr lang="en-US"/>
           </a:p>
@@ -3428,7 +3428,7 @@
           <a:p>
             <a:fld id="{56B6BD69-149A-CD41-9E7C-E241C9398BA0}" type="datetimeFigureOut">
               <a:rPr lang="en-US" smtClean="0"/>
-              <a:t>3/16/2017</a:t>
+              <a:t>3/17/2017</a:t>
             </a:fld>
             <a:endParaRPr lang="en-US"/>
           </a:p>
@@ -3640,7 +3640,7 @@
           <a:p>
             <a:fld id="{56B6BD69-149A-CD41-9E7C-E241C9398BA0}" type="datetimeFigureOut">
               <a:rPr lang="en-US" smtClean="0"/>
-              <a:t>3/16/2017</a:t>
+              <a:t>3/17/2017</a:t>
             </a:fld>
             <a:endParaRPr lang="en-US"/>
           </a:p>
@@ -4151,381 +4151,14 @@
               </a:spcAft>
             </a:pPr>
             <a:r>
-              <a:rPr lang="en-US" sz="3000" dirty="0" err="1"/>
-              <a:t>Vivamus</a:t>
-            </a:r>
-            <a:r>
-              <a:rPr lang="en-US" sz="3000" dirty="0"/>
-              <a:t> </a:t>
-            </a:r>
-            <a:r>
-              <a:rPr lang="en-US" sz="3000" dirty="0" err="1"/>
-              <a:t>interdum</a:t>
-            </a:r>
-            <a:r>
-              <a:rPr lang="en-US" sz="3000" dirty="0"/>
-              <a:t> magna </a:t>
-            </a:r>
-            <a:r>
-              <a:rPr lang="en-US" sz="3000" dirty="0" err="1"/>
-              <a:t>quis</a:t>
-            </a:r>
-            <a:r>
-              <a:rPr lang="en-US" sz="3000" dirty="0"/>
-              <a:t> </a:t>
-            </a:r>
-            <a:r>
-              <a:rPr lang="en-US" sz="3000" dirty="0" err="1"/>
-              <a:t>mauris</a:t>
-            </a:r>
-            <a:r>
-              <a:rPr lang="en-US" sz="3000" dirty="0"/>
-              <a:t> </a:t>
-            </a:r>
-            <a:r>
-              <a:rPr lang="en-US" sz="3000" dirty="0" err="1"/>
-              <a:t>facilisis</a:t>
-            </a:r>
-            <a:r>
-              <a:rPr lang="en-US" sz="3000" dirty="0"/>
-              <a:t> </a:t>
-            </a:r>
-            <a:r>
-              <a:rPr lang="en-US" sz="3000" dirty="0" err="1"/>
-              <a:t>ornare</a:t>
-            </a:r>
-            <a:r>
-              <a:rPr lang="en-US" sz="3000" dirty="0"/>
-              <a:t>. </a:t>
-            </a:r>
-            <a:r>
-              <a:rPr lang="en-US" sz="3000" dirty="0" err="1"/>
-              <a:t>Nunc</a:t>
-            </a:r>
-            <a:r>
-              <a:rPr lang="en-US" sz="3000" dirty="0"/>
-              <a:t> </a:t>
-            </a:r>
-            <a:r>
-              <a:rPr lang="en-US" sz="3000" dirty="0" err="1"/>
-              <a:t>eget</a:t>
-            </a:r>
-            <a:r>
-              <a:rPr lang="en-US" sz="3000" dirty="0"/>
-              <a:t> </a:t>
-            </a:r>
-            <a:r>
-              <a:rPr lang="en-US" sz="3000" dirty="0" err="1"/>
-              <a:t>lectus</a:t>
-            </a:r>
-            <a:r>
-              <a:rPr lang="en-US" sz="3000" dirty="0"/>
-              <a:t> </a:t>
-            </a:r>
-            <a:r>
-              <a:rPr lang="en-US" sz="3000" dirty="0" err="1"/>
-              <a:t>massa</a:t>
-            </a:r>
-            <a:r>
-              <a:rPr lang="en-US" sz="3000" dirty="0"/>
-              <a:t>, </a:t>
-            </a:r>
-            <a:r>
-              <a:rPr lang="en-US" sz="3000" dirty="0" err="1"/>
-              <a:t>quis</a:t>
-            </a:r>
-            <a:r>
-              <a:rPr lang="en-US" sz="3000" dirty="0"/>
-              <a:t> </a:t>
-            </a:r>
-            <a:r>
-              <a:rPr lang="en-US" sz="3000" dirty="0" err="1"/>
-              <a:t>ullamcorper</a:t>
-            </a:r>
-            <a:r>
-              <a:rPr lang="en-US" sz="3000" dirty="0"/>
-              <a:t> </a:t>
-            </a:r>
-            <a:r>
-              <a:rPr lang="en-US" sz="3000" dirty="0" err="1"/>
-              <a:t>libero</a:t>
-            </a:r>
-            <a:r>
-              <a:rPr lang="en-US" sz="3000" dirty="0"/>
-              <a:t>. </a:t>
-            </a:r>
-            <a:r>
-              <a:rPr lang="en-US" sz="3000" dirty="0" err="1"/>
-              <a:t>Pellentesque</a:t>
-            </a:r>
-            <a:r>
-              <a:rPr lang="en-US" sz="3000" dirty="0"/>
-              <a:t> habitant </a:t>
-            </a:r>
-            <a:r>
-              <a:rPr lang="en-US" sz="3000" dirty="0" err="1"/>
-              <a:t>morbi</a:t>
-            </a:r>
-            <a:r>
-              <a:rPr lang="en-US" sz="3000" dirty="0"/>
-              <a:t> </a:t>
-            </a:r>
-            <a:r>
-              <a:rPr lang="en-US" sz="3000" dirty="0" err="1"/>
-              <a:t>tristique</a:t>
-            </a:r>
-            <a:r>
-              <a:rPr lang="en-US" sz="3000" dirty="0"/>
-              <a:t> </a:t>
-            </a:r>
-            <a:r>
-              <a:rPr lang="en-US" sz="3000" dirty="0" err="1"/>
-              <a:t>senectus</a:t>
-            </a:r>
-            <a:r>
-              <a:rPr lang="en-US" sz="3000" dirty="0"/>
-              <a:t> et </a:t>
-            </a:r>
-            <a:r>
-              <a:rPr lang="en-US" sz="3000" dirty="0" err="1"/>
-              <a:t>netus</a:t>
-            </a:r>
-            <a:r>
-              <a:rPr lang="en-US" sz="3000" dirty="0"/>
-              <a:t> et </a:t>
-            </a:r>
-            <a:r>
-              <a:rPr lang="en-US" sz="3000" dirty="0" err="1"/>
-              <a:t>malesuada</a:t>
-            </a:r>
-            <a:r>
-              <a:rPr lang="en-US" sz="3000" dirty="0"/>
-              <a:t> fames ac </a:t>
-            </a:r>
-            <a:r>
-              <a:rPr lang="en-US" sz="3000" dirty="0" err="1"/>
-              <a:t>turpis</a:t>
-            </a:r>
-            <a:r>
-              <a:rPr lang="en-US" sz="3000" dirty="0"/>
-              <a:t> </a:t>
-            </a:r>
-            <a:r>
-              <a:rPr lang="en-US" sz="3000" dirty="0" err="1"/>
-              <a:t>egestas</a:t>
-            </a:r>
-            <a:r>
-              <a:rPr lang="en-US" sz="3000" dirty="0"/>
-              <a:t>. </a:t>
-            </a:r>
-            <a:r>
-              <a:rPr lang="en-US" sz="3000" dirty="0" err="1"/>
-              <a:t>Praesent</a:t>
-            </a:r>
-            <a:r>
-              <a:rPr lang="en-US" sz="3000" dirty="0"/>
-              <a:t> </a:t>
-            </a:r>
-            <a:r>
-              <a:rPr lang="en-US" sz="3000" dirty="0" err="1"/>
-              <a:t>volutpat</a:t>
-            </a:r>
-            <a:r>
-              <a:rPr lang="en-US" sz="3000" dirty="0"/>
-              <a:t> ipsum </a:t>
-            </a:r>
-            <a:r>
-              <a:rPr lang="en-US" sz="3000" dirty="0" err="1"/>
-              <a:t>eu</a:t>
-            </a:r>
-            <a:r>
-              <a:rPr lang="en-US" sz="3000" dirty="0"/>
-              <a:t> </a:t>
-            </a:r>
-            <a:r>
-              <a:rPr lang="en-US" sz="3000" dirty="0" err="1"/>
-              <a:t>justo</a:t>
-            </a:r>
-            <a:r>
-              <a:rPr lang="en-US" sz="3000" dirty="0"/>
-              <a:t> </a:t>
-            </a:r>
-            <a:r>
-              <a:rPr lang="en-US" sz="3000" dirty="0" err="1"/>
-              <a:t>aliquamleo</a:t>
-            </a:r>
-            <a:r>
-              <a:rPr lang="en-US" sz="3000" dirty="0"/>
-              <a:t>, </a:t>
-            </a:r>
-            <a:r>
-              <a:rPr lang="en-US" sz="3000" dirty="0" err="1"/>
-              <a:t>vel</a:t>
-            </a:r>
-            <a:r>
-              <a:rPr lang="en-US" sz="3000" dirty="0"/>
-              <a:t> cursus </a:t>
-            </a:r>
-            <a:r>
-              <a:rPr lang="en-US" sz="3000" dirty="0" err="1"/>
-              <a:t>nulla</a:t>
-            </a:r>
-            <a:r>
-              <a:rPr lang="en-US" sz="3000" dirty="0"/>
-              <a:t>. </a:t>
-            </a:r>
-            <a:r>
-              <a:rPr lang="en-US" sz="3000" dirty="0" err="1"/>
-              <a:t>Nullam</a:t>
-            </a:r>
-            <a:r>
-              <a:rPr lang="en-US" sz="3000" dirty="0"/>
-              <a:t> </a:t>
-            </a:r>
-            <a:r>
-              <a:rPr lang="en-US" sz="3000" dirty="0" err="1"/>
-              <a:t>tristique</a:t>
-            </a:r>
-            <a:r>
-              <a:rPr lang="en-US" sz="3000" dirty="0"/>
-              <a:t> </a:t>
-            </a:r>
-            <a:r>
-              <a:rPr lang="en-US" sz="3000" dirty="0" err="1"/>
-              <a:t>laoreet</a:t>
-            </a:r>
-            <a:r>
-              <a:rPr lang="en-US" sz="3000" dirty="0"/>
-              <a:t> </a:t>
-            </a:r>
-            <a:r>
-              <a:rPr lang="en-US" sz="3000" dirty="0" err="1"/>
-              <a:t>diam</a:t>
-            </a:r>
-            <a:r>
-              <a:rPr lang="en-US" sz="3000" dirty="0"/>
-              <a:t> a </a:t>
-            </a:r>
-            <a:r>
-              <a:rPr lang="en-US" sz="3000" dirty="0" err="1"/>
-              <a:t>consequat</a:t>
-            </a:r>
-            <a:r>
-              <a:rPr lang="en-US" sz="3000" dirty="0"/>
-              <a:t>. </a:t>
-            </a:r>
-            <a:r>
-              <a:rPr lang="en-US" sz="3000" dirty="0" err="1"/>
-              <a:t>Sed</a:t>
-            </a:r>
-            <a:r>
-              <a:rPr lang="en-US" sz="3000" dirty="0"/>
-              <a:t> </a:t>
-            </a:r>
-            <a:r>
-              <a:rPr lang="en-US" sz="3000" dirty="0" err="1"/>
-              <a:t>condimentum</a:t>
-            </a:r>
-            <a:r>
-              <a:rPr lang="en-US" sz="3000" dirty="0"/>
-              <a:t> convallis </a:t>
-            </a:r>
-            <a:r>
-              <a:rPr lang="en-US" sz="3000" dirty="0" err="1"/>
-              <a:t>orci</a:t>
-            </a:r>
-            <a:r>
-              <a:rPr lang="en-US" sz="3000" dirty="0"/>
-              <a:t>, </a:t>
-            </a:r>
-            <a:r>
-              <a:rPr lang="en-US" sz="3000" dirty="0" err="1"/>
-              <a:t>eu</a:t>
-            </a:r>
-            <a:r>
-              <a:rPr lang="en-US" sz="3000" dirty="0"/>
-              <a:t> </a:t>
-            </a:r>
-            <a:r>
-              <a:rPr lang="en-US" sz="3000" dirty="0" err="1"/>
-              <a:t>dignissim</a:t>
-            </a:r>
-            <a:r>
-              <a:rPr lang="en-US" sz="3000" dirty="0"/>
-              <a:t> ante </a:t>
-            </a:r>
-            <a:r>
-              <a:rPr lang="en-US" sz="3000" dirty="0" err="1"/>
-              <a:t>elementum</a:t>
-            </a:r>
-            <a:r>
-              <a:rPr lang="en-US" sz="3000" dirty="0"/>
-              <a:t> ac. </a:t>
-            </a:r>
-            <a:r>
-              <a:rPr lang="en-US" sz="3000" dirty="0" err="1"/>
-              <a:t>Donec</a:t>
-            </a:r>
-            <a:r>
-              <a:rPr lang="en-US" sz="3000" dirty="0"/>
-              <a:t> </a:t>
-            </a:r>
-            <a:r>
-              <a:rPr lang="en-US" sz="3000" dirty="0" err="1"/>
-              <a:t>quam</a:t>
-            </a:r>
-            <a:r>
-              <a:rPr lang="en-US" sz="3000" dirty="0"/>
-              <a:t> </a:t>
-            </a:r>
-            <a:r>
-              <a:rPr lang="en-US" sz="3000" dirty="0" err="1"/>
-              <a:t>tellus</a:t>
-            </a:r>
-            <a:r>
-              <a:rPr lang="en-US" sz="3000" dirty="0"/>
-              <a:t>, </a:t>
-            </a:r>
-            <a:r>
-              <a:rPr lang="en-US" sz="3000" dirty="0" err="1"/>
-              <a:t>fringilla</a:t>
-            </a:r>
-            <a:r>
-              <a:rPr lang="en-US" sz="3000" dirty="0"/>
-              <a:t> </a:t>
-            </a:r>
-            <a:r>
-              <a:rPr lang="en-US" sz="3000" dirty="0" err="1"/>
-              <a:t>vel</a:t>
-            </a:r>
-            <a:r>
-              <a:rPr lang="en-US" sz="3000" dirty="0"/>
-              <a:t> gravida sit </a:t>
-            </a:r>
-            <a:r>
-              <a:rPr lang="en-US" sz="3000" dirty="0" err="1"/>
-              <a:t>amet</a:t>
-            </a:r>
-            <a:r>
-              <a:rPr lang="en-US" sz="3000" dirty="0"/>
-              <a:t>, </a:t>
-            </a:r>
-            <a:r>
-              <a:rPr lang="en-US" sz="3000" dirty="0" err="1"/>
-              <a:t>egestas</a:t>
-            </a:r>
-            <a:r>
-              <a:rPr lang="en-US" sz="3000" dirty="0"/>
-              <a:t> id </a:t>
-            </a:r>
-            <a:r>
-              <a:rPr lang="en-US" sz="3000" dirty="0" err="1"/>
-              <a:t>nulla</a:t>
-            </a:r>
-            <a:r>
-              <a:rPr lang="en-US" sz="3000" dirty="0"/>
-              <a:t>.  </a:t>
-            </a:r>
+              <a:rPr lang="en-US" sz="3000" dirty="0"/>
+              <a:t>The obstacle avoidance system ensures that our rover is not impeded on its way to the destination. Taking in filtered images from the obstacle detection software, this system does edge detection on the image find objects in the rovers path, and then decides how to best get around the object. This is done by treating the filtered black and white image as a matrix of pixels, and summing the number of edges to the left, right or in front of the rover and adjusting the direction of the rover to travel where the fewest edges </a:t>
+            </a:r>
+            <a:r>
+              <a:rPr lang="en-US" sz="3000"/>
+              <a:t>are found.</a:t>
+            </a:r>
+            <a:endParaRPr lang="en-US" sz="3000" dirty="0"/>
           </a:p>
           <a:p>
             <a:pPr>
@@ -4616,7 +4249,7 @@
                   <a:srgbClr val="5D87A1"/>
                 </a:solidFill>
               </a:rPr>
-              <a:t>Obstacle Detection Software</a:t>
+              <a:t>Imaging Software</a:t>
             </a:r>
           </a:p>
           <a:p>

--- a/docs/Poster/postertemplate.pptx
+++ b/docs/Poster/postertemplate.pptx
@@ -4076,7 +4076,7 @@
                   <a:srgbClr val="F37321"/>
                 </a:solidFill>
               </a:rPr>
-              <a:t>A collaborative international effort to build and test prototype satellites</a:t>
+              <a:t>An international effort to build and test prototype satellites</a:t>
             </a:r>
           </a:p>
         </p:txBody>
@@ -4249,7 +4249,7 @@
                   <a:srgbClr val="5D87A1"/>
                 </a:solidFill>
               </a:rPr>
-              <a:t>Imaging Software</a:t>
+              <a:t>Imaging</a:t>
             </a:r>
           </a:p>
           <a:p>
@@ -5539,7 +5539,7 @@
                   <a:srgbClr val="F37321"/>
                 </a:solidFill>
               </a:rPr>
-              <a:t>Title Subhead. Through the eyes of an elite engineer.</a:t>
+              <a:t>What it is and how we did it</a:t>
             </a:r>
           </a:p>
         </p:txBody>
@@ -5903,7 +5903,7 @@
               </a:spcAft>
             </a:pPr>
             <a:r>
-              <a:rPr lang="en-US" sz="3200" b="1" dirty="0">
+              <a:rPr lang="en-US" sz="3600" b="1" dirty="0">
                 <a:solidFill>
                   <a:srgbClr val="F37321"/>
                 </a:solidFill>
@@ -5952,6 +5952,14 @@
                 <a:spcPts val="1800"/>
               </a:spcAft>
             </a:pPr>
+            <a:r>
+              <a:rPr lang="en-US" sz="3000" dirty="0">
+                <a:solidFill>
+                  <a:schemeClr val="bg1"/>
+                </a:solidFill>
+              </a:rPr>
+              <a:t>squires@engr.orst.edu</a:t>
+            </a:r>
             <a:endParaRPr lang="en-US" sz="3000" dirty="0">
               <a:solidFill>
                 <a:schemeClr val="bg1"/>
@@ -5965,945 +5973,28 @@
               </a:spcAft>
             </a:pPr>
             <a:r>
-              <a:rPr lang="en-US" sz="3000" dirty="0" err="1">
+              <a:rPr lang="en-US" sz="3600" b="1" dirty="0">
                 <a:solidFill>
-                  <a:schemeClr val="bg1"/>
+                  <a:srgbClr val="F37321"/>
                 </a:solidFill>
               </a:rPr>
-              <a:t>Lorem</a:t>
-            </a:r>
+              <a:t>Sponsorship</a:t>
+            </a:r>
+          </a:p>
+          <a:p>
+            <a:pPr>
+              <a:spcAft>
+                <a:spcPts val="1800"/>
+              </a:spcAft>
+            </a:pPr>
             <a:r>
               <a:rPr lang="en-US" sz="3000" dirty="0">
                 <a:solidFill>
                   <a:schemeClr val="bg1"/>
                 </a:solidFill>
               </a:rPr>
-              <a:t> </a:t>
-            </a:r>
-            <a:r>
-              <a:rPr lang="en-US" sz="3000" dirty="0" err="1">
-                <a:solidFill>
-                  <a:schemeClr val="bg1"/>
-                </a:solidFill>
-              </a:rPr>
-              <a:t>ipsum</a:t>
-            </a:r>
-            <a:r>
-              <a:rPr lang="en-US" sz="3000" dirty="0">
-                <a:solidFill>
-                  <a:schemeClr val="bg1"/>
-                </a:solidFill>
-              </a:rPr>
-              <a:t> dolor sit </a:t>
-            </a:r>
-            <a:r>
-              <a:rPr lang="en-US" sz="3000" dirty="0" err="1">
-                <a:solidFill>
-                  <a:schemeClr val="bg1"/>
-                </a:solidFill>
-              </a:rPr>
-              <a:t>amet</a:t>
-            </a:r>
-            <a:r>
-              <a:rPr lang="en-US" sz="3000" dirty="0">
-                <a:solidFill>
-                  <a:schemeClr val="bg1"/>
-                </a:solidFill>
-              </a:rPr>
-              <a:t>, </a:t>
-            </a:r>
-            <a:r>
-              <a:rPr lang="en-US" sz="3000" dirty="0" err="1">
-                <a:solidFill>
-                  <a:schemeClr val="bg1"/>
-                </a:solidFill>
-              </a:rPr>
-              <a:t>consectetur</a:t>
-            </a:r>
-            <a:r>
-              <a:rPr lang="en-US" sz="3000" dirty="0">
-                <a:solidFill>
-                  <a:schemeClr val="bg1"/>
-                </a:solidFill>
-              </a:rPr>
-              <a:t> </a:t>
-            </a:r>
-            <a:r>
-              <a:rPr lang="en-US" sz="3000" dirty="0" err="1">
-                <a:solidFill>
-                  <a:schemeClr val="bg1"/>
-                </a:solidFill>
-              </a:rPr>
-              <a:t>adipiscing</a:t>
-            </a:r>
-            <a:r>
-              <a:rPr lang="en-US" sz="3000" dirty="0">
-                <a:solidFill>
-                  <a:schemeClr val="bg1"/>
-                </a:solidFill>
-              </a:rPr>
-              <a:t> </a:t>
-            </a:r>
-            <a:r>
-              <a:rPr lang="en-US" sz="3000" dirty="0" err="1">
-                <a:solidFill>
-                  <a:schemeClr val="bg1"/>
-                </a:solidFill>
-              </a:rPr>
-              <a:t>elit</a:t>
-            </a:r>
-            <a:r>
-              <a:rPr lang="en-US" sz="3000" dirty="0">
-                <a:solidFill>
-                  <a:schemeClr val="bg1"/>
-                </a:solidFill>
-              </a:rPr>
-              <a:t>. </a:t>
-            </a:r>
-            <a:r>
-              <a:rPr lang="en-US" sz="3000" dirty="0" err="1">
-                <a:solidFill>
-                  <a:schemeClr val="bg1"/>
-                </a:solidFill>
-              </a:rPr>
-              <a:t>Nulla</a:t>
-            </a:r>
-            <a:r>
-              <a:rPr lang="en-US" sz="3000" dirty="0">
-                <a:solidFill>
-                  <a:schemeClr val="bg1"/>
-                </a:solidFill>
-              </a:rPr>
-              <a:t> </a:t>
-            </a:r>
-            <a:r>
-              <a:rPr lang="en-US" sz="3000" dirty="0" err="1">
-                <a:solidFill>
-                  <a:schemeClr val="bg1"/>
-                </a:solidFill>
-              </a:rPr>
-              <a:t>facilisi</a:t>
-            </a:r>
-            <a:r>
-              <a:rPr lang="en-US" sz="3000" dirty="0">
-                <a:solidFill>
-                  <a:schemeClr val="bg1"/>
-                </a:solidFill>
-              </a:rPr>
-              <a:t>. Maecenas </a:t>
-            </a:r>
-            <a:r>
-              <a:rPr lang="en-US" sz="3000" dirty="0" err="1">
-                <a:solidFill>
-                  <a:schemeClr val="bg1"/>
-                </a:solidFill>
-              </a:rPr>
-              <a:t>feugiat</a:t>
-            </a:r>
-            <a:r>
-              <a:rPr lang="en-US" sz="3000" dirty="0">
-                <a:solidFill>
-                  <a:schemeClr val="bg1"/>
-                </a:solidFill>
-              </a:rPr>
-              <a:t> </a:t>
-            </a:r>
-            <a:r>
-              <a:rPr lang="en-US" sz="3000" dirty="0" err="1">
-                <a:solidFill>
-                  <a:schemeClr val="bg1"/>
-                </a:solidFill>
-              </a:rPr>
-              <a:t>bibendum</a:t>
-            </a:r>
-            <a:r>
-              <a:rPr lang="en-US" sz="3000" dirty="0">
-                <a:solidFill>
-                  <a:schemeClr val="bg1"/>
-                </a:solidFill>
-              </a:rPr>
-              <a:t> </a:t>
-            </a:r>
-            <a:r>
-              <a:rPr lang="en-US" sz="3000" dirty="0" err="1">
-                <a:solidFill>
-                  <a:schemeClr val="bg1"/>
-                </a:solidFill>
-              </a:rPr>
-              <a:t>convallis</a:t>
-            </a:r>
-            <a:r>
-              <a:rPr lang="en-US" sz="3000" dirty="0">
-                <a:solidFill>
-                  <a:schemeClr val="bg1"/>
-                </a:solidFill>
-              </a:rPr>
-              <a:t>. </a:t>
-            </a:r>
-            <a:r>
-              <a:rPr lang="en-US" sz="3000" dirty="0" err="1">
-                <a:solidFill>
-                  <a:schemeClr val="bg1"/>
-                </a:solidFill>
-              </a:rPr>
-              <a:t>Praesent</a:t>
-            </a:r>
-            <a:r>
-              <a:rPr lang="en-US" sz="3000" dirty="0">
-                <a:solidFill>
-                  <a:schemeClr val="bg1"/>
-                </a:solidFill>
-              </a:rPr>
-              <a:t> et dui </a:t>
-            </a:r>
-            <a:r>
-              <a:rPr lang="en-US" sz="3000" dirty="0" err="1">
-                <a:solidFill>
-                  <a:schemeClr val="bg1"/>
-                </a:solidFill>
-              </a:rPr>
-              <a:t>mauris</a:t>
-            </a:r>
-            <a:r>
-              <a:rPr lang="en-US" sz="3000" dirty="0">
-                <a:solidFill>
-                  <a:schemeClr val="bg1"/>
-                </a:solidFill>
-              </a:rPr>
-              <a:t>, </a:t>
-            </a:r>
-            <a:r>
-              <a:rPr lang="en-US" sz="3000" dirty="0" err="1">
-                <a:solidFill>
-                  <a:schemeClr val="bg1"/>
-                </a:solidFill>
-              </a:rPr>
-              <a:t>ullamcorper</a:t>
-            </a:r>
-            <a:r>
-              <a:rPr lang="en-US" sz="3000" dirty="0">
-                <a:solidFill>
-                  <a:schemeClr val="bg1"/>
-                </a:solidFill>
-              </a:rPr>
-              <a:t> semper </a:t>
-            </a:r>
-            <a:r>
-              <a:rPr lang="en-US" sz="3000" dirty="0" err="1">
-                <a:solidFill>
-                  <a:schemeClr val="bg1"/>
-                </a:solidFill>
-              </a:rPr>
-              <a:t>justo</a:t>
-            </a:r>
-            <a:r>
-              <a:rPr lang="en-US" sz="3000" dirty="0">
-                <a:solidFill>
-                  <a:schemeClr val="bg1"/>
-                </a:solidFill>
-              </a:rPr>
-              <a:t>. </a:t>
-            </a:r>
-            <a:r>
-              <a:rPr lang="en-US" sz="3000" dirty="0" err="1">
-                <a:solidFill>
-                  <a:schemeClr val="bg1"/>
-                </a:solidFill>
-              </a:rPr>
-              <a:t>Curabitur</a:t>
-            </a:r>
-            <a:r>
-              <a:rPr lang="en-US" sz="3000" dirty="0">
-                <a:solidFill>
-                  <a:schemeClr val="bg1"/>
-                </a:solidFill>
-              </a:rPr>
-              <a:t> sit </a:t>
-            </a:r>
-            <a:r>
-              <a:rPr lang="en-US" sz="3000" dirty="0" err="1">
-                <a:solidFill>
-                  <a:schemeClr val="bg1"/>
-                </a:solidFill>
-              </a:rPr>
-              <a:t>amet</a:t>
-            </a:r>
-            <a:r>
-              <a:rPr lang="en-US" sz="3000" dirty="0">
-                <a:solidFill>
-                  <a:schemeClr val="bg1"/>
-                </a:solidFill>
-              </a:rPr>
-              <a:t> </a:t>
-            </a:r>
-            <a:r>
-              <a:rPr lang="en-US" sz="3000" dirty="0" err="1">
-                <a:solidFill>
-                  <a:schemeClr val="bg1"/>
-                </a:solidFill>
-              </a:rPr>
-              <a:t>orci</a:t>
-            </a:r>
-            <a:r>
-              <a:rPr lang="en-US" sz="3000" dirty="0">
-                <a:solidFill>
-                  <a:schemeClr val="bg1"/>
-                </a:solidFill>
-              </a:rPr>
-              <a:t> non magna </a:t>
-            </a:r>
-            <a:r>
-              <a:rPr lang="en-US" sz="3000" dirty="0" err="1">
-                <a:solidFill>
-                  <a:schemeClr val="bg1"/>
-                </a:solidFill>
-              </a:rPr>
-              <a:t>mattis</a:t>
-            </a:r>
-            <a:r>
-              <a:rPr lang="en-US" sz="3000" dirty="0">
-                <a:solidFill>
-                  <a:schemeClr val="bg1"/>
-                </a:solidFill>
-              </a:rPr>
-              <a:t> </a:t>
-            </a:r>
-            <a:r>
-              <a:rPr lang="en-US" sz="3000" dirty="0" err="1">
-                <a:solidFill>
-                  <a:schemeClr val="bg1"/>
-                </a:solidFill>
-              </a:rPr>
-              <a:t>accumsan</a:t>
-            </a:r>
-            <a:r>
-              <a:rPr lang="en-US" sz="3000" dirty="0">
-                <a:solidFill>
-                  <a:schemeClr val="bg1"/>
-                </a:solidFill>
-              </a:rPr>
-              <a:t> </a:t>
-            </a:r>
-            <a:r>
-              <a:rPr lang="en-US" sz="3000" dirty="0" err="1">
-                <a:solidFill>
-                  <a:schemeClr val="bg1"/>
-                </a:solidFill>
-              </a:rPr>
-              <a:t>quis</a:t>
-            </a:r>
-            <a:r>
-              <a:rPr lang="en-US" sz="3000" dirty="0">
-                <a:solidFill>
-                  <a:schemeClr val="bg1"/>
-                </a:solidFill>
-              </a:rPr>
-              <a:t> </a:t>
-            </a:r>
-            <a:r>
-              <a:rPr lang="en-US" sz="3000" dirty="0" err="1">
-                <a:solidFill>
-                  <a:schemeClr val="bg1"/>
-                </a:solidFill>
-              </a:rPr>
-              <a:t>vel</a:t>
-            </a:r>
-            <a:r>
-              <a:rPr lang="en-US" sz="3000" dirty="0">
-                <a:solidFill>
-                  <a:schemeClr val="bg1"/>
-                </a:solidFill>
-              </a:rPr>
-              <a:t> sem. </a:t>
-            </a:r>
-            <a:r>
-              <a:rPr lang="en-US" sz="3000" dirty="0" err="1">
-                <a:solidFill>
-                  <a:schemeClr val="bg1"/>
-                </a:solidFill>
-              </a:rPr>
-              <a:t>Duis</a:t>
-            </a:r>
-            <a:r>
-              <a:rPr lang="en-US" sz="3000" dirty="0">
-                <a:solidFill>
-                  <a:schemeClr val="bg1"/>
-                </a:solidFill>
-              </a:rPr>
-              <a:t> </a:t>
-            </a:r>
-            <a:r>
-              <a:rPr lang="en-US" sz="3000" dirty="0" err="1">
-                <a:solidFill>
-                  <a:schemeClr val="bg1"/>
-                </a:solidFill>
-              </a:rPr>
-              <a:t>leo</a:t>
-            </a:r>
-            <a:r>
-              <a:rPr lang="en-US" sz="3000" dirty="0">
-                <a:solidFill>
-                  <a:schemeClr val="bg1"/>
-                </a:solidFill>
-              </a:rPr>
-              <a:t> </a:t>
-            </a:r>
-            <a:r>
-              <a:rPr lang="en-US" sz="3000" dirty="0" err="1">
-                <a:solidFill>
-                  <a:schemeClr val="bg1"/>
-                </a:solidFill>
-              </a:rPr>
-              <a:t>massa</a:t>
-            </a:r>
-            <a:r>
-              <a:rPr lang="en-US" sz="3000" dirty="0">
-                <a:solidFill>
-                  <a:schemeClr val="bg1"/>
-                </a:solidFill>
-              </a:rPr>
-              <a:t>, </a:t>
-            </a:r>
-            <a:r>
-              <a:rPr lang="en-US" sz="3000" dirty="0" err="1">
-                <a:solidFill>
-                  <a:schemeClr val="bg1"/>
-                </a:solidFill>
-              </a:rPr>
-              <a:t>tristique</a:t>
-            </a:r>
-            <a:r>
-              <a:rPr lang="en-US" sz="3000" dirty="0">
-                <a:solidFill>
-                  <a:schemeClr val="bg1"/>
-                </a:solidFill>
-              </a:rPr>
-              <a:t> a </a:t>
-            </a:r>
-            <a:r>
-              <a:rPr lang="en-US" sz="3000" dirty="0" err="1">
-                <a:solidFill>
-                  <a:schemeClr val="bg1"/>
-                </a:solidFill>
-              </a:rPr>
-              <a:t>porttitor</a:t>
-            </a:r>
-            <a:r>
-              <a:rPr lang="en-US" sz="3000" dirty="0">
-                <a:solidFill>
-                  <a:schemeClr val="bg1"/>
-                </a:solidFill>
-              </a:rPr>
-              <a:t> id, </a:t>
-            </a:r>
-            <a:r>
-              <a:rPr lang="en-US" sz="3000" dirty="0" err="1">
-                <a:solidFill>
-                  <a:schemeClr val="bg1"/>
-                </a:solidFill>
-              </a:rPr>
-              <a:t>mattis</a:t>
-            </a:r>
-            <a:r>
-              <a:rPr lang="en-US" sz="3000" dirty="0">
-                <a:solidFill>
-                  <a:schemeClr val="bg1"/>
-                </a:solidFill>
-              </a:rPr>
-              <a:t> in </a:t>
-            </a:r>
-            <a:r>
-              <a:rPr lang="en-US" sz="3000" dirty="0" err="1">
-                <a:solidFill>
-                  <a:schemeClr val="bg1"/>
-                </a:solidFill>
-              </a:rPr>
-              <a:t>velit</a:t>
-            </a:r>
-            <a:r>
-              <a:rPr lang="en-US" sz="3000" dirty="0">
-                <a:solidFill>
-                  <a:schemeClr val="bg1"/>
-                </a:solidFill>
-              </a:rPr>
-              <a:t>. </a:t>
-            </a:r>
-            <a:r>
-              <a:rPr lang="en-US" sz="3000" dirty="0" err="1">
-                <a:solidFill>
-                  <a:schemeClr val="bg1"/>
-                </a:solidFill>
-              </a:rPr>
-              <a:t>Aliquam</a:t>
-            </a:r>
-            <a:r>
-              <a:rPr lang="en-US" sz="3000" dirty="0">
-                <a:solidFill>
-                  <a:schemeClr val="bg1"/>
-                </a:solidFill>
-              </a:rPr>
-              <a:t> </a:t>
-            </a:r>
-            <a:r>
-              <a:rPr lang="en-US" sz="3000" dirty="0" err="1">
-                <a:solidFill>
-                  <a:schemeClr val="bg1"/>
-                </a:solidFill>
-              </a:rPr>
-              <a:t>vel</a:t>
-            </a:r>
-            <a:r>
-              <a:rPr lang="en-US" sz="3000" dirty="0">
-                <a:solidFill>
-                  <a:schemeClr val="bg1"/>
-                </a:solidFill>
-              </a:rPr>
-              <a:t> </a:t>
-            </a:r>
-            <a:r>
-              <a:rPr lang="en-US" sz="3000" dirty="0" err="1">
-                <a:solidFill>
-                  <a:schemeClr val="bg1"/>
-                </a:solidFill>
-              </a:rPr>
-              <a:t>tortor</a:t>
-            </a:r>
-            <a:r>
-              <a:rPr lang="en-US" sz="3000" dirty="0">
-                <a:solidFill>
-                  <a:schemeClr val="bg1"/>
-                </a:solidFill>
-              </a:rPr>
-              <a:t> quam, ac </a:t>
-            </a:r>
-            <a:r>
-              <a:rPr lang="en-US" sz="3000" dirty="0" err="1">
-                <a:solidFill>
-                  <a:schemeClr val="bg1"/>
-                </a:solidFill>
-              </a:rPr>
-              <a:t>porttitor</a:t>
-            </a:r>
-            <a:r>
-              <a:rPr lang="en-US" sz="3000" dirty="0">
-                <a:solidFill>
-                  <a:schemeClr val="bg1"/>
-                </a:solidFill>
-              </a:rPr>
-              <a:t> </a:t>
-            </a:r>
-            <a:r>
-              <a:rPr lang="en-US" sz="3000" dirty="0" err="1">
-                <a:solidFill>
-                  <a:schemeClr val="bg1"/>
-                </a:solidFill>
-              </a:rPr>
-              <a:t>metus</a:t>
-            </a:r>
-            <a:r>
-              <a:rPr lang="en-US" sz="3000" dirty="0">
-                <a:solidFill>
-                  <a:schemeClr val="bg1"/>
-                </a:solidFill>
-              </a:rPr>
-              <a:t>. </a:t>
-            </a:r>
-            <a:r>
-              <a:rPr lang="en-US" sz="3000" dirty="0" err="1">
-                <a:solidFill>
-                  <a:schemeClr val="bg1"/>
-                </a:solidFill>
-              </a:rPr>
-              <a:t>Suspendisse</a:t>
-            </a:r>
-            <a:r>
-              <a:rPr lang="en-US" sz="3000" dirty="0">
-                <a:solidFill>
-                  <a:schemeClr val="bg1"/>
-                </a:solidFill>
-              </a:rPr>
-              <a:t> et dui diam. </a:t>
-            </a:r>
-            <a:r>
-              <a:rPr lang="en-US" sz="3000" dirty="0" err="1">
-                <a:solidFill>
-                  <a:schemeClr val="bg1"/>
-                </a:solidFill>
-              </a:rPr>
-              <a:t>Quisque</a:t>
-            </a:r>
-            <a:r>
-              <a:rPr lang="en-US" sz="3000" dirty="0">
-                <a:solidFill>
-                  <a:schemeClr val="bg1"/>
-                </a:solidFill>
-              </a:rPr>
-              <a:t> </a:t>
-            </a:r>
-            <a:r>
-              <a:rPr lang="en-US" sz="3000" dirty="0" err="1">
-                <a:solidFill>
-                  <a:schemeClr val="bg1"/>
-                </a:solidFill>
-              </a:rPr>
-              <a:t>posuere</a:t>
-            </a:r>
-            <a:r>
-              <a:rPr lang="en-US" sz="3000" dirty="0">
-                <a:solidFill>
-                  <a:schemeClr val="bg1"/>
-                </a:solidFill>
-              </a:rPr>
-              <a:t> </a:t>
-            </a:r>
-            <a:r>
-              <a:rPr lang="en-US" sz="3000" dirty="0" err="1">
-                <a:solidFill>
-                  <a:schemeClr val="bg1"/>
-                </a:solidFill>
-              </a:rPr>
-              <a:t>diam</a:t>
-            </a:r>
-            <a:r>
-              <a:rPr lang="en-US" sz="3000" dirty="0">
-                <a:solidFill>
-                  <a:schemeClr val="bg1"/>
-                </a:solidFill>
-              </a:rPr>
-              <a:t> </a:t>
-            </a:r>
-            <a:r>
-              <a:rPr lang="en-US" sz="3000" dirty="0" err="1">
-                <a:solidFill>
-                  <a:schemeClr val="bg1"/>
-                </a:solidFill>
-              </a:rPr>
-              <a:t>hendrerit</a:t>
-            </a:r>
-            <a:r>
-              <a:rPr lang="en-US" sz="3000" dirty="0">
-                <a:solidFill>
-                  <a:schemeClr val="bg1"/>
-                </a:solidFill>
-              </a:rPr>
-              <a:t> </a:t>
-            </a:r>
-            <a:r>
-              <a:rPr lang="en-US" sz="3000" dirty="0" err="1">
-                <a:solidFill>
-                  <a:schemeClr val="bg1"/>
-                </a:solidFill>
-              </a:rPr>
-              <a:t>ipsum</a:t>
-            </a:r>
-            <a:r>
-              <a:rPr lang="en-US" sz="3000" dirty="0">
-                <a:solidFill>
-                  <a:schemeClr val="bg1"/>
-                </a:solidFill>
-              </a:rPr>
-              <a:t> </a:t>
-            </a:r>
-            <a:r>
-              <a:rPr lang="en-US" sz="3000" dirty="0" err="1">
-                <a:solidFill>
-                  <a:schemeClr val="bg1"/>
-                </a:solidFill>
-              </a:rPr>
-              <a:t>condimentum</a:t>
-            </a:r>
-            <a:r>
-              <a:rPr lang="en-US" sz="3000" dirty="0">
-                <a:solidFill>
-                  <a:schemeClr val="bg1"/>
-                </a:solidFill>
-              </a:rPr>
-              <a:t> </a:t>
-            </a:r>
-            <a:r>
-              <a:rPr lang="en-US" sz="3000" dirty="0" err="1">
-                <a:solidFill>
-                  <a:schemeClr val="bg1"/>
-                </a:solidFill>
-              </a:rPr>
-              <a:t>nec</a:t>
-            </a:r>
-            <a:r>
-              <a:rPr lang="en-US" sz="3000" dirty="0">
-                <a:solidFill>
-                  <a:schemeClr val="bg1"/>
-                </a:solidFill>
-              </a:rPr>
-              <a:t> </a:t>
-            </a:r>
-            <a:r>
-              <a:rPr lang="en-US" sz="3000" dirty="0" err="1">
-                <a:solidFill>
-                  <a:schemeClr val="bg1"/>
-                </a:solidFill>
-              </a:rPr>
-              <a:t>convallis</a:t>
-            </a:r>
-            <a:r>
-              <a:rPr lang="en-US" sz="3000" dirty="0">
-                <a:solidFill>
-                  <a:schemeClr val="bg1"/>
-                </a:solidFill>
-              </a:rPr>
-              <a:t> </a:t>
-            </a:r>
-            <a:r>
-              <a:rPr lang="en-US" sz="3000" dirty="0" err="1">
-                <a:solidFill>
-                  <a:schemeClr val="bg1"/>
-                </a:solidFill>
-              </a:rPr>
-              <a:t>massa</a:t>
-            </a:r>
-            <a:r>
-              <a:rPr lang="en-US" sz="3000" dirty="0">
-                <a:solidFill>
-                  <a:schemeClr val="bg1"/>
-                </a:solidFill>
-              </a:rPr>
-              <a:t> </a:t>
-            </a:r>
-            <a:r>
-              <a:rPr lang="en-US" sz="3000" dirty="0" err="1">
-                <a:solidFill>
-                  <a:schemeClr val="bg1"/>
-                </a:solidFill>
-              </a:rPr>
-              <a:t>congue</a:t>
-            </a:r>
-            <a:r>
-              <a:rPr lang="en-US" sz="3000" dirty="0">
-                <a:solidFill>
-                  <a:schemeClr val="bg1"/>
-                </a:solidFill>
-              </a:rPr>
-              <a:t>. Integer </a:t>
-            </a:r>
-            <a:r>
-              <a:rPr lang="en-US" sz="3000" dirty="0" err="1">
-                <a:solidFill>
-                  <a:schemeClr val="bg1"/>
-                </a:solidFill>
-              </a:rPr>
-              <a:t>nec</a:t>
-            </a:r>
-            <a:r>
-              <a:rPr lang="en-US" sz="3000" dirty="0">
-                <a:solidFill>
-                  <a:schemeClr val="bg1"/>
-                </a:solidFill>
-              </a:rPr>
-              <a:t> </a:t>
-            </a:r>
-            <a:r>
-              <a:rPr lang="en-US" sz="3000" dirty="0" err="1">
-                <a:solidFill>
-                  <a:schemeClr val="bg1"/>
-                </a:solidFill>
-              </a:rPr>
-              <a:t>velit</a:t>
-            </a:r>
-            <a:r>
-              <a:rPr lang="en-US" sz="3000" dirty="0">
-                <a:solidFill>
-                  <a:schemeClr val="bg1"/>
-                </a:solidFill>
-              </a:rPr>
-              <a:t> </a:t>
-            </a:r>
-            <a:r>
-              <a:rPr lang="en-US" sz="3000" dirty="0" err="1">
-                <a:solidFill>
-                  <a:schemeClr val="bg1"/>
-                </a:solidFill>
-              </a:rPr>
-              <a:t>quis</a:t>
-            </a:r>
-            <a:r>
-              <a:rPr lang="en-US" sz="3000" dirty="0">
-                <a:solidFill>
-                  <a:schemeClr val="bg1"/>
-                </a:solidFill>
-              </a:rPr>
-              <a:t> </a:t>
-            </a:r>
-            <a:r>
-              <a:rPr lang="en-US" sz="3000" dirty="0" err="1">
-                <a:solidFill>
-                  <a:schemeClr val="bg1"/>
-                </a:solidFill>
-              </a:rPr>
-              <a:t>nunc</a:t>
-            </a:r>
-            <a:r>
-              <a:rPr lang="en-US" sz="3000" dirty="0">
-                <a:solidFill>
-                  <a:schemeClr val="bg1"/>
-                </a:solidFill>
-              </a:rPr>
-              <a:t> </a:t>
-            </a:r>
-            <a:r>
-              <a:rPr lang="en-US" sz="3000" dirty="0" err="1">
-                <a:solidFill>
-                  <a:schemeClr val="bg1"/>
-                </a:solidFill>
-              </a:rPr>
-              <a:t>scelerisque</a:t>
-            </a:r>
-            <a:r>
-              <a:rPr lang="en-US" sz="3000" dirty="0">
-                <a:solidFill>
-                  <a:schemeClr val="bg1"/>
-                </a:solidFill>
-              </a:rPr>
-              <a:t> </a:t>
-            </a:r>
-            <a:r>
-              <a:rPr lang="en-US" sz="3000" dirty="0" err="1">
-                <a:solidFill>
-                  <a:schemeClr val="bg1"/>
-                </a:solidFill>
-              </a:rPr>
-              <a:t>eleifend</a:t>
-            </a:r>
-            <a:r>
-              <a:rPr lang="en-US" sz="3000" dirty="0">
-                <a:solidFill>
-                  <a:schemeClr val="bg1"/>
-                </a:solidFill>
-              </a:rPr>
-              <a:t>. </a:t>
-            </a:r>
-            <a:r>
-              <a:rPr lang="en-US" sz="3000" dirty="0" err="1">
-                <a:solidFill>
-                  <a:schemeClr val="bg1"/>
-                </a:solidFill>
-              </a:rPr>
-              <a:t>Suspendisse</a:t>
-            </a:r>
-            <a:r>
-              <a:rPr lang="en-US" sz="3000" dirty="0">
-                <a:solidFill>
-                  <a:schemeClr val="bg1"/>
-                </a:solidFill>
-              </a:rPr>
-              <a:t> </a:t>
-            </a:r>
-            <a:r>
-              <a:rPr lang="en-US" sz="3000" dirty="0" err="1">
-                <a:solidFill>
-                  <a:schemeClr val="bg1"/>
-                </a:solidFill>
-              </a:rPr>
-              <a:t>potenti</a:t>
-            </a:r>
-            <a:r>
-              <a:rPr lang="en-US" sz="3000" dirty="0">
-                <a:solidFill>
-                  <a:schemeClr val="bg1"/>
-                </a:solidFill>
-              </a:rPr>
-              <a:t>. Integer </a:t>
-            </a:r>
-            <a:r>
-              <a:rPr lang="en-US" sz="3000" dirty="0" err="1">
-                <a:solidFill>
-                  <a:schemeClr val="bg1"/>
-                </a:solidFill>
-              </a:rPr>
-              <a:t>rutrum</a:t>
-            </a:r>
-            <a:r>
-              <a:rPr lang="en-US" sz="3000" dirty="0">
-                <a:solidFill>
-                  <a:schemeClr val="bg1"/>
-                </a:solidFill>
-              </a:rPr>
-              <a:t> </a:t>
-            </a:r>
-            <a:r>
-              <a:rPr lang="en-US" sz="3000" dirty="0" err="1">
-                <a:solidFill>
-                  <a:schemeClr val="bg1"/>
-                </a:solidFill>
-              </a:rPr>
-              <a:t>faucibus</a:t>
-            </a:r>
-            <a:r>
-              <a:rPr lang="en-US" sz="3000" dirty="0">
-                <a:solidFill>
-                  <a:schemeClr val="bg1"/>
-                </a:solidFill>
-              </a:rPr>
-              <a:t> </a:t>
-            </a:r>
-            <a:r>
-              <a:rPr lang="en-US" sz="3000" dirty="0" err="1">
-                <a:solidFill>
-                  <a:schemeClr val="bg1"/>
-                </a:solidFill>
-              </a:rPr>
-              <a:t>justo</a:t>
-            </a:r>
-            <a:r>
-              <a:rPr lang="en-US" sz="3000" dirty="0">
-                <a:solidFill>
-                  <a:schemeClr val="bg1"/>
-                </a:solidFill>
-              </a:rPr>
-              <a:t>, a semper </a:t>
-            </a:r>
-            <a:r>
-              <a:rPr lang="en-US" sz="3000" dirty="0" err="1">
-                <a:solidFill>
-                  <a:schemeClr val="bg1"/>
-                </a:solidFill>
-              </a:rPr>
-              <a:t>lectus</a:t>
-            </a:r>
-            <a:r>
-              <a:rPr lang="en-US" sz="3000" dirty="0">
-                <a:solidFill>
-                  <a:schemeClr val="bg1"/>
-                </a:solidFill>
-              </a:rPr>
-              <a:t> </a:t>
-            </a:r>
-            <a:r>
-              <a:rPr lang="en-US" sz="3000" dirty="0" err="1">
-                <a:solidFill>
-                  <a:schemeClr val="bg1"/>
-                </a:solidFill>
-              </a:rPr>
-              <a:t>vulputate</a:t>
-            </a:r>
-            <a:r>
-              <a:rPr lang="en-US" sz="3000" dirty="0">
-                <a:solidFill>
-                  <a:schemeClr val="bg1"/>
-                </a:solidFill>
-              </a:rPr>
-              <a:t> ac. </a:t>
-            </a:r>
-          </a:p>
-          <a:p>
-            <a:pPr>
-              <a:spcAft>
-                <a:spcPts val="1800"/>
-              </a:spcAft>
-            </a:pPr>
-            <a:endParaRPr lang="en-US" sz="3000" dirty="0">
-              <a:solidFill>
-                <a:schemeClr val="bg1"/>
-              </a:solidFill>
-            </a:endParaRPr>
+              <a:t>This project was made possible through funding provided by Oregon State University AIAA</a:t>
+            </a:r>
           </a:p>
         </p:txBody>
       </p:sp>

--- a/docs/Poster/postertemplate.pptx
+++ b/docs/Poster/postertemplate.pptx
@@ -5192,54 +5192,6 @@
       </p:sp>
       <p:sp>
         <p:nvSpPr>
-          <p:cNvPr id="24" name="Rectangle 23"/>
-          <p:cNvSpPr/>
-          <p:nvPr/>
-        </p:nvSpPr>
-        <p:spPr>
-          <a:xfrm>
-            <a:off x="1406151" y="24954659"/>
-            <a:ext cx="8550648" cy="6047739"/>
-          </a:xfrm>
-          <a:prstGeom prst="rect">
-            <a:avLst/>
-          </a:prstGeom>
-          <a:solidFill>
-            <a:schemeClr val="accent2">
-              <a:lumMod val="20000"/>
-              <a:lumOff val="80000"/>
-            </a:schemeClr>
-          </a:solidFill>
-          <a:ln>
-            <a:noFill/>
-          </a:ln>
-          <a:effectLst/>
-        </p:spPr>
-        <p:style>
-          <a:lnRef idx="1">
-            <a:schemeClr val="accent1"/>
-          </a:lnRef>
-          <a:fillRef idx="3">
-            <a:schemeClr val="accent1"/>
-          </a:fillRef>
-          <a:effectRef idx="2">
-            <a:schemeClr val="accent1"/>
-          </a:effectRef>
-          <a:fontRef idx="minor">
-            <a:schemeClr val="lt1"/>
-          </a:fontRef>
-        </p:style>
-        <p:txBody>
-          <a:bodyPr rtlCol="0" anchor="ctr"/>
-          <a:lstStyle/>
-          <a:p>
-            <a:pPr algn="ctr"/>
-            <a:endParaRPr lang="en-US"/>
-          </a:p>
-        </p:txBody>
-      </p:sp>
-      <p:sp>
-        <p:nvSpPr>
           <p:cNvPr id="26" name="TextBox 25"/>
           <p:cNvSpPr txBox="1"/>
           <p:nvPr/>
@@ -5960,11 +5912,6 @@
               </a:rPr>
               <a:t>squires@engr.orst.edu</a:t>
             </a:r>
-            <a:endParaRPr lang="en-US" sz="3000" dirty="0">
-              <a:solidFill>
-                <a:schemeClr val="bg1"/>
-              </a:solidFill>
-            </a:endParaRPr>
           </a:p>
           <a:p>
             <a:pPr>
@@ -6040,6 +5987,30 @@
           <a:xfrm>
             <a:off x="22198405" y="25273016"/>
             <a:ext cx="8572500" cy="6429375"/>
+          </a:xfrm>
+          <a:prstGeom prst="rect">
+            <a:avLst/>
+          </a:prstGeom>
+        </p:spPr>
+      </p:pic>
+      <p:pic>
+        <p:nvPicPr>
+          <p:cNvPr id="4" name="Picture 3"/>
+          <p:cNvPicPr>
+            <a:picLocks noChangeAspect="1"/>
+          </p:cNvPicPr>
+          <p:nvPr/>
+        </p:nvPicPr>
+        <p:blipFill>
+          <a:blip r:embed="rId5"/>
+          <a:stretch>
+            <a:fillRect/>
+          </a:stretch>
+        </p:blipFill>
+        <p:spPr>
+          <a:xfrm>
+            <a:off x="1453402" y="24844391"/>
+            <a:ext cx="9144000" cy="6858000"/>
           </a:xfrm>
           <a:prstGeom prst="rect">
             <a:avLst/>
